--- a/Delay Analysis Team Delorean.pptx
+++ b/Delay Analysis Team Delorean.pptx
@@ -13,6 +13,18 @@
     <p:sldId id="259" r:id="rId7"/>
     <p:sldId id="263" r:id="rId8"/>
     <p:sldId id="264" r:id="rId9"/>
+    <p:sldId id="265" r:id="rId10"/>
+    <p:sldId id="266" r:id="rId11"/>
+    <p:sldId id="267" r:id="rId12"/>
+    <p:sldId id="268" r:id="rId13"/>
+    <p:sldId id="269" r:id="rId14"/>
+    <p:sldId id="270" r:id="rId15"/>
+    <p:sldId id="271" r:id="rId16"/>
+    <p:sldId id="272" r:id="rId17"/>
+    <p:sldId id="273" r:id="rId18"/>
+    <p:sldId id="274" r:id="rId19"/>
+    <p:sldId id="275" r:id="rId20"/>
+    <p:sldId id="276" r:id="rId21"/>
   </p:sldIdLst>
   <p:sldSz cx="12192000" cy="6858000"/>
   <p:notesSz cx="6858000" cy="9144000"/>
@@ -111,6 +123,11 @@
       </a:defRPr>
     </a:lvl9pPr>
   </p:defaultTextStyle>
+  <p:extLst>
+    <p:ext uri="{EFAFB233-063F-42B5-8137-9DF3F51BA10A}">
+      <p15:sldGuideLst xmlns:p15="http://schemas.microsoft.com/office/powerpoint/2012/main"/>
+    </p:ext>
+  </p:extLst>
 </p:presentation>
 </file>
 
@@ -4261,6 +4278,606 @@
 </p:sld>
 </file>
 
+<file path=ppt/slides/slide10.xml><?xml version="1.0" encoding="utf-8"?>
+<p:sld xmlns:a="http://schemas.openxmlformats.org/drawingml/2006/main" xmlns:r="http://schemas.openxmlformats.org/officeDocument/2006/relationships" xmlns:p="http://schemas.openxmlformats.org/presentationml/2006/main">
+  <p:cSld>
+    <p:spTree>
+      <p:nvGrpSpPr>
+        <p:cNvPr id="1" name=""/>
+        <p:cNvGrpSpPr/>
+        <p:nvPr/>
+      </p:nvGrpSpPr>
+      <p:grpSpPr>
+        <a:xfrm>
+          <a:off x="0" y="0"/>
+          <a:ext cx="0" cy="0"/>
+          <a:chOff x="0" y="0"/>
+          <a:chExt cx="0" cy="0"/>
+        </a:xfrm>
+      </p:grpSpPr>
+      <p:pic>
+        <p:nvPicPr>
+          <p:cNvPr id="2" name="Picture 1"/>
+          <p:cNvPicPr>
+            <a:picLocks noChangeAspect="1"/>
+          </p:cNvPicPr>
+          <p:nvPr/>
+        </p:nvPicPr>
+        <p:blipFill>
+          <a:blip r:embed="rId2">
+            <a:extLst>
+              <a:ext uri="{28A0092B-C50C-407E-A947-70E740481C1C}">
+                <a14:useLocalDpi xmlns:a14="http://schemas.microsoft.com/office/drawing/2010/main" val="0"/>
+              </a:ext>
+            </a:extLst>
+          </a:blip>
+          <a:stretch>
+            <a:fillRect/>
+          </a:stretch>
+        </p:blipFill>
+        <p:spPr>
+          <a:xfrm>
+            <a:off x="2520135" y="570849"/>
+            <a:ext cx="7151729" cy="5716302"/>
+          </a:xfrm>
+          <a:prstGeom prst="rect">
+            <a:avLst/>
+          </a:prstGeom>
+        </p:spPr>
+      </p:pic>
+    </p:spTree>
+    <p:extLst>
+      <p:ext uri="{BB962C8B-B14F-4D97-AF65-F5344CB8AC3E}">
+        <p14:creationId xmlns:p14="http://schemas.microsoft.com/office/powerpoint/2010/main" val="3665255972"/>
+      </p:ext>
+    </p:extLst>
+  </p:cSld>
+  <p:clrMapOvr>
+    <a:masterClrMapping/>
+  </p:clrMapOvr>
+</p:sld>
+</file>
+
+<file path=ppt/slides/slide11.xml><?xml version="1.0" encoding="utf-8"?>
+<p:sld xmlns:a="http://schemas.openxmlformats.org/drawingml/2006/main" xmlns:r="http://schemas.openxmlformats.org/officeDocument/2006/relationships" xmlns:p="http://schemas.openxmlformats.org/presentationml/2006/main">
+  <p:cSld>
+    <p:spTree>
+      <p:nvGrpSpPr>
+        <p:cNvPr id="1" name=""/>
+        <p:cNvGrpSpPr/>
+        <p:nvPr/>
+      </p:nvGrpSpPr>
+      <p:grpSpPr>
+        <a:xfrm>
+          <a:off x="0" y="0"/>
+          <a:ext cx="0" cy="0"/>
+          <a:chOff x="0" y="0"/>
+          <a:chExt cx="0" cy="0"/>
+        </a:xfrm>
+      </p:grpSpPr>
+      <p:pic>
+        <p:nvPicPr>
+          <p:cNvPr id="2" name="Picture 1"/>
+          <p:cNvPicPr>
+            <a:picLocks noChangeAspect="1"/>
+          </p:cNvPicPr>
+          <p:nvPr/>
+        </p:nvPicPr>
+        <p:blipFill>
+          <a:blip r:embed="rId2">
+            <a:extLst>
+              <a:ext uri="{28A0092B-C50C-407E-A947-70E740481C1C}">
+                <a14:useLocalDpi xmlns:a14="http://schemas.microsoft.com/office/drawing/2010/main" val="0"/>
+              </a:ext>
+            </a:extLst>
+          </a:blip>
+          <a:stretch>
+            <a:fillRect/>
+          </a:stretch>
+        </p:blipFill>
+        <p:spPr>
+          <a:xfrm>
+            <a:off x="2685273" y="634363"/>
+            <a:ext cx="6821454" cy="5589273"/>
+          </a:xfrm>
+          <a:prstGeom prst="rect">
+            <a:avLst/>
+          </a:prstGeom>
+        </p:spPr>
+      </p:pic>
+    </p:spTree>
+    <p:extLst>
+      <p:ext uri="{BB962C8B-B14F-4D97-AF65-F5344CB8AC3E}">
+        <p14:creationId xmlns:p14="http://schemas.microsoft.com/office/powerpoint/2010/main" val="1386785085"/>
+      </p:ext>
+    </p:extLst>
+  </p:cSld>
+  <p:clrMapOvr>
+    <a:masterClrMapping/>
+  </p:clrMapOvr>
+</p:sld>
+</file>
+
+<file path=ppt/slides/slide12.xml><?xml version="1.0" encoding="utf-8"?>
+<p:sld xmlns:a="http://schemas.openxmlformats.org/drawingml/2006/main" xmlns:r="http://schemas.openxmlformats.org/officeDocument/2006/relationships" xmlns:p="http://schemas.openxmlformats.org/presentationml/2006/main">
+  <p:cSld>
+    <p:spTree>
+      <p:nvGrpSpPr>
+        <p:cNvPr id="1" name=""/>
+        <p:cNvGrpSpPr/>
+        <p:nvPr/>
+      </p:nvGrpSpPr>
+      <p:grpSpPr>
+        <a:xfrm>
+          <a:off x="0" y="0"/>
+          <a:ext cx="0" cy="0"/>
+          <a:chOff x="0" y="0"/>
+          <a:chExt cx="0" cy="0"/>
+        </a:xfrm>
+      </p:grpSpPr>
+      <p:pic>
+        <p:nvPicPr>
+          <p:cNvPr id="2" name="Picture 1"/>
+          <p:cNvPicPr>
+            <a:picLocks noChangeAspect="1"/>
+          </p:cNvPicPr>
+          <p:nvPr/>
+        </p:nvPicPr>
+        <p:blipFill>
+          <a:blip r:embed="rId2">
+            <a:extLst>
+              <a:ext uri="{28A0092B-C50C-407E-A947-70E740481C1C}">
+                <a14:useLocalDpi xmlns:a14="http://schemas.microsoft.com/office/drawing/2010/main" val="0"/>
+              </a:ext>
+            </a:extLst>
+          </a:blip>
+          <a:stretch>
+            <a:fillRect/>
+          </a:stretch>
+        </p:blipFill>
+        <p:spPr>
+          <a:xfrm>
+            <a:off x="2932979" y="577200"/>
+            <a:ext cx="6326041" cy="5703599"/>
+          </a:xfrm>
+          <a:prstGeom prst="rect">
+            <a:avLst/>
+          </a:prstGeom>
+        </p:spPr>
+      </p:pic>
+    </p:spTree>
+    <p:extLst>
+      <p:ext uri="{BB962C8B-B14F-4D97-AF65-F5344CB8AC3E}">
+        <p14:creationId xmlns:p14="http://schemas.microsoft.com/office/powerpoint/2010/main" val="493122426"/>
+      </p:ext>
+    </p:extLst>
+  </p:cSld>
+  <p:clrMapOvr>
+    <a:masterClrMapping/>
+  </p:clrMapOvr>
+</p:sld>
+</file>
+
+<file path=ppt/slides/slide13.xml><?xml version="1.0" encoding="utf-8"?>
+<p:sld xmlns:a="http://schemas.openxmlformats.org/drawingml/2006/main" xmlns:r="http://schemas.openxmlformats.org/officeDocument/2006/relationships" xmlns:p="http://schemas.openxmlformats.org/presentationml/2006/main">
+  <p:cSld>
+    <p:spTree>
+      <p:nvGrpSpPr>
+        <p:cNvPr id="1" name=""/>
+        <p:cNvGrpSpPr/>
+        <p:nvPr/>
+      </p:nvGrpSpPr>
+      <p:grpSpPr>
+        <a:xfrm>
+          <a:off x="0" y="0"/>
+          <a:ext cx="0" cy="0"/>
+          <a:chOff x="0" y="0"/>
+          <a:chExt cx="0" cy="0"/>
+        </a:xfrm>
+      </p:grpSpPr>
+      <p:pic>
+        <p:nvPicPr>
+          <p:cNvPr id="2" name="Picture 1"/>
+          <p:cNvPicPr>
+            <a:picLocks noChangeAspect="1"/>
+          </p:cNvPicPr>
+          <p:nvPr/>
+        </p:nvPicPr>
+        <p:blipFill>
+          <a:blip r:embed="rId2">
+            <a:extLst>
+              <a:ext uri="{28A0092B-C50C-407E-A947-70E740481C1C}">
+                <a14:useLocalDpi xmlns:a14="http://schemas.microsoft.com/office/drawing/2010/main" val="0"/>
+              </a:ext>
+            </a:extLst>
+          </a:blip>
+          <a:stretch>
+            <a:fillRect/>
+          </a:stretch>
+        </p:blipFill>
+        <p:spPr>
+          <a:xfrm>
+            <a:off x="3110820" y="634363"/>
+            <a:ext cx="5970360" cy="5589273"/>
+          </a:xfrm>
+          <a:prstGeom prst="rect">
+            <a:avLst/>
+          </a:prstGeom>
+        </p:spPr>
+      </p:pic>
+    </p:spTree>
+    <p:extLst>
+      <p:ext uri="{BB962C8B-B14F-4D97-AF65-F5344CB8AC3E}">
+        <p14:creationId xmlns:p14="http://schemas.microsoft.com/office/powerpoint/2010/main" val="2691554377"/>
+      </p:ext>
+    </p:extLst>
+  </p:cSld>
+  <p:clrMapOvr>
+    <a:masterClrMapping/>
+  </p:clrMapOvr>
+</p:sld>
+</file>
+
+<file path=ppt/slides/slide14.xml><?xml version="1.0" encoding="utf-8"?>
+<p:sld xmlns:a="http://schemas.openxmlformats.org/drawingml/2006/main" xmlns:r="http://schemas.openxmlformats.org/officeDocument/2006/relationships" xmlns:p="http://schemas.openxmlformats.org/presentationml/2006/main">
+  <p:cSld>
+    <p:spTree>
+      <p:nvGrpSpPr>
+        <p:cNvPr id="1" name=""/>
+        <p:cNvGrpSpPr/>
+        <p:nvPr/>
+      </p:nvGrpSpPr>
+      <p:grpSpPr>
+        <a:xfrm>
+          <a:off x="0" y="0"/>
+          <a:ext cx="0" cy="0"/>
+          <a:chOff x="0" y="0"/>
+          <a:chExt cx="0" cy="0"/>
+        </a:xfrm>
+      </p:grpSpPr>
+      <p:pic>
+        <p:nvPicPr>
+          <p:cNvPr id="2" name="Picture 1"/>
+          <p:cNvPicPr>
+            <a:picLocks noChangeAspect="1"/>
+          </p:cNvPicPr>
+          <p:nvPr/>
+        </p:nvPicPr>
+        <p:blipFill>
+          <a:blip r:embed="rId2">
+            <a:extLst>
+              <a:ext uri="{28A0092B-C50C-407E-A947-70E740481C1C}">
+                <a14:useLocalDpi xmlns:a14="http://schemas.microsoft.com/office/drawing/2010/main" val="0"/>
+              </a:ext>
+            </a:extLst>
+          </a:blip>
+          <a:stretch>
+            <a:fillRect/>
+          </a:stretch>
+        </p:blipFill>
+        <p:spPr>
+          <a:xfrm>
+            <a:off x="3352175" y="1599783"/>
+            <a:ext cx="5487650" cy="3658433"/>
+          </a:xfrm>
+          <a:prstGeom prst="rect">
+            <a:avLst/>
+          </a:prstGeom>
+        </p:spPr>
+      </p:pic>
+    </p:spTree>
+    <p:extLst>
+      <p:ext uri="{BB962C8B-B14F-4D97-AF65-F5344CB8AC3E}">
+        <p14:creationId xmlns:p14="http://schemas.microsoft.com/office/powerpoint/2010/main" val="314562552"/>
+      </p:ext>
+    </p:extLst>
+  </p:cSld>
+  <p:clrMapOvr>
+    <a:masterClrMapping/>
+  </p:clrMapOvr>
+</p:sld>
+</file>
+
+<file path=ppt/slides/slide15.xml><?xml version="1.0" encoding="utf-8"?>
+<p:sld xmlns:a="http://schemas.openxmlformats.org/drawingml/2006/main" xmlns:r="http://schemas.openxmlformats.org/officeDocument/2006/relationships" xmlns:p="http://schemas.openxmlformats.org/presentationml/2006/main">
+  <p:cSld>
+    <p:spTree>
+      <p:nvGrpSpPr>
+        <p:cNvPr id="1" name=""/>
+        <p:cNvGrpSpPr/>
+        <p:nvPr/>
+      </p:nvGrpSpPr>
+      <p:grpSpPr>
+        <a:xfrm>
+          <a:off x="0" y="0"/>
+          <a:ext cx="0" cy="0"/>
+          <a:chOff x="0" y="0"/>
+          <a:chExt cx="0" cy="0"/>
+        </a:xfrm>
+      </p:grpSpPr>
+      <p:pic>
+        <p:nvPicPr>
+          <p:cNvPr id="2" name="Picture 1"/>
+          <p:cNvPicPr>
+            <a:picLocks noChangeAspect="1"/>
+          </p:cNvPicPr>
+          <p:nvPr/>
+        </p:nvPicPr>
+        <p:blipFill>
+          <a:blip r:embed="rId2">
+            <a:extLst>
+              <a:ext uri="{28A0092B-C50C-407E-A947-70E740481C1C}">
+                <a14:useLocalDpi xmlns:a14="http://schemas.microsoft.com/office/drawing/2010/main" val="0"/>
+              </a:ext>
+            </a:extLst>
+          </a:blip>
+          <a:stretch>
+            <a:fillRect/>
+          </a:stretch>
+        </p:blipFill>
+        <p:spPr>
+          <a:xfrm>
+            <a:off x="3352175" y="1599783"/>
+            <a:ext cx="5487650" cy="3658433"/>
+          </a:xfrm>
+          <a:prstGeom prst="rect">
+            <a:avLst/>
+          </a:prstGeom>
+        </p:spPr>
+      </p:pic>
+    </p:spTree>
+    <p:extLst>
+      <p:ext uri="{BB962C8B-B14F-4D97-AF65-F5344CB8AC3E}">
+        <p14:creationId xmlns:p14="http://schemas.microsoft.com/office/powerpoint/2010/main" val="3528615661"/>
+      </p:ext>
+    </p:extLst>
+  </p:cSld>
+  <p:clrMapOvr>
+    <a:masterClrMapping/>
+  </p:clrMapOvr>
+</p:sld>
+</file>
+
+<file path=ppt/slides/slide16.xml><?xml version="1.0" encoding="utf-8"?>
+<p:sld xmlns:a="http://schemas.openxmlformats.org/drawingml/2006/main" xmlns:r="http://schemas.openxmlformats.org/officeDocument/2006/relationships" xmlns:p="http://schemas.openxmlformats.org/presentationml/2006/main">
+  <p:cSld>
+    <p:spTree>
+      <p:nvGrpSpPr>
+        <p:cNvPr id="1" name=""/>
+        <p:cNvGrpSpPr/>
+        <p:nvPr/>
+      </p:nvGrpSpPr>
+      <p:grpSpPr>
+        <a:xfrm>
+          <a:off x="0" y="0"/>
+          <a:ext cx="0" cy="0"/>
+          <a:chOff x="0" y="0"/>
+          <a:chExt cx="0" cy="0"/>
+        </a:xfrm>
+      </p:grpSpPr>
+      <p:pic>
+        <p:nvPicPr>
+          <p:cNvPr id="2" name="Picture 1"/>
+          <p:cNvPicPr>
+            <a:picLocks noChangeAspect="1"/>
+          </p:cNvPicPr>
+          <p:nvPr/>
+        </p:nvPicPr>
+        <p:blipFill>
+          <a:blip r:embed="rId2">
+            <a:extLst>
+              <a:ext uri="{28A0092B-C50C-407E-A947-70E740481C1C}">
+                <a14:useLocalDpi xmlns:a14="http://schemas.microsoft.com/office/drawing/2010/main" val="0"/>
+              </a:ext>
+            </a:extLst>
+          </a:blip>
+          <a:stretch>
+            <a:fillRect/>
+          </a:stretch>
+        </p:blipFill>
+        <p:spPr>
+          <a:xfrm>
+            <a:off x="3352175" y="1599783"/>
+            <a:ext cx="5487650" cy="3658433"/>
+          </a:xfrm>
+          <a:prstGeom prst="rect">
+            <a:avLst/>
+          </a:prstGeom>
+        </p:spPr>
+      </p:pic>
+    </p:spTree>
+    <p:extLst>
+      <p:ext uri="{BB962C8B-B14F-4D97-AF65-F5344CB8AC3E}">
+        <p14:creationId xmlns:p14="http://schemas.microsoft.com/office/powerpoint/2010/main" val="590589741"/>
+      </p:ext>
+    </p:extLst>
+  </p:cSld>
+  <p:clrMapOvr>
+    <a:masterClrMapping/>
+  </p:clrMapOvr>
+</p:sld>
+</file>
+
+<file path=ppt/slides/slide17.xml><?xml version="1.0" encoding="utf-8"?>
+<p:sld xmlns:a="http://schemas.openxmlformats.org/drawingml/2006/main" xmlns:r="http://schemas.openxmlformats.org/officeDocument/2006/relationships" xmlns:p="http://schemas.openxmlformats.org/presentationml/2006/main">
+  <p:cSld>
+    <p:spTree>
+      <p:nvGrpSpPr>
+        <p:cNvPr id="1" name=""/>
+        <p:cNvGrpSpPr/>
+        <p:nvPr/>
+      </p:nvGrpSpPr>
+      <p:grpSpPr>
+        <a:xfrm>
+          <a:off x="0" y="0"/>
+          <a:ext cx="0" cy="0"/>
+          <a:chOff x="0" y="0"/>
+          <a:chExt cx="0" cy="0"/>
+        </a:xfrm>
+      </p:grpSpPr>
+      <p:pic>
+        <p:nvPicPr>
+          <p:cNvPr id="2" name="Picture 1"/>
+          <p:cNvPicPr>
+            <a:picLocks noChangeAspect="1"/>
+          </p:cNvPicPr>
+          <p:nvPr/>
+        </p:nvPicPr>
+        <p:blipFill>
+          <a:blip r:embed="rId2">
+            <a:extLst>
+              <a:ext uri="{28A0092B-C50C-407E-A947-70E740481C1C}">
+                <a14:useLocalDpi xmlns:a14="http://schemas.microsoft.com/office/drawing/2010/main" val="0"/>
+              </a:ext>
+            </a:extLst>
+          </a:blip>
+          <a:stretch>
+            <a:fillRect/>
+          </a:stretch>
+        </p:blipFill>
+        <p:spPr>
+          <a:xfrm>
+            <a:off x="3352175" y="1599783"/>
+            <a:ext cx="5487650" cy="3658433"/>
+          </a:xfrm>
+          <a:prstGeom prst="rect">
+            <a:avLst/>
+          </a:prstGeom>
+        </p:spPr>
+      </p:pic>
+    </p:spTree>
+    <p:extLst>
+      <p:ext uri="{BB962C8B-B14F-4D97-AF65-F5344CB8AC3E}">
+        <p14:creationId xmlns:p14="http://schemas.microsoft.com/office/powerpoint/2010/main" val="3076216066"/>
+      </p:ext>
+    </p:extLst>
+  </p:cSld>
+  <p:clrMapOvr>
+    <a:masterClrMapping/>
+  </p:clrMapOvr>
+</p:sld>
+</file>
+
+<file path=ppt/slides/slide18.xml><?xml version="1.0" encoding="utf-8"?>
+<p:sld xmlns:a="http://schemas.openxmlformats.org/drawingml/2006/main" xmlns:r="http://schemas.openxmlformats.org/officeDocument/2006/relationships" xmlns:p="http://schemas.openxmlformats.org/presentationml/2006/main">
+  <p:cSld>
+    <p:spTree>
+      <p:nvGrpSpPr>
+        <p:cNvPr id="1" name=""/>
+        <p:cNvGrpSpPr/>
+        <p:nvPr/>
+      </p:nvGrpSpPr>
+      <p:grpSpPr>
+        <a:xfrm>
+          <a:off x="0" y="0"/>
+          <a:ext cx="0" cy="0"/>
+          <a:chOff x="0" y="0"/>
+          <a:chExt cx="0" cy="0"/>
+        </a:xfrm>
+      </p:grpSpPr>
+      <p:pic>
+        <p:nvPicPr>
+          <p:cNvPr id="3" name="Picture 2"/>
+          <p:cNvPicPr>
+            <a:picLocks noChangeAspect="1"/>
+          </p:cNvPicPr>
+          <p:nvPr/>
+        </p:nvPicPr>
+        <p:blipFill>
+          <a:blip r:embed="rId2">
+            <a:extLst>
+              <a:ext uri="{28A0092B-C50C-407E-A947-70E740481C1C}">
+                <a14:useLocalDpi xmlns:a14="http://schemas.microsoft.com/office/drawing/2010/main" val="0"/>
+              </a:ext>
+            </a:extLst>
+          </a:blip>
+          <a:stretch>
+            <a:fillRect/>
+          </a:stretch>
+        </p:blipFill>
+        <p:spPr>
+          <a:xfrm>
+            <a:off x="0" y="381000"/>
+            <a:ext cx="10058400" cy="5029200"/>
+          </a:xfrm>
+          <a:prstGeom prst="rect">
+            <a:avLst/>
+          </a:prstGeom>
+        </p:spPr>
+      </p:pic>
+    </p:spTree>
+    <p:extLst>
+      <p:ext uri="{BB962C8B-B14F-4D97-AF65-F5344CB8AC3E}">
+        <p14:creationId xmlns:p14="http://schemas.microsoft.com/office/powerpoint/2010/main" val="3089084757"/>
+      </p:ext>
+    </p:extLst>
+  </p:cSld>
+  <p:clrMapOvr>
+    <a:masterClrMapping/>
+  </p:clrMapOvr>
+</p:sld>
+</file>
+
+<file path=ppt/slides/slide19.xml><?xml version="1.0" encoding="utf-8"?>
+<p:sld xmlns:a="http://schemas.openxmlformats.org/drawingml/2006/main" xmlns:r="http://schemas.openxmlformats.org/officeDocument/2006/relationships" xmlns:p="http://schemas.openxmlformats.org/presentationml/2006/main">
+  <p:cSld>
+    <p:spTree>
+      <p:nvGrpSpPr>
+        <p:cNvPr id="1" name=""/>
+        <p:cNvGrpSpPr/>
+        <p:nvPr/>
+      </p:nvGrpSpPr>
+      <p:grpSpPr>
+        <a:xfrm>
+          <a:off x="0" y="0"/>
+          <a:ext cx="0" cy="0"/>
+          <a:chOff x="0" y="0"/>
+          <a:chExt cx="0" cy="0"/>
+        </a:xfrm>
+      </p:grpSpPr>
+      <p:pic>
+        <p:nvPicPr>
+          <p:cNvPr id="2" name="Picture 1"/>
+          <p:cNvPicPr>
+            <a:picLocks noChangeAspect="1"/>
+          </p:cNvPicPr>
+          <p:nvPr/>
+        </p:nvPicPr>
+        <p:blipFill>
+          <a:blip r:embed="rId2">
+            <a:extLst>
+              <a:ext uri="{28A0092B-C50C-407E-A947-70E740481C1C}">
+                <a14:useLocalDpi xmlns:a14="http://schemas.microsoft.com/office/drawing/2010/main" val="0"/>
+              </a:ext>
+            </a:extLst>
+          </a:blip>
+          <a:stretch>
+            <a:fillRect/>
+          </a:stretch>
+        </p:blipFill>
+        <p:spPr>
+          <a:xfrm>
+            <a:off x="0" y="381000"/>
+            <a:ext cx="10058400" cy="5029200"/>
+          </a:xfrm>
+          <a:prstGeom prst="rect">
+            <a:avLst/>
+          </a:prstGeom>
+        </p:spPr>
+      </p:pic>
+    </p:spTree>
+    <p:extLst>
+      <p:ext uri="{BB962C8B-B14F-4D97-AF65-F5344CB8AC3E}">
+        <p14:creationId xmlns:p14="http://schemas.microsoft.com/office/powerpoint/2010/main" val="814327561"/>
+      </p:ext>
+    </p:extLst>
+  </p:cSld>
+  <p:clrMapOvr>
+    <a:masterClrMapping/>
+  </p:clrMapOvr>
+</p:sld>
+</file>
+
 <file path=ppt/slides/slide2.xml><?xml version="1.0" encoding="utf-8"?>
 <p:sld xmlns:a="http://schemas.openxmlformats.org/drawingml/2006/main" xmlns:r="http://schemas.openxmlformats.org/officeDocument/2006/relationships" xmlns:p="http://schemas.openxmlformats.org/presentationml/2006/main">
   <p:cSld>
@@ -5735,6 +6352,66 @@
     <p:extLst>
       <p:ext uri="{BB962C8B-B14F-4D97-AF65-F5344CB8AC3E}">
         <p14:creationId xmlns:p14="http://schemas.microsoft.com/office/powerpoint/2010/main" val="3860849440"/>
+      </p:ext>
+    </p:extLst>
+  </p:cSld>
+  <p:clrMapOvr>
+    <a:masterClrMapping/>
+  </p:clrMapOvr>
+</p:sld>
+</file>
+
+<file path=ppt/slides/slide20.xml><?xml version="1.0" encoding="utf-8"?>
+<p:sld xmlns:a="http://schemas.openxmlformats.org/drawingml/2006/main" xmlns:r="http://schemas.openxmlformats.org/officeDocument/2006/relationships" xmlns:p="http://schemas.openxmlformats.org/presentationml/2006/main">
+  <p:cSld>
+    <p:spTree>
+      <p:nvGrpSpPr>
+        <p:cNvPr id="1" name=""/>
+        <p:cNvGrpSpPr/>
+        <p:nvPr/>
+      </p:nvGrpSpPr>
+      <p:grpSpPr>
+        <a:xfrm>
+          <a:off x="0" y="0"/>
+          <a:ext cx="0" cy="0"/>
+          <a:chOff x="0" y="0"/>
+          <a:chExt cx="0" cy="0"/>
+        </a:xfrm>
+      </p:grpSpPr>
+      <p:pic>
+        <p:nvPicPr>
+          <p:cNvPr id="4" name="Picture 3"/>
+          <p:cNvPicPr>
+            <a:picLocks noChangeAspect="1"/>
+          </p:cNvPicPr>
+          <p:nvPr/>
+        </p:nvPicPr>
+        <p:blipFill>
+          <a:blip r:embed="rId2">
+            <a:extLst>
+              <a:ext uri="{28A0092B-C50C-407E-A947-70E740481C1C}">
+                <a14:useLocalDpi xmlns:a14="http://schemas.microsoft.com/office/drawing/2010/main" val="0"/>
+              </a:ext>
+            </a:extLst>
+          </a:blip>
+          <a:stretch>
+            <a:fillRect/>
+          </a:stretch>
+        </p:blipFill>
+        <p:spPr>
+          <a:xfrm>
+            <a:off x="1468459" y="739753"/>
+            <a:ext cx="5944954" cy="3531405"/>
+          </a:xfrm>
+          <a:prstGeom prst="rect">
+            <a:avLst/>
+          </a:prstGeom>
+        </p:spPr>
+      </p:pic>
+    </p:spTree>
+    <p:extLst>
+      <p:ext uri="{BB962C8B-B14F-4D97-AF65-F5344CB8AC3E}">
+        <p14:creationId xmlns:p14="http://schemas.microsoft.com/office/powerpoint/2010/main" val="1932446823"/>
       </p:ext>
     </p:extLst>
   </p:cSld>
@@ -5971,6 +6648,36 @@
           <a:chExt cx="0" cy="0"/>
         </a:xfrm>
       </p:grpSpPr>
+      <p:pic>
+        <p:nvPicPr>
+          <p:cNvPr id="2" name="Picture 1"/>
+          <p:cNvPicPr>
+            <a:picLocks noChangeAspect="1"/>
+          </p:cNvPicPr>
+          <p:nvPr/>
+        </p:nvPicPr>
+        <p:blipFill>
+          <a:blip r:embed="rId2">
+            <a:extLst>
+              <a:ext uri="{28A0092B-C50C-407E-A947-70E740481C1C}">
+                <a14:useLocalDpi xmlns:a14="http://schemas.microsoft.com/office/drawing/2010/main" val="0"/>
+              </a:ext>
+            </a:extLst>
+          </a:blip>
+          <a:stretch>
+            <a:fillRect/>
+          </a:stretch>
+        </p:blipFill>
+        <p:spPr>
+          <a:xfrm>
+            <a:off x="0" y="381000"/>
+            <a:ext cx="10058400" cy="5029200"/>
+          </a:xfrm>
+          <a:prstGeom prst="rect">
+            <a:avLst/>
+          </a:prstGeom>
+        </p:spPr>
+      </p:pic>
     </p:spTree>
     <p:extLst>
       <p:ext uri="{BB962C8B-B14F-4D97-AF65-F5344CB8AC3E}">
@@ -6001,6 +6708,36 @@
           <a:chExt cx="0" cy="0"/>
         </a:xfrm>
       </p:grpSpPr>
+      <p:pic>
+        <p:nvPicPr>
+          <p:cNvPr id="2" name="Picture 1"/>
+          <p:cNvPicPr>
+            <a:picLocks noChangeAspect="1"/>
+          </p:cNvPicPr>
+          <p:nvPr/>
+        </p:nvPicPr>
+        <p:blipFill>
+          <a:blip r:embed="rId2">
+            <a:extLst>
+              <a:ext uri="{28A0092B-C50C-407E-A947-70E740481C1C}">
+                <a14:useLocalDpi xmlns:a14="http://schemas.microsoft.com/office/drawing/2010/main" val="0"/>
+              </a:ext>
+            </a:extLst>
+          </a:blip>
+          <a:stretch>
+            <a:fillRect/>
+          </a:stretch>
+        </p:blipFill>
+        <p:spPr>
+          <a:xfrm>
+            <a:off x="0" y="381000"/>
+            <a:ext cx="10058400" cy="5029200"/>
+          </a:xfrm>
+          <a:prstGeom prst="rect">
+            <a:avLst/>
+          </a:prstGeom>
+        </p:spPr>
+      </p:pic>
     </p:spTree>
     <p:extLst>
       <p:ext uri="{BB962C8B-B14F-4D97-AF65-F5344CB8AC3E}">
@@ -6091,6 +6828,36 @@
           <a:chExt cx="0" cy="0"/>
         </a:xfrm>
       </p:grpSpPr>
+      <p:pic>
+        <p:nvPicPr>
+          <p:cNvPr id="2" name="Picture 1"/>
+          <p:cNvPicPr>
+            <a:picLocks noChangeAspect="1"/>
+          </p:cNvPicPr>
+          <p:nvPr/>
+        </p:nvPicPr>
+        <p:blipFill>
+          <a:blip r:embed="rId2">
+            <a:extLst>
+              <a:ext uri="{28A0092B-C50C-407E-A947-70E740481C1C}">
+                <a14:useLocalDpi xmlns:a14="http://schemas.microsoft.com/office/drawing/2010/main" val="0"/>
+              </a:ext>
+            </a:extLst>
+          </a:blip>
+          <a:stretch>
+            <a:fillRect/>
+          </a:stretch>
+        </p:blipFill>
+        <p:spPr>
+          <a:xfrm>
+            <a:off x="0" y="381000"/>
+            <a:ext cx="10058400" cy="5029200"/>
+          </a:xfrm>
+          <a:prstGeom prst="rect">
+            <a:avLst/>
+          </a:prstGeom>
+        </p:spPr>
+      </p:pic>
     </p:spTree>
     <p:extLst>
       <p:ext uri="{BB962C8B-B14F-4D97-AF65-F5344CB8AC3E}">
@@ -6160,10 +6927,100 @@
           </a:p>
         </p:txBody>
       </p:sp>
+      <p:pic>
+        <p:nvPicPr>
+          <p:cNvPr id="2" name="Picture 1"/>
+          <p:cNvPicPr>
+            <a:picLocks noChangeAspect="1"/>
+          </p:cNvPicPr>
+          <p:nvPr/>
+        </p:nvPicPr>
+        <p:blipFill>
+          <a:blip r:embed="rId2">
+            <a:extLst>
+              <a:ext uri="{28A0092B-C50C-407E-A947-70E740481C1C}">
+                <a14:useLocalDpi xmlns:a14="http://schemas.microsoft.com/office/drawing/2010/main" val="0"/>
+              </a:ext>
+            </a:extLst>
+          </a:blip>
+          <a:stretch>
+            <a:fillRect/>
+          </a:stretch>
+        </p:blipFill>
+        <p:spPr>
+          <a:xfrm>
+            <a:off x="0" y="381000"/>
+            <a:ext cx="10058400" cy="5029200"/>
+          </a:xfrm>
+          <a:prstGeom prst="rect">
+            <a:avLst/>
+          </a:prstGeom>
+        </p:spPr>
+      </p:pic>
     </p:spTree>
     <p:extLst>
       <p:ext uri="{BB962C8B-B14F-4D97-AF65-F5344CB8AC3E}">
         <p14:creationId xmlns:p14="http://schemas.microsoft.com/office/powerpoint/2010/main" val="2985141588"/>
+      </p:ext>
+    </p:extLst>
+  </p:cSld>
+  <p:clrMapOvr>
+    <a:masterClrMapping/>
+  </p:clrMapOvr>
+</p:sld>
+</file>
+
+<file path=ppt/slides/slide9.xml><?xml version="1.0" encoding="utf-8"?>
+<p:sld xmlns:a="http://schemas.openxmlformats.org/drawingml/2006/main" xmlns:r="http://schemas.openxmlformats.org/officeDocument/2006/relationships" xmlns:p="http://schemas.openxmlformats.org/presentationml/2006/main">
+  <p:cSld>
+    <p:spTree>
+      <p:nvGrpSpPr>
+        <p:cNvPr id="1" name=""/>
+        <p:cNvGrpSpPr/>
+        <p:nvPr/>
+      </p:nvGrpSpPr>
+      <p:grpSpPr>
+        <a:xfrm>
+          <a:off x="0" y="0"/>
+          <a:ext cx="0" cy="0"/>
+          <a:chOff x="0" y="0"/>
+          <a:chExt cx="0" cy="0"/>
+        </a:xfrm>
+      </p:grpSpPr>
+      <p:pic>
+        <p:nvPicPr>
+          <p:cNvPr id="2" name="Picture 1"/>
+          <p:cNvPicPr>
+            <a:picLocks noChangeAspect="1"/>
+          </p:cNvPicPr>
+          <p:nvPr/>
+        </p:nvPicPr>
+        <p:blipFill>
+          <a:blip r:embed="rId2">
+            <a:extLst>
+              <a:ext uri="{28A0092B-C50C-407E-A947-70E740481C1C}">
+                <a14:useLocalDpi xmlns:a14="http://schemas.microsoft.com/office/drawing/2010/main" val="0"/>
+              </a:ext>
+            </a:extLst>
+          </a:blip>
+          <a:stretch>
+            <a:fillRect/>
+          </a:stretch>
+        </p:blipFill>
+        <p:spPr>
+          <a:xfrm>
+            <a:off x="0" y="381000"/>
+            <a:ext cx="10058400" cy="5029200"/>
+          </a:xfrm>
+          <a:prstGeom prst="rect">
+            <a:avLst/>
+          </a:prstGeom>
+        </p:spPr>
+      </p:pic>
+    </p:spTree>
+    <p:extLst>
+      <p:ext uri="{BB962C8B-B14F-4D97-AF65-F5344CB8AC3E}">
+        <p14:creationId xmlns:p14="http://schemas.microsoft.com/office/powerpoint/2010/main" val="3867287040"/>
       </p:ext>
     </p:extLst>
   </p:cSld>

--- a/Delay Analysis Team Delorean.pptx
+++ b/Delay Analysis Team Delorean.pptx
@@ -25,6 +25,8 @@
     <p:sldId id="274" r:id="rId19"/>
     <p:sldId id="275" r:id="rId20"/>
     <p:sldId id="276" r:id="rId21"/>
+    <p:sldId id="277" r:id="rId22"/>
+    <p:sldId id="278" r:id="rId23"/>
   </p:sldIdLst>
   <p:sldSz cx="12192000" cy="6858000"/>
   <p:notesSz cx="6858000" cy="9144000"/>
@@ -6421,6 +6423,126 @@
 </p:sld>
 </file>
 
+<file path=ppt/slides/slide21.xml><?xml version="1.0" encoding="utf-8"?>
+<p:sld xmlns:a="http://schemas.openxmlformats.org/drawingml/2006/main" xmlns:r="http://schemas.openxmlformats.org/officeDocument/2006/relationships" xmlns:p="http://schemas.openxmlformats.org/presentationml/2006/main">
+  <p:cSld>
+    <p:spTree>
+      <p:nvGrpSpPr>
+        <p:cNvPr id="1" name=""/>
+        <p:cNvGrpSpPr/>
+        <p:nvPr/>
+      </p:nvGrpSpPr>
+      <p:grpSpPr>
+        <a:xfrm>
+          <a:off x="0" y="0"/>
+          <a:ext cx="0" cy="0"/>
+          <a:chOff x="0" y="0"/>
+          <a:chExt cx="0" cy="0"/>
+        </a:xfrm>
+      </p:grpSpPr>
+      <p:pic>
+        <p:nvPicPr>
+          <p:cNvPr id="2" name="Picture 1"/>
+          <p:cNvPicPr>
+            <a:picLocks noChangeAspect="1"/>
+          </p:cNvPicPr>
+          <p:nvPr/>
+        </p:nvPicPr>
+        <p:blipFill>
+          <a:blip r:embed="rId2">
+            <a:extLst>
+              <a:ext uri="{28A0092B-C50C-407E-A947-70E740481C1C}">
+                <a14:useLocalDpi xmlns:a14="http://schemas.microsoft.com/office/drawing/2010/main" val="0"/>
+              </a:ext>
+            </a:extLst>
+          </a:blip>
+          <a:stretch>
+            <a:fillRect/>
+          </a:stretch>
+        </p:blipFill>
+        <p:spPr>
+          <a:xfrm>
+            <a:off x="3352175" y="1599783"/>
+            <a:ext cx="5487650" cy="3658433"/>
+          </a:xfrm>
+          <a:prstGeom prst="rect">
+            <a:avLst/>
+          </a:prstGeom>
+        </p:spPr>
+      </p:pic>
+    </p:spTree>
+    <p:extLst>
+      <p:ext uri="{BB962C8B-B14F-4D97-AF65-F5344CB8AC3E}">
+        <p14:creationId xmlns:p14="http://schemas.microsoft.com/office/powerpoint/2010/main" val="2007209943"/>
+      </p:ext>
+    </p:extLst>
+  </p:cSld>
+  <p:clrMapOvr>
+    <a:masterClrMapping/>
+  </p:clrMapOvr>
+</p:sld>
+</file>
+
+<file path=ppt/slides/slide22.xml><?xml version="1.0" encoding="utf-8"?>
+<p:sld xmlns:a="http://schemas.openxmlformats.org/drawingml/2006/main" xmlns:r="http://schemas.openxmlformats.org/officeDocument/2006/relationships" xmlns:p="http://schemas.openxmlformats.org/presentationml/2006/main">
+  <p:cSld>
+    <p:spTree>
+      <p:nvGrpSpPr>
+        <p:cNvPr id="1" name=""/>
+        <p:cNvGrpSpPr/>
+        <p:nvPr/>
+      </p:nvGrpSpPr>
+      <p:grpSpPr>
+        <a:xfrm>
+          <a:off x="0" y="0"/>
+          <a:ext cx="0" cy="0"/>
+          <a:chOff x="0" y="0"/>
+          <a:chExt cx="0" cy="0"/>
+        </a:xfrm>
+      </p:grpSpPr>
+      <p:pic>
+        <p:nvPicPr>
+          <p:cNvPr id="2" name="Picture 1"/>
+          <p:cNvPicPr>
+            <a:picLocks noChangeAspect="1"/>
+          </p:cNvPicPr>
+          <p:nvPr/>
+        </p:nvPicPr>
+        <p:blipFill>
+          <a:blip r:embed="rId2">
+            <a:extLst>
+              <a:ext uri="{28A0092B-C50C-407E-A947-70E740481C1C}">
+                <a14:useLocalDpi xmlns:a14="http://schemas.microsoft.com/office/drawing/2010/main" val="0"/>
+              </a:ext>
+            </a:extLst>
+          </a:blip>
+          <a:stretch>
+            <a:fillRect/>
+          </a:stretch>
+        </p:blipFill>
+        <p:spPr>
+          <a:xfrm>
+            <a:off x="3352175" y="1599783"/>
+            <a:ext cx="5487650" cy="3658433"/>
+          </a:xfrm>
+          <a:prstGeom prst="rect">
+            <a:avLst/>
+          </a:prstGeom>
+        </p:spPr>
+      </p:pic>
+    </p:spTree>
+    <p:extLst>
+      <p:ext uri="{BB962C8B-B14F-4D97-AF65-F5344CB8AC3E}">
+        <p14:creationId xmlns:p14="http://schemas.microsoft.com/office/powerpoint/2010/main" val="1242203560"/>
+      </p:ext>
+    </p:extLst>
+  </p:cSld>
+  <p:clrMapOvr>
+    <a:masterClrMapping/>
+  </p:clrMapOvr>
+</p:sld>
+</file>
+
 <file path=ppt/slides/slide3.xml><?xml version="1.0" encoding="utf-8"?>
 <p:sld xmlns:a="http://schemas.openxmlformats.org/drawingml/2006/main" xmlns:r="http://schemas.openxmlformats.org/officeDocument/2006/relationships" xmlns:p="http://schemas.openxmlformats.org/presentationml/2006/main">
   <p:cSld>

--- a/Delay Analysis Team Delorean.pptx
+++ b/Delay Analysis Team Delorean.pptx
@@ -8,25 +8,24 @@
     <p:sldId id="256" r:id="rId2"/>
     <p:sldId id="258" r:id="rId3"/>
     <p:sldId id="257" r:id="rId4"/>
-    <p:sldId id="260" r:id="rId5"/>
-    <p:sldId id="262" r:id="rId6"/>
+    <p:sldId id="262" r:id="rId5"/>
+    <p:sldId id="275" r:id="rId6"/>
     <p:sldId id="259" r:id="rId7"/>
-    <p:sldId id="263" r:id="rId8"/>
-    <p:sldId id="264" r:id="rId9"/>
-    <p:sldId id="265" r:id="rId10"/>
-    <p:sldId id="266" r:id="rId11"/>
-    <p:sldId id="267" r:id="rId12"/>
-    <p:sldId id="268" r:id="rId13"/>
-    <p:sldId id="269" r:id="rId14"/>
-    <p:sldId id="270" r:id="rId15"/>
-    <p:sldId id="271" r:id="rId16"/>
-    <p:sldId id="272" r:id="rId17"/>
-    <p:sldId id="273" r:id="rId18"/>
-    <p:sldId id="274" r:id="rId19"/>
-    <p:sldId id="275" r:id="rId20"/>
-    <p:sldId id="276" r:id="rId21"/>
-    <p:sldId id="277" r:id="rId22"/>
-    <p:sldId id="278" r:id="rId23"/>
+    <p:sldId id="264" r:id="rId8"/>
+    <p:sldId id="280" r:id="rId9"/>
+    <p:sldId id="260" r:id="rId10"/>
+    <p:sldId id="274" r:id="rId11"/>
+    <p:sldId id="263" r:id="rId12"/>
+    <p:sldId id="265" r:id="rId13"/>
+    <p:sldId id="281" r:id="rId14"/>
+    <p:sldId id="266" r:id="rId15"/>
+    <p:sldId id="267" r:id="rId16"/>
+    <p:sldId id="270" r:id="rId17"/>
+    <p:sldId id="271" r:id="rId18"/>
+    <p:sldId id="282" r:id="rId19"/>
+    <p:sldId id="283" r:id="rId20"/>
+    <p:sldId id="277" r:id="rId21"/>
+    <p:sldId id="284" r:id="rId22"/>
   </p:sldIdLst>
   <p:sldSz cx="12192000" cy="6858000"/>
   <p:notesSz cx="6858000" cy="9144000"/>
@@ -386,7 +385,7 @@
           </a:lstStyle>
           <a:p>
             <a:r>
-              <a:rPr lang="en-US" smtClean="0"/>
+              <a:rPr lang="en-US"/>
               <a:t>Click to edit Master title style</a:t>
             </a:r>
             <a:endParaRPr lang="en-US" dirty="0"/>
@@ -463,7 +462,7 @@
           </a:lstStyle>
           <a:p>
             <a:r>
-              <a:rPr lang="en-US" smtClean="0"/>
+              <a:rPr lang="en-US"/>
               <a:t>Click to edit Master subtitle style</a:t>
             </a:r>
             <a:endParaRPr lang="en-US" dirty="0"/>
@@ -501,7 +500,7 @@
             <a:fld id="{3C633830-2244-49AE-BC4A-47F415C177C6}" type="datetimeFigureOut">
               <a:rPr lang="en-US" dirty="0"/>
               <a:pPr/>
-              <a:t>10/8/2018</a:t>
+              <a:t>10/8/18</a:t>
             </a:fld>
             <a:endParaRPr lang="en-US" dirty="0"/>
           </a:p>
@@ -663,7 +662,7 @@
           <a:lstStyle/>
           <a:p>
             <a:r>
-              <a:rPr lang="en-US" smtClean="0"/>
+              <a:rPr lang="en-US"/>
               <a:t>Click to edit Master title style</a:t>
             </a:r>
             <a:endParaRPr lang="en-US" dirty="0"/>
@@ -692,35 +691,35 @@
           <a:p>
             <a:pPr lvl="0"/>
             <a:r>
-              <a:rPr lang="en-US" smtClean="0"/>
+              <a:rPr lang="en-US"/>
               <a:t>Click to edit Master text styles</a:t>
             </a:r>
           </a:p>
           <a:p>
             <a:pPr lvl="1"/>
             <a:r>
-              <a:rPr lang="en-US" smtClean="0"/>
+              <a:rPr lang="en-US"/>
               <a:t>Second level</a:t>
             </a:r>
           </a:p>
           <a:p>
             <a:pPr lvl="2"/>
             <a:r>
-              <a:rPr lang="en-US" smtClean="0"/>
+              <a:rPr lang="en-US"/>
               <a:t>Third level</a:t>
             </a:r>
           </a:p>
           <a:p>
             <a:pPr lvl="3"/>
             <a:r>
-              <a:rPr lang="en-US" smtClean="0"/>
+              <a:rPr lang="en-US"/>
               <a:t>Fourth level</a:t>
             </a:r>
           </a:p>
           <a:p>
             <a:pPr lvl="4"/>
             <a:r>
-              <a:rPr lang="en-US" smtClean="0"/>
+              <a:rPr lang="en-US"/>
               <a:t>Fifth level</a:t>
             </a:r>
             <a:endParaRPr lang="en-US" dirty="0"/>
@@ -744,7 +743,7 @@
           <a:p>
             <a:fld id="{3C633830-2244-49AE-BC4A-47F415C177C6}" type="datetimeFigureOut">
               <a:rPr lang="en-US" dirty="0"/>
-              <a:t>10/8/2018</a:t>
+              <a:t>10/8/18</a:t>
             </a:fld>
             <a:endParaRPr lang="en-US" dirty="0"/>
           </a:p>
@@ -1039,7 +1038,7 @@
           </a:lstStyle>
           <a:p>
             <a:r>
-              <a:rPr lang="en-US" smtClean="0"/>
+              <a:rPr lang="en-US"/>
               <a:t>Click to edit Master title style</a:t>
             </a:r>
             <a:endParaRPr lang="en-US" dirty="0"/>
@@ -1068,35 +1067,35 @@
           <a:p>
             <a:pPr lvl="0"/>
             <a:r>
-              <a:rPr lang="en-US" smtClean="0"/>
+              <a:rPr lang="en-US"/>
               <a:t>Click to edit Master text styles</a:t>
             </a:r>
           </a:p>
           <a:p>
             <a:pPr lvl="1"/>
             <a:r>
-              <a:rPr lang="en-US" smtClean="0"/>
+              <a:rPr lang="en-US"/>
               <a:t>Second level</a:t>
             </a:r>
           </a:p>
           <a:p>
             <a:pPr lvl="2"/>
             <a:r>
-              <a:rPr lang="en-US" smtClean="0"/>
+              <a:rPr lang="en-US"/>
               <a:t>Third level</a:t>
             </a:r>
           </a:p>
           <a:p>
             <a:pPr lvl="3"/>
             <a:r>
-              <a:rPr lang="en-US" smtClean="0"/>
+              <a:rPr lang="en-US"/>
               <a:t>Fourth level</a:t>
             </a:r>
           </a:p>
           <a:p>
             <a:pPr lvl="4"/>
             <a:r>
-              <a:rPr lang="en-US" smtClean="0"/>
+              <a:rPr lang="en-US"/>
               <a:t>Fifth level</a:t>
             </a:r>
             <a:endParaRPr lang="en-US" dirty="0"/>
@@ -1125,7 +1124,7 @@
           <a:p>
             <a:fld id="{3C633830-2244-49AE-BC4A-47F415C177C6}" type="datetimeFigureOut">
               <a:rPr lang="en-US" dirty="0"/>
-              <a:t>10/8/2018</a:t>
+              <a:t>10/8/18</a:t>
             </a:fld>
             <a:endParaRPr lang="en-US" dirty="0"/>
           </a:p>
@@ -1273,7 +1272,7 @@
           <a:lstStyle/>
           <a:p>
             <a:r>
-              <a:rPr lang="en-US" smtClean="0"/>
+              <a:rPr lang="en-US"/>
               <a:t>Click to edit Master title style</a:t>
             </a:r>
             <a:endParaRPr lang="en-US" dirty="0"/>
@@ -1297,35 +1296,35 @@
           <a:p>
             <a:pPr lvl="0"/>
             <a:r>
-              <a:rPr lang="en-US" smtClean="0"/>
+              <a:rPr lang="en-US"/>
               <a:t>Click to edit Master text styles</a:t>
             </a:r>
           </a:p>
           <a:p>
             <a:pPr lvl="1"/>
             <a:r>
-              <a:rPr lang="en-US" smtClean="0"/>
+              <a:rPr lang="en-US"/>
               <a:t>Second level</a:t>
             </a:r>
           </a:p>
           <a:p>
             <a:pPr lvl="2"/>
             <a:r>
-              <a:rPr lang="en-US" smtClean="0"/>
+              <a:rPr lang="en-US"/>
               <a:t>Third level</a:t>
             </a:r>
           </a:p>
           <a:p>
             <a:pPr lvl="3"/>
             <a:r>
-              <a:rPr lang="en-US" smtClean="0"/>
+              <a:rPr lang="en-US"/>
               <a:t>Fourth level</a:t>
             </a:r>
           </a:p>
           <a:p>
             <a:pPr lvl="4"/>
             <a:r>
-              <a:rPr lang="en-US" smtClean="0"/>
+              <a:rPr lang="en-US"/>
               <a:t>Fifth level</a:t>
             </a:r>
             <a:endParaRPr lang="en-US" dirty="0"/>
@@ -1349,7 +1348,7 @@
           <a:p>
             <a:fld id="{3C633830-2244-49AE-BC4A-47F415C177C6}" type="datetimeFigureOut">
               <a:rPr lang="en-US" dirty="0"/>
-              <a:t>10/8/2018</a:t>
+              <a:t>10/8/18</a:t>
             </a:fld>
             <a:endParaRPr lang="en-US" dirty="0"/>
           </a:p>
@@ -1667,7 +1666,7 @@
           </a:lstStyle>
           <a:p>
             <a:r>
-              <a:rPr lang="en-US" smtClean="0"/>
+              <a:rPr lang="en-US"/>
               <a:t>Click to edit Master title style</a:t>
             </a:r>
             <a:endParaRPr lang="en-US" dirty="0"/>
@@ -1796,7 +1795,7 @@
           <a:p>
             <a:pPr lvl="0"/>
             <a:r>
-              <a:rPr lang="en-US" smtClean="0"/>
+              <a:rPr lang="en-US"/>
               <a:t>Click to edit Master text styles</a:t>
             </a:r>
           </a:p>
@@ -1836,7 +1835,7 @@
             <a:fld id="{3C633830-2244-49AE-BC4A-47F415C177C6}" type="datetimeFigureOut">
               <a:rPr lang="en-US" dirty="0"/>
               <a:pPr/>
-              <a:t>10/8/2018</a:t>
+              <a:t>10/8/18</a:t>
             </a:fld>
             <a:endParaRPr lang="en-US" dirty="0"/>
           </a:p>
@@ -2004,7 +2003,7 @@
           <a:lstStyle/>
           <a:p>
             <a:r>
-              <a:rPr lang="en-US" smtClean="0"/>
+              <a:rPr lang="en-US"/>
               <a:t>Click to edit Master title style</a:t>
             </a:r>
             <a:endParaRPr lang="en-US" dirty="0"/>
@@ -2033,35 +2032,35 @@
           <a:p>
             <a:pPr lvl="0"/>
             <a:r>
-              <a:rPr lang="en-US" smtClean="0"/>
+              <a:rPr lang="en-US"/>
               <a:t>Click to edit Master text styles</a:t>
             </a:r>
           </a:p>
           <a:p>
             <a:pPr lvl="1"/>
             <a:r>
-              <a:rPr lang="en-US" smtClean="0"/>
+              <a:rPr lang="en-US"/>
               <a:t>Second level</a:t>
             </a:r>
           </a:p>
           <a:p>
             <a:pPr lvl="2"/>
             <a:r>
-              <a:rPr lang="en-US" smtClean="0"/>
+              <a:rPr lang="en-US"/>
               <a:t>Third level</a:t>
             </a:r>
           </a:p>
           <a:p>
             <a:pPr lvl="3"/>
             <a:r>
-              <a:rPr lang="en-US" smtClean="0"/>
+              <a:rPr lang="en-US"/>
               <a:t>Fourth level</a:t>
             </a:r>
           </a:p>
           <a:p>
             <a:pPr lvl="4"/>
             <a:r>
-              <a:rPr lang="en-US" smtClean="0"/>
+              <a:rPr lang="en-US"/>
               <a:t>Fifth level</a:t>
             </a:r>
             <a:endParaRPr lang="en-US" dirty="0"/>
@@ -2090,35 +2089,35 @@
           <a:p>
             <a:pPr lvl="0"/>
             <a:r>
-              <a:rPr lang="en-US" smtClean="0"/>
+              <a:rPr lang="en-US"/>
               <a:t>Click to edit Master text styles</a:t>
             </a:r>
           </a:p>
           <a:p>
             <a:pPr lvl="1"/>
             <a:r>
-              <a:rPr lang="en-US" smtClean="0"/>
+              <a:rPr lang="en-US"/>
               <a:t>Second level</a:t>
             </a:r>
           </a:p>
           <a:p>
             <a:pPr lvl="2"/>
             <a:r>
-              <a:rPr lang="en-US" smtClean="0"/>
+              <a:rPr lang="en-US"/>
               <a:t>Third level</a:t>
             </a:r>
           </a:p>
           <a:p>
             <a:pPr lvl="3"/>
             <a:r>
-              <a:rPr lang="en-US" smtClean="0"/>
+              <a:rPr lang="en-US"/>
               <a:t>Fourth level</a:t>
             </a:r>
           </a:p>
           <a:p>
             <a:pPr lvl="4"/>
             <a:r>
-              <a:rPr lang="en-US" smtClean="0"/>
+              <a:rPr lang="en-US"/>
               <a:t>Fifth level</a:t>
             </a:r>
             <a:endParaRPr lang="en-US" dirty="0"/>
@@ -2142,7 +2141,7 @@
           <a:p>
             <a:fld id="{3C633830-2244-49AE-BC4A-47F415C177C6}" type="datetimeFigureOut">
               <a:rPr lang="en-US" dirty="0"/>
-              <a:t>10/8/2018</a:t>
+              <a:t>10/8/18</a:t>
             </a:fld>
             <a:endParaRPr lang="en-US" dirty="0"/>
           </a:p>
@@ -2236,7 +2235,7 @@
           <a:lstStyle/>
           <a:p>
             <a:r>
-              <a:rPr lang="en-US" smtClean="0"/>
+              <a:rPr lang="en-US"/>
               <a:t>Click to edit Master title style</a:t>
             </a:r>
             <a:endParaRPr lang="en-US" dirty="0"/>
@@ -2317,7 +2316,7 @@
           <a:p>
             <a:pPr lvl="0"/>
             <a:r>
-              <a:rPr lang="en-US" smtClean="0"/>
+              <a:rPr lang="en-US"/>
               <a:t>Click to edit Master text styles</a:t>
             </a:r>
           </a:p>
@@ -2345,35 +2344,35 @@
           <a:p>
             <a:pPr lvl="0"/>
             <a:r>
-              <a:rPr lang="en-US" smtClean="0"/>
+              <a:rPr lang="en-US"/>
               <a:t>Click to edit Master text styles</a:t>
             </a:r>
           </a:p>
           <a:p>
             <a:pPr lvl="1"/>
             <a:r>
-              <a:rPr lang="en-US" smtClean="0"/>
+              <a:rPr lang="en-US"/>
               <a:t>Second level</a:t>
             </a:r>
           </a:p>
           <a:p>
             <a:pPr lvl="2"/>
             <a:r>
-              <a:rPr lang="en-US" smtClean="0"/>
+              <a:rPr lang="en-US"/>
               <a:t>Third level</a:t>
             </a:r>
           </a:p>
           <a:p>
             <a:pPr lvl="3"/>
             <a:r>
-              <a:rPr lang="en-US" smtClean="0"/>
+              <a:rPr lang="en-US"/>
               <a:t>Fourth level</a:t>
             </a:r>
           </a:p>
           <a:p>
             <a:pPr lvl="4"/>
             <a:r>
-              <a:rPr lang="en-US" smtClean="0"/>
+              <a:rPr lang="en-US"/>
               <a:t>Fifth level</a:t>
             </a:r>
             <a:endParaRPr lang="en-US" dirty="0"/>
@@ -2448,7 +2447,7 @@
           <a:p>
             <a:pPr lvl="0"/>
             <a:r>
-              <a:rPr lang="en-US" smtClean="0"/>
+              <a:rPr lang="en-US"/>
               <a:t>Click to edit Master text styles</a:t>
             </a:r>
           </a:p>
@@ -2476,35 +2475,35 @@
           <a:p>
             <a:pPr lvl="0"/>
             <a:r>
-              <a:rPr lang="en-US" smtClean="0"/>
+              <a:rPr lang="en-US"/>
               <a:t>Click to edit Master text styles</a:t>
             </a:r>
           </a:p>
           <a:p>
             <a:pPr lvl="1"/>
             <a:r>
-              <a:rPr lang="en-US" smtClean="0"/>
+              <a:rPr lang="en-US"/>
               <a:t>Second level</a:t>
             </a:r>
           </a:p>
           <a:p>
             <a:pPr lvl="2"/>
             <a:r>
-              <a:rPr lang="en-US" smtClean="0"/>
+              <a:rPr lang="en-US"/>
               <a:t>Third level</a:t>
             </a:r>
           </a:p>
           <a:p>
             <a:pPr lvl="3"/>
             <a:r>
-              <a:rPr lang="en-US" smtClean="0"/>
+              <a:rPr lang="en-US"/>
               <a:t>Fourth level</a:t>
             </a:r>
           </a:p>
           <a:p>
             <a:pPr lvl="4"/>
             <a:r>
-              <a:rPr lang="en-US" smtClean="0"/>
+              <a:rPr lang="en-US"/>
               <a:t>Fifth level</a:t>
             </a:r>
             <a:endParaRPr lang="en-US" dirty="0"/>
@@ -2528,7 +2527,7 @@
           <a:p>
             <a:fld id="{3C633830-2244-49AE-BC4A-47F415C177C6}" type="datetimeFigureOut">
               <a:rPr lang="en-US" dirty="0"/>
-              <a:t>10/8/2018</a:t>
+              <a:t>10/8/18</a:t>
             </a:fld>
             <a:endParaRPr lang="en-US" dirty="0"/>
           </a:p>
@@ -2617,7 +2616,7 @@
           <a:lstStyle/>
           <a:p>
             <a:r>
-              <a:rPr lang="en-US" smtClean="0"/>
+              <a:rPr lang="en-US"/>
               <a:t>Click to edit Master title style</a:t>
             </a:r>
             <a:endParaRPr lang="en-US" dirty="0"/>
@@ -2641,7 +2640,7 @@
           <a:p>
             <a:fld id="{3C633830-2244-49AE-BC4A-47F415C177C6}" type="datetimeFigureOut">
               <a:rPr lang="en-US" dirty="0"/>
-              <a:t>10/8/2018</a:t>
+              <a:t>10/8/18</a:t>
             </a:fld>
             <a:endParaRPr lang="en-US" dirty="0"/>
           </a:p>
@@ -2731,7 +2730,7 @@
           <a:p>
             <a:fld id="{3C633830-2244-49AE-BC4A-47F415C177C6}" type="datetimeFigureOut">
               <a:rPr lang="en-US" dirty="0"/>
-              <a:t>10/8/2018</a:t>
+              <a:t>10/8/18</a:t>
             </a:fld>
             <a:endParaRPr lang="en-US" dirty="0"/>
           </a:p>
@@ -2834,7 +2833,7 @@
           </a:lstStyle>
           <a:p>
             <a:r>
-              <a:rPr lang="en-US" smtClean="0"/>
+              <a:rPr lang="en-US"/>
               <a:t>Click to edit Master title style</a:t>
             </a:r>
             <a:endParaRPr lang="en-US" dirty="0"/>
@@ -2906,35 +2905,35 @@
           <a:p>
             <a:pPr lvl="0"/>
             <a:r>
-              <a:rPr lang="en-US" smtClean="0"/>
+              <a:rPr lang="en-US"/>
               <a:t>Click to edit Master text styles</a:t>
             </a:r>
           </a:p>
           <a:p>
             <a:pPr lvl="1"/>
             <a:r>
-              <a:rPr lang="en-US" smtClean="0"/>
+              <a:rPr lang="en-US"/>
               <a:t>Second level</a:t>
             </a:r>
           </a:p>
           <a:p>
             <a:pPr lvl="2"/>
             <a:r>
-              <a:rPr lang="en-US" smtClean="0"/>
+              <a:rPr lang="en-US"/>
               <a:t>Third level</a:t>
             </a:r>
           </a:p>
           <a:p>
             <a:pPr lvl="3"/>
             <a:r>
-              <a:rPr lang="en-US" smtClean="0"/>
+              <a:rPr lang="en-US"/>
               <a:t>Fourth level</a:t>
             </a:r>
           </a:p>
           <a:p>
             <a:pPr lvl="4"/>
             <a:r>
-              <a:rPr lang="en-US" smtClean="0"/>
+              <a:rPr lang="en-US"/>
               <a:t>Fifth level</a:t>
             </a:r>
             <a:endParaRPr lang="en-US" dirty="0"/>
@@ -3003,7 +3002,7 @@
           <a:p>
             <a:pPr lvl="0"/>
             <a:r>
-              <a:rPr lang="en-US" smtClean="0"/>
+              <a:rPr lang="en-US"/>
               <a:t>Click to edit Master text styles</a:t>
             </a:r>
           </a:p>
@@ -3026,7 +3025,7 @@
           <a:p>
             <a:fld id="{3C633830-2244-49AE-BC4A-47F415C177C6}" type="datetimeFigureOut">
               <a:rPr lang="en-US" dirty="0"/>
-              <a:t>10/8/2018</a:t>
+              <a:t>10/8/18</a:t>
             </a:fld>
             <a:endParaRPr lang="en-US" dirty="0"/>
           </a:p>
@@ -3129,7 +3128,7 @@
           </a:lstStyle>
           <a:p>
             <a:r>
-              <a:rPr lang="en-US" smtClean="0"/>
+              <a:rPr lang="en-US"/>
               <a:t>Click to edit Master title style</a:t>
             </a:r>
             <a:endParaRPr lang="en-US" dirty="0"/>
@@ -3194,7 +3193,7 @@
           </a:lstStyle>
           <a:p>
             <a:r>
-              <a:rPr lang="en-US" smtClean="0"/>
+              <a:rPr lang="en-US"/>
               <a:t>Click icon to add picture</a:t>
             </a:r>
             <a:endParaRPr lang="en-US" dirty="0"/>
@@ -3263,7 +3262,7 @@
           <a:p>
             <a:pPr lvl="0"/>
             <a:r>
-              <a:rPr lang="en-US" smtClean="0"/>
+              <a:rPr lang="en-US"/>
               <a:t>Click to edit Master text styles</a:t>
             </a:r>
           </a:p>
@@ -3286,7 +3285,7 @@
           <a:p>
             <a:fld id="{3C633830-2244-49AE-BC4A-47F415C177C6}" type="datetimeFigureOut">
               <a:rPr lang="en-US" dirty="0"/>
-              <a:t>10/8/2018</a:t>
+              <a:t>10/8/18</a:t>
             </a:fld>
             <a:endParaRPr lang="en-US" dirty="0"/>
           </a:p>
@@ -3593,7 +3592,7 @@
           <a:lstStyle/>
           <a:p>
             <a:r>
-              <a:rPr lang="en-US" smtClean="0"/>
+              <a:rPr lang="en-US"/>
               <a:t>Click to edit Master title style</a:t>
             </a:r>
             <a:endParaRPr lang="en-US" dirty="0"/>
@@ -3627,35 +3626,35 @@
           <a:p>
             <a:pPr lvl="0"/>
             <a:r>
-              <a:rPr lang="en-US" smtClean="0"/>
+              <a:rPr lang="en-US"/>
               <a:t>Click to edit Master text styles</a:t>
             </a:r>
           </a:p>
           <a:p>
             <a:pPr lvl="1"/>
             <a:r>
-              <a:rPr lang="en-US" smtClean="0"/>
+              <a:rPr lang="en-US"/>
               <a:t>Second level</a:t>
             </a:r>
           </a:p>
           <a:p>
             <a:pPr lvl="2"/>
             <a:r>
-              <a:rPr lang="en-US" smtClean="0"/>
+              <a:rPr lang="en-US"/>
               <a:t>Third level</a:t>
             </a:r>
           </a:p>
           <a:p>
             <a:pPr lvl="3"/>
             <a:r>
-              <a:rPr lang="en-US" smtClean="0"/>
+              <a:rPr lang="en-US"/>
               <a:t>Fourth level</a:t>
             </a:r>
           </a:p>
           <a:p>
             <a:pPr lvl="4"/>
             <a:r>
-              <a:rPr lang="en-US" smtClean="0"/>
+              <a:rPr lang="en-US"/>
               <a:t>Fifth level</a:t>
             </a:r>
             <a:endParaRPr lang="en-US" dirty="0"/>
@@ -3700,7 +3699,7 @@
             <a:fld id="{3C633830-2244-49AE-BC4A-47F415C177C6}" type="datetimeFigureOut">
               <a:rPr lang="en-US" dirty="0"/>
               <a:pPr/>
-              <a:t>10/8/2018</a:t>
+              <a:t>10/8/18</a:t>
             </a:fld>
             <a:endParaRPr lang="en-US" dirty="0"/>
           </a:p>
@@ -4219,10 +4218,9 @@
           <a:lstStyle/>
           <a:p>
             <a:r>
-              <a:rPr lang="en-US" sz="6500" dirty="0" smtClean="0"/>
+              <a:rPr lang="en-US" sz="6500" dirty="0"/>
               <a:t>Delay analysis for flights to and from MSP</a:t>
             </a:r>
-            <a:endParaRPr lang="en-US" sz="6500" dirty="0"/>
           </a:p>
         </p:txBody>
       </p:sp>
@@ -4244,26 +4242,25 @@
           <a:lstStyle/>
           <a:p>
             <a:r>
-              <a:rPr lang="en-US" dirty="0" smtClean="0"/>
+              <a:rPr lang="en-US" dirty="0"/>
               <a:t>Team </a:t>
             </a:r>
             <a:r>
-              <a:rPr lang="en-US" dirty="0" err="1" smtClean="0"/>
+              <a:rPr lang="en-US" dirty="0" err="1"/>
               <a:t>Delorean</a:t>
             </a:r>
             <a:r>
-              <a:rPr lang="en-US" dirty="0" smtClean="0"/>
+              <a:rPr lang="en-US" dirty="0"/>
               <a:t>: Chi Tran, Erik </a:t>
             </a:r>
             <a:r>
-              <a:rPr lang="en-US" dirty="0" err="1" smtClean="0"/>
+              <a:rPr lang="en-US" dirty="0" err="1"/>
               <a:t>Jakubowski</a:t>
             </a:r>
             <a:r>
-              <a:rPr lang="en-US" dirty="0" smtClean="0"/>
+              <a:rPr lang="en-US" dirty="0"/>
               <a:t>, Tom Brennan, Mamta Mandan</a:t>
             </a:r>
-            <a:endParaRPr lang="en-US" dirty="0"/>
           </a:p>
         </p:txBody>
       </p:sp>
@@ -4299,28 +4296,28 @@
       </p:grpSpPr>
       <p:pic>
         <p:nvPicPr>
-          <p:cNvPr id="2" name="Picture 1"/>
+          <p:cNvPr id="4" name="Picture 3">
+            <a:extLst>
+              <a:ext uri="{FF2B5EF4-FFF2-40B4-BE49-F238E27FC236}">
+                <a16:creationId xmlns:a16="http://schemas.microsoft.com/office/drawing/2014/main" id="{444B296D-E3C5-504E-AC0D-86CE939C05CE}"/>
+              </a:ext>
+            </a:extLst>
+          </p:cNvPr>
           <p:cNvPicPr>
             <a:picLocks noChangeAspect="1"/>
           </p:cNvPicPr>
           <p:nvPr/>
         </p:nvPicPr>
         <p:blipFill>
-          <a:blip r:embed="rId2">
-            <a:extLst>
-              <a:ext uri="{28A0092B-C50C-407E-A947-70E740481C1C}">
-                <a14:useLocalDpi xmlns:a14="http://schemas.microsoft.com/office/drawing/2010/main" val="0"/>
-              </a:ext>
-            </a:extLst>
-          </a:blip>
+          <a:blip r:embed="rId2"/>
           <a:stretch>
             <a:fillRect/>
           </a:stretch>
         </p:blipFill>
         <p:spPr>
           <a:xfrm>
-            <a:off x="2520135" y="570849"/>
-            <a:ext cx="7151729" cy="5716302"/>
+            <a:off x="0" y="381000"/>
+            <a:ext cx="12192000" cy="6096000"/>
           </a:xfrm>
           <a:prstGeom prst="rect">
             <a:avLst/>
@@ -4330,7 +4327,7 @@
     </p:spTree>
     <p:extLst>
       <p:ext uri="{BB962C8B-B14F-4D97-AF65-F5344CB8AC3E}">
-        <p14:creationId xmlns:p14="http://schemas.microsoft.com/office/powerpoint/2010/main" val="3665255972"/>
+        <p14:creationId xmlns:p14="http://schemas.microsoft.com/office/powerpoint/2010/main" val="3154915898"/>
       </p:ext>
     </p:extLst>
   </p:cSld>
@@ -4379,8 +4376,8 @@
         </p:blipFill>
         <p:spPr>
           <a:xfrm>
-            <a:off x="2685273" y="634363"/>
-            <a:ext cx="6821454" cy="5589273"/>
+            <a:off x="0" y="380999"/>
+            <a:ext cx="12205854" cy="6102927"/>
           </a:xfrm>
           <a:prstGeom prst="rect">
             <a:avLst/>
@@ -4390,7 +4387,7 @@
     </p:spTree>
     <p:extLst>
       <p:ext uri="{BB962C8B-B14F-4D97-AF65-F5344CB8AC3E}">
-        <p14:creationId xmlns:p14="http://schemas.microsoft.com/office/powerpoint/2010/main" val="1386785085"/>
+        <p14:creationId xmlns:p14="http://schemas.microsoft.com/office/powerpoint/2010/main" val="461662732"/>
       </p:ext>
     </p:extLst>
   </p:cSld>
@@ -4439,8 +4436,8 @@
         </p:blipFill>
         <p:spPr>
           <a:xfrm>
-            <a:off x="2932979" y="577200"/>
-            <a:ext cx="6326041" cy="5703599"/>
+            <a:off x="0" y="380999"/>
+            <a:ext cx="12239106" cy="6119553"/>
           </a:xfrm>
           <a:prstGeom prst="rect">
             <a:avLst/>
@@ -4450,7 +4447,7 @@
     </p:spTree>
     <p:extLst>
       <p:ext uri="{BB962C8B-B14F-4D97-AF65-F5344CB8AC3E}">
-        <p14:creationId xmlns:p14="http://schemas.microsoft.com/office/powerpoint/2010/main" val="493122426"/>
+        <p14:creationId xmlns:p14="http://schemas.microsoft.com/office/powerpoint/2010/main" val="3867287040"/>
       </p:ext>
     </p:extLst>
   </p:cSld>
@@ -4477,40 +4474,81 @@
           <a:chExt cx="0" cy="0"/>
         </a:xfrm>
       </p:grpSpPr>
-      <p:pic>
-        <p:nvPicPr>
-          <p:cNvPr id="2" name="Picture 1"/>
-          <p:cNvPicPr>
-            <a:picLocks noChangeAspect="1"/>
-          </p:cNvPicPr>
-          <p:nvPr/>
-        </p:nvPicPr>
-        <p:blipFill>
-          <a:blip r:embed="rId2">
+      <p:sp>
+        <p:nvSpPr>
+          <p:cNvPr id="2" name="Title 1">
             <a:extLst>
-              <a:ext uri="{28A0092B-C50C-407E-A947-70E740481C1C}">
-                <a14:useLocalDpi xmlns:a14="http://schemas.microsoft.com/office/drawing/2010/main" val="0"/>
+              <a:ext uri="{FF2B5EF4-FFF2-40B4-BE49-F238E27FC236}">
+                <a16:creationId xmlns:a16="http://schemas.microsoft.com/office/drawing/2014/main" id="{7C222611-9D83-5949-A3EE-A2C85F9188B5}"/>
               </a:ext>
             </a:extLst>
-          </a:blip>
-          <a:stretch>
-            <a:fillRect/>
-          </a:stretch>
-        </p:blipFill>
-        <p:spPr>
-          <a:xfrm>
-            <a:off x="3110820" y="634363"/>
-            <a:ext cx="5970360" cy="5589273"/>
-          </a:xfrm>
-          <a:prstGeom prst="rect">
-            <a:avLst/>
-          </a:prstGeom>
-        </p:spPr>
-      </p:pic>
+          </p:cNvPr>
+          <p:cNvSpPr>
+            <a:spLocks noGrp="1"/>
+          </p:cNvSpPr>
+          <p:nvPr>
+            <p:ph type="title"/>
+          </p:nvPr>
+        </p:nvSpPr>
+        <p:spPr/>
+        <p:txBody>
+          <a:bodyPr/>
+          <a:lstStyle/>
+          <a:p>
+            <a:r>
+              <a:rPr lang="en-US" dirty="0"/>
+              <a:t>Daily Conclusions</a:t>
+            </a:r>
+          </a:p>
+        </p:txBody>
+      </p:sp>
+      <p:sp>
+        <p:nvSpPr>
+          <p:cNvPr id="3" name="Content Placeholder 2">
+            <a:extLst>
+              <a:ext uri="{FF2B5EF4-FFF2-40B4-BE49-F238E27FC236}">
+                <a16:creationId xmlns:a16="http://schemas.microsoft.com/office/drawing/2014/main" id="{980265B2-E9CA-7A45-A18D-BAF577869FDF}"/>
+              </a:ext>
+            </a:extLst>
+          </p:cNvPr>
+          <p:cNvSpPr>
+            <a:spLocks noGrp="1"/>
+          </p:cNvSpPr>
+          <p:nvPr>
+            <p:ph idx="1"/>
+          </p:nvPr>
+        </p:nvSpPr>
+        <p:spPr/>
+        <p:txBody>
+          <a:bodyPr/>
+          <a:lstStyle/>
+          <a:p>
+            <a:r>
+              <a:rPr lang="en-US" dirty="0"/>
+              <a:t>Saturday and Sunday are the least busy days to fly</a:t>
+            </a:r>
+          </a:p>
+          <a:p>
+            <a:r>
+              <a:rPr lang="en-US" dirty="0"/>
+              <a:t>Saturday flight have the lowest outbound delays from MSP</a:t>
+            </a:r>
+          </a:p>
+          <a:p>
+            <a:r>
+              <a:rPr lang="en-US" dirty="0"/>
+              <a:t>Monday flights have the highest likelihood of being delayed</a:t>
+            </a:r>
+          </a:p>
+          <a:p>
+            <a:endParaRPr lang="en-US" dirty="0"/>
+          </a:p>
+        </p:txBody>
+      </p:sp>
     </p:spTree>
     <p:extLst>
       <p:ext uri="{BB962C8B-B14F-4D97-AF65-F5344CB8AC3E}">
-        <p14:creationId xmlns:p14="http://schemas.microsoft.com/office/powerpoint/2010/main" val="2691554377"/>
+        <p14:creationId xmlns:p14="http://schemas.microsoft.com/office/powerpoint/2010/main" val="2893945014"/>
       </p:ext>
     </p:extLst>
   </p:cSld>
@@ -4559,8 +4597,44 @@
         </p:blipFill>
         <p:spPr>
           <a:xfrm>
-            <a:off x="3352175" y="1599783"/>
-            <a:ext cx="5487650" cy="3658433"/>
+            <a:off x="355271" y="853480"/>
+            <a:ext cx="5629894" cy="4499915"/>
+          </a:xfrm>
+          <a:prstGeom prst="rect">
+            <a:avLst/>
+          </a:prstGeom>
+        </p:spPr>
+      </p:pic>
+      <p:pic>
+        <p:nvPicPr>
+          <p:cNvPr id="3" name="Picture 2">
+            <a:extLst>
+              <a:ext uri="{FF2B5EF4-FFF2-40B4-BE49-F238E27FC236}">
+                <a16:creationId xmlns:a16="http://schemas.microsoft.com/office/drawing/2014/main" id="{8990E915-6A5B-094D-9CD0-D4592997B3FE}"/>
+              </a:ext>
+            </a:extLst>
+          </p:cNvPr>
+          <p:cNvPicPr>
+            <a:picLocks noChangeAspect="1"/>
+          </p:cNvPicPr>
+          <p:nvPr/>
+        </p:nvPicPr>
+        <p:blipFill>
+          <a:blip r:embed="rId3">
+            <a:extLst>
+              <a:ext uri="{28A0092B-C50C-407E-A947-70E740481C1C}">
+                <a14:useLocalDpi xmlns:a14="http://schemas.microsoft.com/office/drawing/2010/main" val="0"/>
+              </a:ext>
+            </a:extLst>
+          </a:blip>
+          <a:stretch>
+            <a:fillRect/>
+          </a:stretch>
+        </p:blipFill>
+        <p:spPr>
+          <a:xfrm>
+            <a:off x="6635577" y="853480"/>
+            <a:ext cx="4871976" cy="4392605"/>
           </a:xfrm>
           <a:prstGeom prst="rect">
             <a:avLst/>
@@ -4570,7 +4644,7 @@
     </p:spTree>
     <p:extLst>
       <p:ext uri="{BB962C8B-B14F-4D97-AF65-F5344CB8AC3E}">
-        <p14:creationId xmlns:p14="http://schemas.microsoft.com/office/powerpoint/2010/main" val="314562552"/>
+        <p14:creationId xmlns:p14="http://schemas.microsoft.com/office/powerpoint/2010/main" val="3665255972"/>
       </p:ext>
     </p:extLst>
   </p:cSld>
@@ -4619,18 +4693,278 @@
         </p:blipFill>
         <p:spPr>
           <a:xfrm>
-            <a:off x="3352175" y="1599783"/>
-            <a:ext cx="5487650" cy="3658433"/>
+            <a:off x="458908" y="342815"/>
+            <a:ext cx="5810827" cy="4761199"/>
           </a:xfrm>
           <a:prstGeom prst="rect">
             <a:avLst/>
           </a:prstGeom>
         </p:spPr>
       </p:pic>
+      <p:pic>
+        <p:nvPicPr>
+          <p:cNvPr id="3" name="Picture 2">
+            <a:extLst>
+              <a:ext uri="{FF2B5EF4-FFF2-40B4-BE49-F238E27FC236}">
+                <a16:creationId xmlns:a16="http://schemas.microsoft.com/office/drawing/2014/main" id="{2265A21F-F27C-944D-9649-BC46F4ECBAF4}"/>
+              </a:ext>
+            </a:extLst>
+          </p:cNvPr>
+          <p:cNvPicPr>
+            <a:picLocks noChangeAspect="1"/>
+          </p:cNvPicPr>
+          <p:nvPr/>
+        </p:nvPicPr>
+        <p:blipFill>
+          <a:blip r:embed="rId3">
+            <a:extLst>
+              <a:ext uri="{28A0092B-C50C-407E-A947-70E740481C1C}">
+                <a14:useLocalDpi xmlns:a14="http://schemas.microsoft.com/office/drawing/2010/main" val="0"/>
+              </a:ext>
+            </a:extLst>
+          </a:blip>
+          <a:stretch>
+            <a:fillRect/>
+          </a:stretch>
+        </p:blipFill>
+        <p:spPr>
+          <a:xfrm>
+            <a:off x="6428762" y="342815"/>
+            <a:ext cx="5225325" cy="4891793"/>
+          </a:xfrm>
+          <a:prstGeom prst="rect">
+            <a:avLst/>
+          </a:prstGeom>
+        </p:spPr>
+      </p:pic>
+      <p:sp>
+        <p:nvSpPr>
+          <p:cNvPr id="4" name="Content Placeholder 2">
+            <a:extLst>
+              <a:ext uri="{FF2B5EF4-FFF2-40B4-BE49-F238E27FC236}">
+                <a16:creationId xmlns:a16="http://schemas.microsoft.com/office/drawing/2014/main" id="{D44B0A4D-BD32-5242-9C5B-FD1E25999FDA}"/>
+              </a:ext>
+            </a:extLst>
+          </p:cNvPr>
+          <p:cNvSpPr txBox="1">
+            <a:spLocks/>
+          </p:cNvSpPr>
+          <p:nvPr/>
+        </p:nvSpPr>
+        <p:spPr>
+          <a:xfrm>
+            <a:off x="225795" y="5633702"/>
+            <a:ext cx="11428292" cy="1120208"/>
+          </a:xfrm>
+          <a:prstGeom prst="rect">
+            <a:avLst/>
+          </a:prstGeom>
+        </p:spPr>
+        <p:txBody>
+          <a:bodyPr/>
+          <a:lstStyle>
+            <a:lvl1pPr marL="283464" indent="-283464" algn="l" defTabSz="914400" rtl="0" eaLnBrk="1" latinLnBrk="0" hangingPunct="1">
+              <a:lnSpc>
+                <a:spcPct val="112000"/>
+              </a:lnSpc>
+              <a:spcBef>
+                <a:spcPts val="900"/>
+              </a:spcBef>
+              <a:buFont typeface="Arial" panose="020B0604020202020204" pitchFamily="34" charset="0"/>
+              <a:buChar char="•"/>
+              <a:defRPr sz="2000" kern="1200" baseline="0">
+                <a:solidFill>
+                  <a:schemeClr val="tx1">
+                    <a:lumMod val="85000"/>
+                    <a:lumOff val="15000"/>
+                  </a:schemeClr>
+                </a:solidFill>
+                <a:latin typeface="+mn-lt"/>
+                <a:ea typeface="+mn-ea"/>
+                <a:cs typeface="+mn-cs"/>
+              </a:defRPr>
+            </a:lvl1pPr>
+            <a:lvl2pPr marL="685800" indent="-283464" algn="l" defTabSz="914400" rtl="0" eaLnBrk="1" latinLnBrk="0" hangingPunct="1">
+              <a:lnSpc>
+                <a:spcPct val="112000"/>
+              </a:lnSpc>
+              <a:spcBef>
+                <a:spcPts val="900"/>
+              </a:spcBef>
+              <a:buFont typeface="Corbel" panose="020B0503020204020204" pitchFamily="34" charset="0"/>
+              <a:buChar char="–"/>
+              <a:defRPr sz="1800" kern="1200" baseline="0">
+                <a:solidFill>
+                  <a:schemeClr val="tx1">
+                    <a:lumMod val="85000"/>
+                    <a:lumOff val="15000"/>
+                  </a:schemeClr>
+                </a:solidFill>
+                <a:latin typeface="+mn-lt"/>
+                <a:ea typeface="+mn-ea"/>
+                <a:cs typeface="+mn-cs"/>
+              </a:defRPr>
+            </a:lvl2pPr>
+            <a:lvl3pPr marL="1143000" indent="-283464" algn="l" defTabSz="914400" rtl="0" eaLnBrk="1" latinLnBrk="0" hangingPunct="1">
+              <a:lnSpc>
+                <a:spcPct val="112000"/>
+              </a:lnSpc>
+              <a:spcBef>
+                <a:spcPts val="900"/>
+              </a:spcBef>
+              <a:buFont typeface="Arial" panose="020B0604020202020204" pitchFamily="34" charset="0"/>
+              <a:buChar char="•"/>
+              <a:defRPr sz="1600" kern="1200" baseline="0">
+                <a:solidFill>
+                  <a:schemeClr val="tx1">
+                    <a:lumMod val="85000"/>
+                    <a:lumOff val="15000"/>
+                  </a:schemeClr>
+                </a:solidFill>
+                <a:latin typeface="+mn-lt"/>
+                <a:ea typeface="+mn-ea"/>
+                <a:cs typeface="+mn-cs"/>
+              </a:defRPr>
+            </a:lvl3pPr>
+            <a:lvl4pPr marL="1600200" indent="-283464" algn="l" defTabSz="914400" rtl="0" eaLnBrk="1" latinLnBrk="0" hangingPunct="1">
+              <a:lnSpc>
+                <a:spcPct val="112000"/>
+              </a:lnSpc>
+              <a:spcBef>
+                <a:spcPts val="900"/>
+              </a:spcBef>
+              <a:buFont typeface="Corbel" panose="020B0503020204020204" pitchFamily="34" charset="0"/>
+              <a:buChar char="–"/>
+              <a:defRPr sz="1400" kern="1200" baseline="0">
+                <a:solidFill>
+                  <a:schemeClr val="tx1">
+                    <a:lumMod val="85000"/>
+                    <a:lumOff val="15000"/>
+                  </a:schemeClr>
+                </a:solidFill>
+                <a:latin typeface="+mn-lt"/>
+                <a:ea typeface="+mn-ea"/>
+                <a:cs typeface="+mn-cs"/>
+              </a:defRPr>
+            </a:lvl4pPr>
+            <a:lvl5pPr marL="2057400" indent="-283464" algn="l" defTabSz="914400" rtl="0" eaLnBrk="1" latinLnBrk="0" hangingPunct="1">
+              <a:lnSpc>
+                <a:spcPct val="112000"/>
+              </a:lnSpc>
+              <a:spcBef>
+                <a:spcPts val="900"/>
+              </a:spcBef>
+              <a:buFont typeface="Arial" panose="020B0604020202020204" pitchFamily="34" charset="0"/>
+              <a:buChar char="•"/>
+              <a:defRPr sz="1400" i="1" kern="1200" baseline="0">
+                <a:solidFill>
+                  <a:schemeClr val="tx1">
+                    <a:lumMod val="85000"/>
+                    <a:lumOff val="15000"/>
+                  </a:schemeClr>
+                </a:solidFill>
+                <a:latin typeface="+mn-lt"/>
+                <a:ea typeface="+mn-ea"/>
+                <a:cs typeface="+mn-cs"/>
+              </a:defRPr>
+            </a:lvl5pPr>
+            <a:lvl6pPr marL="2514600" indent="-283464" algn="l" defTabSz="914400" rtl="0" eaLnBrk="1" latinLnBrk="0" hangingPunct="1">
+              <a:lnSpc>
+                <a:spcPct val="112000"/>
+              </a:lnSpc>
+              <a:spcBef>
+                <a:spcPts val="1300"/>
+              </a:spcBef>
+              <a:buFont typeface="Corbel" panose="020B0503020204020204" pitchFamily="34" charset="0"/>
+              <a:buChar char="–"/>
+              <a:defRPr sz="1400" kern="1200">
+                <a:solidFill>
+                  <a:schemeClr val="tx1">
+                    <a:lumMod val="85000"/>
+                    <a:lumOff val="15000"/>
+                  </a:schemeClr>
+                </a:solidFill>
+                <a:latin typeface="+mn-lt"/>
+                <a:ea typeface="+mn-ea"/>
+                <a:cs typeface="+mn-cs"/>
+              </a:defRPr>
+            </a:lvl6pPr>
+            <a:lvl7pPr marL="2971800" indent="-283464" algn="l" defTabSz="914400" rtl="0" eaLnBrk="1" latinLnBrk="0" hangingPunct="1">
+              <a:lnSpc>
+                <a:spcPct val="112000"/>
+              </a:lnSpc>
+              <a:spcBef>
+                <a:spcPts val="1300"/>
+              </a:spcBef>
+              <a:buFont typeface="Arial" panose="020B0604020202020204" pitchFamily="34" charset="0"/>
+              <a:buChar char="•"/>
+              <a:defRPr sz="1400" i="1" kern="1200">
+                <a:solidFill>
+                  <a:schemeClr val="tx1">
+                    <a:lumMod val="85000"/>
+                    <a:lumOff val="15000"/>
+                  </a:schemeClr>
+                </a:solidFill>
+                <a:latin typeface="+mn-lt"/>
+                <a:ea typeface="+mn-ea"/>
+                <a:cs typeface="+mn-cs"/>
+              </a:defRPr>
+            </a:lvl7pPr>
+            <a:lvl8pPr marL="3429000" indent="-283464" algn="l" defTabSz="914400" rtl="0" eaLnBrk="1" latinLnBrk="0" hangingPunct="1">
+              <a:lnSpc>
+                <a:spcPct val="112000"/>
+              </a:lnSpc>
+              <a:spcBef>
+                <a:spcPts val="1300"/>
+              </a:spcBef>
+              <a:buFont typeface="Corbel" panose="020B0503020204020204" pitchFamily="34" charset="0"/>
+              <a:buChar char="–"/>
+              <a:defRPr sz="1400" kern="1200">
+                <a:solidFill>
+                  <a:schemeClr val="tx1">
+                    <a:lumMod val="85000"/>
+                    <a:lumOff val="15000"/>
+                  </a:schemeClr>
+                </a:solidFill>
+                <a:latin typeface="+mn-lt"/>
+                <a:ea typeface="+mn-ea"/>
+                <a:cs typeface="+mn-cs"/>
+              </a:defRPr>
+            </a:lvl8pPr>
+            <a:lvl9pPr marL="3886200" indent="-283464" algn="l" defTabSz="914400" rtl="0" eaLnBrk="1" latinLnBrk="0" hangingPunct="1">
+              <a:lnSpc>
+                <a:spcPct val="112000"/>
+              </a:lnSpc>
+              <a:spcBef>
+                <a:spcPts val="1300"/>
+              </a:spcBef>
+              <a:buFont typeface="Arial" panose="020B0604020202020204" pitchFamily="34" charset="0"/>
+              <a:buChar char="•"/>
+              <a:defRPr sz="1400" i="1" kern="1200" baseline="0">
+                <a:solidFill>
+                  <a:schemeClr val="tx1">
+                    <a:lumMod val="85000"/>
+                    <a:lumOff val="15000"/>
+                  </a:schemeClr>
+                </a:solidFill>
+                <a:latin typeface="+mn-lt"/>
+                <a:ea typeface="+mn-ea"/>
+                <a:cs typeface="+mn-cs"/>
+              </a:defRPr>
+            </a:lvl9pPr>
+          </a:lstStyle>
+          <a:p>
+            <a:r>
+              <a:rPr lang="en-US" dirty="0"/>
+              <a:t>Most likely to be delayed by air traffic control but the delay will be shorter then a weather or carrier delay</a:t>
+            </a:r>
+          </a:p>
+        </p:txBody>
+      </p:sp>
     </p:spTree>
     <p:extLst>
       <p:ext uri="{BB962C8B-B14F-4D97-AF65-F5344CB8AC3E}">
-        <p14:creationId xmlns:p14="http://schemas.microsoft.com/office/powerpoint/2010/main" val="3528615661"/>
+        <p14:creationId xmlns:p14="http://schemas.microsoft.com/office/powerpoint/2010/main" val="1386785085"/>
       </p:ext>
     </p:extLst>
   </p:cSld>
@@ -4679,7 +5013,43 @@
         </p:blipFill>
         <p:spPr>
           <a:xfrm>
-            <a:off x="3352175" y="1599783"/>
+            <a:off x="6280904" y="473349"/>
+            <a:ext cx="5487650" cy="3658433"/>
+          </a:xfrm>
+          <a:prstGeom prst="rect">
+            <a:avLst/>
+          </a:prstGeom>
+        </p:spPr>
+      </p:pic>
+      <p:pic>
+        <p:nvPicPr>
+          <p:cNvPr id="3" name="Picture 2">
+            <a:extLst>
+              <a:ext uri="{FF2B5EF4-FFF2-40B4-BE49-F238E27FC236}">
+                <a16:creationId xmlns:a16="http://schemas.microsoft.com/office/drawing/2014/main" id="{048A5D34-4FC0-6C4B-A4E4-6B051B71F605}"/>
+              </a:ext>
+            </a:extLst>
+          </p:cNvPr>
+          <p:cNvPicPr>
+            <a:picLocks noChangeAspect="1"/>
+          </p:cNvPicPr>
+          <p:nvPr/>
+        </p:nvPicPr>
+        <p:blipFill>
+          <a:blip r:embed="rId3">
+            <a:extLst>
+              <a:ext uri="{28A0092B-C50C-407E-A947-70E740481C1C}">
+                <a14:useLocalDpi xmlns:a14="http://schemas.microsoft.com/office/drawing/2010/main" val="0"/>
+              </a:ext>
+            </a:extLst>
+          </a:blip>
+          <a:stretch>
+            <a:fillRect/>
+          </a:stretch>
+        </p:blipFill>
+        <p:spPr>
+          <a:xfrm>
+            <a:off x="252415" y="473349"/>
             <a:ext cx="5487650" cy="3658433"/>
           </a:xfrm>
           <a:prstGeom prst="rect">
@@ -4690,7 +5060,7 @@
     </p:spTree>
     <p:extLst>
       <p:ext uri="{BB962C8B-B14F-4D97-AF65-F5344CB8AC3E}">
-        <p14:creationId xmlns:p14="http://schemas.microsoft.com/office/powerpoint/2010/main" val="590589741"/>
+        <p14:creationId xmlns:p14="http://schemas.microsoft.com/office/powerpoint/2010/main" val="314562552"/>
       </p:ext>
     </p:extLst>
   </p:cSld>
@@ -4739,7 +5109,43 @@
         </p:blipFill>
         <p:spPr>
           <a:xfrm>
-            <a:off x="3352175" y="1599783"/>
+            <a:off x="6260666" y="310227"/>
+            <a:ext cx="5487650" cy="3658433"/>
+          </a:xfrm>
+          <a:prstGeom prst="rect">
+            <a:avLst/>
+          </a:prstGeom>
+        </p:spPr>
+      </p:pic>
+      <p:pic>
+        <p:nvPicPr>
+          <p:cNvPr id="3" name="Picture 2">
+            <a:extLst>
+              <a:ext uri="{FF2B5EF4-FFF2-40B4-BE49-F238E27FC236}">
+                <a16:creationId xmlns:a16="http://schemas.microsoft.com/office/drawing/2014/main" id="{8CF346E0-7A97-8C4C-8AC7-B7092C830A93}"/>
+              </a:ext>
+            </a:extLst>
+          </p:cNvPr>
+          <p:cNvPicPr>
+            <a:picLocks noChangeAspect="1"/>
+          </p:cNvPicPr>
+          <p:nvPr/>
+        </p:nvPicPr>
+        <p:blipFill>
+          <a:blip r:embed="rId3">
+            <a:extLst>
+              <a:ext uri="{28A0092B-C50C-407E-A947-70E740481C1C}">
+                <a14:useLocalDpi xmlns:a14="http://schemas.microsoft.com/office/drawing/2010/main" val="0"/>
+              </a:ext>
+            </a:extLst>
+          </a:blip>
+          <a:stretch>
+            <a:fillRect/>
+          </a:stretch>
+        </p:blipFill>
+        <p:spPr>
+          <a:xfrm>
+            <a:off x="417421" y="310226"/>
             <a:ext cx="5487650" cy="3658433"/>
           </a:xfrm>
           <a:prstGeom prst="rect">
@@ -4750,7 +5156,7 @@
     </p:spTree>
     <p:extLst>
       <p:ext uri="{BB962C8B-B14F-4D97-AF65-F5344CB8AC3E}">
-        <p14:creationId xmlns:p14="http://schemas.microsoft.com/office/powerpoint/2010/main" val="3076216066"/>
+        <p14:creationId xmlns:p14="http://schemas.microsoft.com/office/powerpoint/2010/main" val="3528615661"/>
       </p:ext>
     </p:extLst>
   </p:cSld>
@@ -4779,28 +5185,58 @@
       </p:grpSpPr>
       <p:pic>
         <p:nvPicPr>
-          <p:cNvPr id="3" name="Picture 2"/>
+          <p:cNvPr id="3" name="Picture 2">
+            <a:extLst>
+              <a:ext uri="{FF2B5EF4-FFF2-40B4-BE49-F238E27FC236}">
+                <a16:creationId xmlns:a16="http://schemas.microsoft.com/office/drawing/2014/main" id="{0776B64F-AB54-7446-9C4E-190CA18A4C88}"/>
+              </a:ext>
+            </a:extLst>
+          </p:cNvPr>
           <p:cNvPicPr>
             <a:picLocks noChangeAspect="1"/>
           </p:cNvPicPr>
           <p:nvPr/>
         </p:nvPicPr>
         <p:blipFill>
-          <a:blip r:embed="rId2">
-            <a:extLst>
-              <a:ext uri="{28A0092B-C50C-407E-A947-70E740481C1C}">
-                <a14:useLocalDpi xmlns:a14="http://schemas.microsoft.com/office/drawing/2010/main" val="0"/>
-              </a:ext>
-            </a:extLst>
-          </a:blip>
+          <a:blip r:embed="rId2"/>
           <a:stretch>
             <a:fillRect/>
           </a:stretch>
         </p:blipFill>
         <p:spPr>
           <a:xfrm>
-            <a:off x="0" y="381000"/>
-            <a:ext cx="10058400" cy="5029200"/>
+            <a:off x="1008611" y="586048"/>
+            <a:ext cx="5486400" cy="3657600"/>
+          </a:xfrm>
+          <a:prstGeom prst="rect">
+            <a:avLst/>
+          </a:prstGeom>
+        </p:spPr>
+      </p:pic>
+      <p:pic>
+        <p:nvPicPr>
+          <p:cNvPr id="5" name="Picture 4">
+            <a:extLst>
+              <a:ext uri="{FF2B5EF4-FFF2-40B4-BE49-F238E27FC236}">
+                <a16:creationId xmlns:a16="http://schemas.microsoft.com/office/drawing/2014/main" id="{5D3A6568-F565-3A4F-AE59-7A334E90AFFC}"/>
+              </a:ext>
+            </a:extLst>
+          </p:cNvPr>
+          <p:cNvPicPr>
+            <a:picLocks noChangeAspect="1"/>
+          </p:cNvPicPr>
+          <p:nvPr/>
+        </p:nvPicPr>
+        <p:blipFill>
+          <a:blip r:embed="rId3"/>
+          <a:stretch>
+            <a:fillRect/>
+          </a:stretch>
+        </p:blipFill>
+        <p:spPr>
+          <a:xfrm>
+            <a:off x="6345752" y="586048"/>
+            <a:ext cx="5486400" cy="3657600"/>
           </a:xfrm>
           <a:prstGeom prst="rect">
             <a:avLst/>
@@ -4810,7 +5246,7 @@
     </p:spTree>
     <p:extLst>
       <p:ext uri="{BB962C8B-B14F-4D97-AF65-F5344CB8AC3E}">
-        <p14:creationId xmlns:p14="http://schemas.microsoft.com/office/powerpoint/2010/main" val="3089084757"/>
+        <p14:creationId xmlns:p14="http://schemas.microsoft.com/office/powerpoint/2010/main" val="653027367"/>
       </p:ext>
     </p:extLst>
   </p:cSld>
@@ -4821,6 +5257,1499 @@
 </file>
 
 <file path=ppt/slides/slide19.xml><?xml version="1.0" encoding="utf-8"?>
+<p:sld xmlns:a="http://schemas.openxmlformats.org/drawingml/2006/main" xmlns:r="http://schemas.openxmlformats.org/officeDocument/2006/relationships" xmlns:p="http://schemas.openxmlformats.org/presentationml/2006/main">
+  <p:cSld>
+    <p:spTree>
+      <p:nvGrpSpPr>
+        <p:cNvPr id="1" name=""/>
+        <p:cNvGrpSpPr/>
+        <p:nvPr/>
+      </p:nvGrpSpPr>
+      <p:grpSpPr>
+        <a:xfrm>
+          <a:off x="0" y="0"/>
+          <a:ext cx="0" cy="0"/>
+          <a:chOff x="0" y="0"/>
+          <a:chExt cx="0" cy="0"/>
+        </a:xfrm>
+      </p:grpSpPr>
+      <p:pic>
+        <p:nvPicPr>
+          <p:cNvPr id="3" name="Picture 2">
+            <a:extLst>
+              <a:ext uri="{FF2B5EF4-FFF2-40B4-BE49-F238E27FC236}">
+                <a16:creationId xmlns:a16="http://schemas.microsoft.com/office/drawing/2014/main" id="{4BF84504-9EAE-4643-BD0D-1D99C452A4E3}"/>
+              </a:ext>
+            </a:extLst>
+          </p:cNvPr>
+          <p:cNvPicPr>
+            <a:picLocks noChangeAspect="1"/>
+          </p:cNvPicPr>
+          <p:nvPr/>
+        </p:nvPicPr>
+        <p:blipFill>
+          <a:blip r:embed="rId2"/>
+          <a:stretch>
+            <a:fillRect/>
+          </a:stretch>
+        </p:blipFill>
+        <p:spPr>
+          <a:xfrm>
+            <a:off x="343593" y="719422"/>
+            <a:ext cx="5486400" cy="3657600"/>
+          </a:xfrm>
+          <a:prstGeom prst="rect">
+            <a:avLst/>
+          </a:prstGeom>
+        </p:spPr>
+      </p:pic>
+      <p:pic>
+        <p:nvPicPr>
+          <p:cNvPr id="5" name="Picture 4">
+            <a:extLst>
+              <a:ext uri="{FF2B5EF4-FFF2-40B4-BE49-F238E27FC236}">
+                <a16:creationId xmlns:a16="http://schemas.microsoft.com/office/drawing/2014/main" id="{147EC9DE-1D4C-294F-A200-9B3E09EDE728}"/>
+              </a:ext>
+            </a:extLst>
+          </p:cNvPr>
+          <p:cNvPicPr>
+            <a:picLocks noChangeAspect="1"/>
+          </p:cNvPicPr>
+          <p:nvPr/>
+        </p:nvPicPr>
+        <p:blipFill>
+          <a:blip r:embed="rId3"/>
+          <a:stretch>
+            <a:fillRect/>
+          </a:stretch>
+        </p:blipFill>
+        <p:spPr>
+          <a:xfrm>
+            <a:off x="6196124" y="719422"/>
+            <a:ext cx="5486400" cy="3657600"/>
+          </a:xfrm>
+          <a:prstGeom prst="rect">
+            <a:avLst/>
+          </a:prstGeom>
+        </p:spPr>
+      </p:pic>
+    </p:spTree>
+    <p:extLst>
+      <p:ext uri="{BB962C8B-B14F-4D97-AF65-F5344CB8AC3E}">
+        <p14:creationId xmlns:p14="http://schemas.microsoft.com/office/powerpoint/2010/main" val="1296640790"/>
+      </p:ext>
+    </p:extLst>
+  </p:cSld>
+  <p:clrMapOvr>
+    <a:masterClrMapping/>
+  </p:clrMapOvr>
+</p:sld>
+</file>
+
+<file path=ppt/slides/slide2.xml><?xml version="1.0" encoding="utf-8"?>
+<p:sld xmlns:a="http://schemas.openxmlformats.org/drawingml/2006/main" xmlns:r="http://schemas.openxmlformats.org/officeDocument/2006/relationships" xmlns:p="http://schemas.openxmlformats.org/presentationml/2006/main">
+  <p:cSld>
+    <p:spTree>
+      <p:nvGrpSpPr>
+        <p:cNvPr id="1" name=""/>
+        <p:cNvGrpSpPr/>
+        <p:nvPr/>
+      </p:nvGrpSpPr>
+      <p:grpSpPr>
+        <a:xfrm>
+          <a:off x="0" y="0"/>
+          <a:ext cx="0" cy="0"/>
+          <a:chOff x="0" y="0"/>
+          <a:chExt cx="0" cy="0"/>
+        </a:xfrm>
+      </p:grpSpPr>
+      <p:sp>
+        <p:nvSpPr>
+          <p:cNvPr id="2" name="Title 1"/>
+          <p:cNvSpPr>
+            <a:spLocks noGrp="1"/>
+          </p:cNvSpPr>
+          <p:nvPr>
+            <p:ph type="title"/>
+          </p:nvPr>
+        </p:nvSpPr>
+        <p:spPr>
+          <a:xfrm>
+            <a:off x="762000" y="559678"/>
+            <a:ext cx="2950464" cy="4952492"/>
+          </a:xfrm>
+        </p:spPr>
+        <p:txBody>
+          <a:bodyPr/>
+          <a:lstStyle/>
+          <a:p>
+            <a:r>
+              <a:rPr lang="en-US" dirty="0"/>
+              <a:t>The Source…</a:t>
+            </a:r>
+          </a:p>
+        </p:txBody>
+      </p:sp>
+      <p:sp>
+        <p:nvSpPr>
+          <p:cNvPr id="3" name="Content Placeholder 2"/>
+          <p:cNvSpPr>
+            <a:spLocks noGrp="1"/>
+          </p:cNvSpPr>
+          <p:nvPr>
+            <p:ph idx="1"/>
+          </p:nvPr>
+        </p:nvSpPr>
+        <p:spPr>
+          <a:xfrm>
+            <a:off x="3886200" y="569066"/>
+            <a:ext cx="7543798" cy="5655156"/>
+          </a:xfrm>
+        </p:spPr>
+        <p:txBody>
+          <a:bodyPr>
+            <a:noAutofit/>
+          </a:bodyPr>
+          <a:lstStyle/>
+          <a:p>
+            <a:r>
+              <a:rPr lang="en-US" sz="1800" b="1" dirty="0"/>
+              <a:t>Monthly</a:t>
+            </a:r>
+            <a:r>
+              <a:rPr lang="en-US" sz="1800" dirty="0"/>
+              <a:t> data for </a:t>
+            </a:r>
+            <a:r>
+              <a:rPr lang="en-US" sz="1800" b="1" dirty="0"/>
+              <a:t>2017</a:t>
+            </a:r>
+            <a:r>
+              <a:rPr lang="en-US" sz="1800" dirty="0"/>
+              <a:t> was pulled from the </a:t>
+            </a:r>
+            <a:r>
+              <a:rPr lang="en-US" sz="1800" b="1" dirty="0"/>
+              <a:t>Bureau of Transportation Statistics</a:t>
+            </a:r>
+          </a:p>
+          <a:p>
+            <a:r>
+              <a:rPr lang="en-US" sz="1800" b="1" dirty="0" err="1"/>
+              <a:t>Concatinated</a:t>
+            </a:r>
+            <a:r>
+              <a:rPr lang="en-US" sz="1800" b="1" dirty="0"/>
+              <a:t> </a:t>
+            </a:r>
+            <a:r>
+              <a:rPr lang="en-US" sz="1800" dirty="0"/>
+              <a:t>monthly data and </a:t>
+            </a:r>
+            <a:r>
+              <a:rPr lang="en-US" sz="1800" b="1" dirty="0"/>
+              <a:t>merged</a:t>
+            </a:r>
+            <a:r>
+              <a:rPr lang="en-US" sz="1800" dirty="0"/>
+              <a:t> it with CSVs containing airline information and US airport information</a:t>
+            </a:r>
+          </a:p>
+          <a:p>
+            <a:r>
+              <a:rPr lang="en-US" sz="1800" b="1" dirty="0"/>
+              <a:t>Scrubbed </a:t>
+            </a:r>
+            <a:r>
+              <a:rPr lang="en-US" sz="1800" dirty="0"/>
+              <a:t>data for relevant columns based on what information we would want to know as passengers</a:t>
+            </a:r>
+          </a:p>
+        </p:txBody>
+      </p:sp>
+      <p:sp>
+        <p:nvSpPr>
+          <p:cNvPr id="5" name="TextBox 4"/>
+          <p:cNvSpPr txBox="1"/>
+          <p:nvPr/>
+        </p:nvSpPr>
+        <p:spPr>
+          <a:xfrm>
+            <a:off x="466344" y="2551176"/>
+            <a:ext cx="10881360" cy="3816429"/>
+          </a:xfrm>
+          <a:prstGeom prst="rect">
+            <a:avLst/>
+          </a:prstGeom>
+          <a:noFill/>
+        </p:spPr>
+        <p:txBody>
+          <a:bodyPr wrap="square" rtlCol="0">
+            <a:spAutoFit/>
+          </a:bodyPr>
+          <a:lstStyle/>
+          <a:p>
+            <a:pPr lvl="1"/>
+            <a:r>
+              <a:rPr lang="en-US" sz="1400" dirty="0">
+                <a:solidFill>
+                  <a:srgbClr val="AF00DB"/>
+                </a:solidFill>
+                <a:latin typeface="Consolas" panose="020B0609020204030204" pitchFamily="49" charset="0"/>
+              </a:rPr>
+              <a:t>import</a:t>
+            </a:r>
+            <a:r>
+              <a:rPr lang="en-US" sz="1400" dirty="0">
+                <a:solidFill>
+                  <a:srgbClr val="000000"/>
+                </a:solidFill>
+                <a:latin typeface="Consolas" panose="020B0609020204030204" pitchFamily="49" charset="0"/>
+              </a:rPr>
+              <a:t> glob</a:t>
+            </a:r>
+          </a:p>
+          <a:p>
+            <a:pPr lvl="1"/>
+            <a:r>
+              <a:rPr lang="en-US" sz="1400" dirty="0">
+                <a:solidFill>
+                  <a:srgbClr val="AF00DB"/>
+                </a:solidFill>
+                <a:latin typeface="Consolas" panose="020B0609020204030204" pitchFamily="49" charset="0"/>
+              </a:rPr>
+              <a:t>import</a:t>
+            </a:r>
+            <a:r>
+              <a:rPr lang="en-US" sz="1400" dirty="0">
+                <a:solidFill>
+                  <a:srgbClr val="000000"/>
+                </a:solidFill>
+                <a:latin typeface="Consolas" panose="020B0609020204030204" pitchFamily="49" charset="0"/>
+              </a:rPr>
+              <a:t> pandas </a:t>
+            </a:r>
+            <a:r>
+              <a:rPr lang="en-US" sz="1400" dirty="0">
+                <a:solidFill>
+                  <a:srgbClr val="AF00DB"/>
+                </a:solidFill>
+                <a:latin typeface="Consolas" panose="020B0609020204030204" pitchFamily="49" charset="0"/>
+              </a:rPr>
+              <a:t>as</a:t>
+            </a:r>
+            <a:r>
+              <a:rPr lang="en-US" sz="1400" dirty="0">
+                <a:solidFill>
+                  <a:srgbClr val="000000"/>
+                </a:solidFill>
+                <a:latin typeface="Consolas" panose="020B0609020204030204" pitchFamily="49" charset="0"/>
+              </a:rPr>
+              <a:t> </a:t>
+            </a:r>
+            <a:r>
+              <a:rPr lang="en-US" sz="1400" dirty="0" err="1">
+                <a:solidFill>
+                  <a:srgbClr val="000000"/>
+                </a:solidFill>
+                <a:latin typeface="Consolas" panose="020B0609020204030204" pitchFamily="49" charset="0"/>
+              </a:rPr>
+              <a:t>pd</a:t>
+            </a:r>
+            <a:endParaRPr lang="en-US" sz="1400" dirty="0">
+              <a:solidFill>
+                <a:srgbClr val="000000"/>
+              </a:solidFill>
+              <a:latin typeface="Consolas" panose="020B0609020204030204" pitchFamily="49" charset="0"/>
+            </a:endParaRPr>
+          </a:p>
+          <a:p>
+            <a:pPr lvl="1"/>
+            <a:endParaRPr lang="en-US" sz="1400" dirty="0">
+              <a:solidFill>
+                <a:srgbClr val="000000"/>
+              </a:solidFill>
+              <a:latin typeface="Consolas" panose="020B0609020204030204" pitchFamily="49" charset="0"/>
+            </a:endParaRPr>
+          </a:p>
+          <a:p>
+            <a:pPr lvl="1"/>
+            <a:r>
+              <a:rPr lang="en-US" sz="1400" dirty="0" err="1">
+                <a:solidFill>
+                  <a:srgbClr val="000000"/>
+                </a:solidFill>
+                <a:latin typeface="Consolas" panose="020B0609020204030204" pitchFamily="49" charset="0"/>
+              </a:rPr>
+              <a:t>df</a:t>
+            </a:r>
+            <a:r>
+              <a:rPr lang="en-US" sz="1400" dirty="0">
+                <a:solidFill>
+                  <a:srgbClr val="000000"/>
+                </a:solidFill>
+                <a:latin typeface="Consolas" panose="020B0609020204030204" pitchFamily="49" charset="0"/>
+              </a:rPr>
+              <a:t> = </a:t>
+            </a:r>
+            <a:r>
+              <a:rPr lang="en-US" sz="1400" dirty="0" err="1">
+                <a:solidFill>
+                  <a:srgbClr val="000000"/>
+                </a:solidFill>
+                <a:latin typeface="Consolas" panose="020B0609020204030204" pitchFamily="49" charset="0"/>
+              </a:rPr>
+              <a:t>pd.concat</a:t>
+            </a:r>
+            <a:r>
+              <a:rPr lang="en-US" sz="1400" dirty="0">
+                <a:solidFill>
+                  <a:srgbClr val="000000"/>
+                </a:solidFill>
+                <a:latin typeface="Consolas" panose="020B0609020204030204" pitchFamily="49" charset="0"/>
+              </a:rPr>
+              <a:t>([</a:t>
+            </a:r>
+            <a:r>
+              <a:rPr lang="en-US" sz="1400" dirty="0" err="1">
+                <a:solidFill>
+                  <a:srgbClr val="000000"/>
+                </a:solidFill>
+                <a:latin typeface="Consolas" panose="020B0609020204030204" pitchFamily="49" charset="0"/>
+              </a:rPr>
+              <a:t>pd.read_csv</a:t>
+            </a:r>
+            <a:r>
+              <a:rPr lang="en-US" sz="1400" dirty="0">
+                <a:solidFill>
+                  <a:srgbClr val="000000"/>
+                </a:solidFill>
+                <a:latin typeface="Consolas" panose="020B0609020204030204" pitchFamily="49" charset="0"/>
+              </a:rPr>
+              <a:t>(f, </a:t>
+            </a:r>
+            <a:r>
+              <a:rPr lang="en-US" sz="1400" dirty="0" err="1">
+                <a:solidFill>
+                  <a:srgbClr val="001080"/>
+                </a:solidFill>
+                <a:latin typeface="Consolas" panose="020B0609020204030204" pitchFamily="49" charset="0"/>
+              </a:rPr>
+              <a:t>low_memory</a:t>
+            </a:r>
+            <a:r>
+              <a:rPr lang="en-US" sz="1400" dirty="0">
+                <a:solidFill>
+                  <a:srgbClr val="000000"/>
+                </a:solidFill>
+                <a:latin typeface="Consolas" panose="020B0609020204030204" pitchFamily="49" charset="0"/>
+              </a:rPr>
+              <a:t>=</a:t>
+            </a:r>
+            <a:r>
+              <a:rPr lang="en-US" sz="1400" dirty="0">
+                <a:solidFill>
+                  <a:srgbClr val="0000FF"/>
+                </a:solidFill>
+                <a:latin typeface="Consolas" panose="020B0609020204030204" pitchFamily="49" charset="0"/>
+              </a:rPr>
+              <a:t>False</a:t>
+            </a:r>
+            <a:r>
+              <a:rPr lang="en-US" sz="1400" dirty="0">
+                <a:solidFill>
+                  <a:srgbClr val="000000"/>
+                </a:solidFill>
+                <a:latin typeface="Consolas" panose="020B0609020204030204" pitchFamily="49" charset="0"/>
+              </a:rPr>
+              <a:t>) </a:t>
+            </a:r>
+            <a:r>
+              <a:rPr lang="en-US" sz="1400" dirty="0">
+                <a:solidFill>
+                  <a:srgbClr val="AF00DB"/>
+                </a:solidFill>
+                <a:latin typeface="Consolas" panose="020B0609020204030204" pitchFamily="49" charset="0"/>
+              </a:rPr>
+              <a:t>for</a:t>
+            </a:r>
+            <a:r>
+              <a:rPr lang="en-US" sz="1400" dirty="0">
+                <a:solidFill>
+                  <a:srgbClr val="000000"/>
+                </a:solidFill>
+                <a:latin typeface="Consolas" panose="020B0609020204030204" pitchFamily="49" charset="0"/>
+              </a:rPr>
+              <a:t> f </a:t>
+            </a:r>
+            <a:r>
+              <a:rPr lang="en-US" sz="1400" dirty="0">
+                <a:solidFill>
+                  <a:srgbClr val="0000FF"/>
+                </a:solidFill>
+                <a:latin typeface="Consolas" panose="020B0609020204030204" pitchFamily="49" charset="0"/>
+              </a:rPr>
+              <a:t>in</a:t>
+            </a:r>
+            <a:r>
+              <a:rPr lang="en-US" sz="1400" dirty="0">
+                <a:solidFill>
+                  <a:srgbClr val="000000"/>
+                </a:solidFill>
+                <a:latin typeface="Consolas" panose="020B0609020204030204" pitchFamily="49" charset="0"/>
+              </a:rPr>
+              <a:t> </a:t>
+            </a:r>
+            <a:r>
+              <a:rPr lang="en-US" sz="1400" dirty="0" err="1">
+                <a:solidFill>
+                  <a:srgbClr val="000000"/>
+                </a:solidFill>
+                <a:latin typeface="Consolas" panose="020B0609020204030204" pitchFamily="49" charset="0"/>
+              </a:rPr>
+              <a:t>glob.glob</a:t>
+            </a:r>
+            <a:r>
+              <a:rPr lang="en-US" sz="1400" dirty="0">
+                <a:solidFill>
+                  <a:srgbClr val="000000"/>
+                </a:solidFill>
+                <a:latin typeface="Consolas" panose="020B0609020204030204" pitchFamily="49" charset="0"/>
+              </a:rPr>
+              <a:t>(</a:t>
+            </a:r>
+            <a:r>
+              <a:rPr lang="en-US" sz="1400" dirty="0">
+                <a:solidFill>
+                  <a:srgbClr val="A31515"/>
+                </a:solidFill>
+                <a:latin typeface="Consolas" panose="020B0609020204030204" pitchFamily="49" charset="0"/>
+              </a:rPr>
+              <a:t>'Resources/1028836041*.csv'</a:t>
+            </a:r>
+            <a:r>
+              <a:rPr lang="en-US" sz="1400" dirty="0">
+                <a:solidFill>
+                  <a:srgbClr val="000000"/>
+                </a:solidFill>
+                <a:latin typeface="Consolas" panose="020B0609020204030204" pitchFamily="49" charset="0"/>
+              </a:rPr>
+              <a:t>)], 	</a:t>
+            </a:r>
+            <a:r>
+              <a:rPr lang="en-US" sz="1400" dirty="0" err="1">
+                <a:solidFill>
+                  <a:srgbClr val="001080"/>
+                </a:solidFill>
+                <a:latin typeface="Consolas" panose="020B0609020204030204" pitchFamily="49" charset="0"/>
+              </a:rPr>
+              <a:t>ignore_index</a:t>
+            </a:r>
+            <a:r>
+              <a:rPr lang="en-US" sz="1400" dirty="0">
+                <a:solidFill>
+                  <a:srgbClr val="000000"/>
+                </a:solidFill>
+                <a:latin typeface="Consolas" panose="020B0609020204030204" pitchFamily="49" charset="0"/>
+              </a:rPr>
+              <a:t> = </a:t>
+            </a:r>
+            <a:r>
+              <a:rPr lang="en-US" sz="1400" dirty="0">
+                <a:solidFill>
+                  <a:srgbClr val="0000FF"/>
+                </a:solidFill>
+                <a:latin typeface="Consolas" panose="020B0609020204030204" pitchFamily="49" charset="0"/>
+              </a:rPr>
+              <a:t>True</a:t>
+            </a:r>
+            <a:r>
+              <a:rPr lang="en-US" sz="1400" dirty="0">
+                <a:solidFill>
+                  <a:srgbClr val="000000"/>
+                </a:solidFill>
+                <a:latin typeface="Consolas" panose="020B0609020204030204" pitchFamily="49" charset="0"/>
+              </a:rPr>
+              <a:t>)</a:t>
+            </a:r>
+          </a:p>
+          <a:p>
+            <a:pPr lvl="1"/>
+            <a:endParaRPr lang="en-US" sz="1400" dirty="0">
+              <a:solidFill>
+                <a:srgbClr val="000000"/>
+              </a:solidFill>
+              <a:latin typeface="Consolas" panose="020B0609020204030204" pitchFamily="49" charset="0"/>
+            </a:endParaRPr>
+          </a:p>
+          <a:p>
+            <a:pPr lvl="1"/>
+            <a:r>
+              <a:rPr lang="en-US" sz="1400" dirty="0">
+                <a:solidFill>
+                  <a:srgbClr val="000000"/>
+                </a:solidFill>
+                <a:latin typeface="Consolas" panose="020B0609020204030204" pitchFamily="49" charset="0"/>
+              </a:rPr>
+              <a:t>airlines = </a:t>
+            </a:r>
+            <a:r>
+              <a:rPr lang="en-US" sz="1400" dirty="0" err="1">
+                <a:solidFill>
+                  <a:srgbClr val="000000"/>
+                </a:solidFill>
+                <a:latin typeface="Consolas" panose="020B0609020204030204" pitchFamily="49" charset="0"/>
+              </a:rPr>
+              <a:t>pd.read_csv</a:t>
+            </a:r>
+            <a:r>
+              <a:rPr lang="en-US" sz="1400" dirty="0">
+                <a:solidFill>
+                  <a:srgbClr val="000000"/>
+                </a:solidFill>
+                <a:latin typeface="Consolas" panose="020B0609020204030204" pitchFamily="49" charset="0"/>
+              </a:rPr>
+              <a:t>(</a:t>
+            </a:r>
+            <a:r>
+              <a:rPr lang="en-US" sz="1400" dirty="0">
+                <a:solidFill>
+                  <a:srgbClr val="A31515"/>
+                </a:solidFill>
+                <a:latin typeface="Consolas" panose="020B0609020204030204" pitchFamily="49" charset="0"/>
+              </a:rPr>
+              <a:t>"Resources/airlines.csv"</a:t>
+            </a:r>
+            <a:r>
+              <a:rPr lang="en-US" sz="1400" dirty="0">
+                <a:solidFill>
+                  <a:srgbClr val="000000"/>
+                </a:solidFill>
+                <a:latin typeface="Consolas" panose="020B0609020204030204" pitchFamily="49" charset="0"/>
+              </a:rPr>
+              <a:t>)</a:t>
+            </a:r>
+          </a:p>
+          <a:p>
+            <a:pPr lvl="1"/>
+            <a:r>
+              <a:rPr lang="en-US" sz="1400" dirty="0">
+                <a:solidFill>
+                  <a:srgbClr val="000000"/>
+                </a:solidFill>
+                <a:latin typeface="Consolas" panose="020B0609020204030204" pitchFamily="49" charset="0"/>
+              </a:rPr>
+              <a:t>airports = </a:t>
+            </a:r>
+            <a:r>
+              <a:rPr lang="en-US" sz="1400" dirty="0" err="1">
+                <a:solidFill>
+                  <a:srgbClr val="000000"/>
+                </a:solidFill>
+                <a:latin typeface="Consolas" panose="020B0609020204030204" pitchFamily="49" charset="0"/>
+              </a:rPr>
+              <a:t>pd.read_csv</a:t>
+            </a:r>
+            <a:r>
+              <a:rPr lang="en-US" sz="1400" dirty="0">
+                <a:solidFill>
+                  <a:srgbClr val="000000"/>
+                </a:solidFill>
+                <a:latin typeface="Consolas" panose="020B0609020204030204" pitchFamily="49" charset="0"/>
+              </a:rPr>
+              <a:t>(</a:t>
+            </a:r>
+            <a:r>
+              <a:rPr lang="en-US" sz="1400" dirty="0">
+                <a:solidFill>
+                  <a:srgbClr val="A31515"/>
+                </a:solidFill>
+                <a:latin typeface="Consolas" panose="020B0609020204030204" pitchFamily="49" charset="0"/>
+              </a:rPr>
+              <a:t>"Resources/airports.csv"</a:t>
+            </a:r>
+            <a:r>
+              <a:rPr lang="en-US" sz="1400" dirty="0">
+                <a:solidFill>
+                  <a:srgbClr val="000000"/>
+                </a:solidFill>
+                <a:latin typeface="Consolas" panose="020B0609020204030204" pitchFamily="49" charset="0"/>
+              </a:rPr>
+              <a:t>)</a:t>
+            </a:r>
+          </a:p>
+          <a:p>
+            <a:pPr lvl="1"/>
+            <a:endParaRPr lang="en-US" sz="1400" dirty="0">
+              <a:solidFill>
+                <a:srgbClr val="000000"/>
+              </a:solidFill>
+              <a:latin typeface="Consolas" panose="020B0609020204030204" pitchFamily="49" charset="0"/>
+            </a:endParaRPr>
+          </a:p>
+          <a:p>
+            <a:pPr lvl="1"/>
+            <a:r>
+              <a:rPr lang="en-US" sz="1400" dirty="0" err="1">
+                <a:solidFill>
+                  <a:srgbClr val="000000"/>
+                </a:solidFill>
+                <a:latin typeface="Consolas" panose="020B0609020204030204" pitchFamily="49" charset="0"/>
+              </a:rPr>
+              <a:t>combined_df</a:t>
+            </a:r>
+            <a:r>
+              <a:rPr lang="en-US" sz="1400" dirty="0">
+                <a:solidFill>
+                  <a:srgbClr val="000000"/>
+                </a:solidFill>
+                <a:latin typeface="Consolas" panose="020B0609020204030204" pitchFamily="49" charset="0"/>
+              </a:rPr>
+              <a:t> = </a:t>
+            </a:r>
+            <a:r>
+              <a:rPr lang="en-US" sz="1400" dirty="0" err="1">
+                <a:solidFill>
+                  <a:srgbClr val="000000"/>
+                </a:solidFill>
+                <a:latin typeface="Consolas" panose="020B0609020204030204" pitchFamily="49" charset="0"/>
+              </a:rPr>
+              <a:t>pd.merge</a:t>
+            </a:r>
+            <a:r>
+              <a:rPr lang="en-US" sz="1400" dirty="0">
+                <a:solidFill>
+                  <a:srgbClr val="000000"/>
+                </a:solidFill>
+                <a:latin typeface="Consolas" panose="020B0609020204030204" pitchFamily="49" charset="0"/>
+              </a:rPr>
+              <a:t>(</a:t>
+            </a:r>
+            <a:r>
+              <a:rPr lang="en-US" sz="1400" dirty="0" err="1">
+                <a:solidFill>
+                  <a:srgbClr val="000000"/>
+                </a:solidFill>
+                <a:latin typeface="Consolas" panose="020B0609020204030204" pitchFamily="49" charset="0"/>
+              </a:rPr>
+              <a:t>df</a:t>
+            </a:r>
+            <a:r>
+              <a:rPr lang="en-US" sz="1400" dirty="0">
+                <a:solidFill>
+                  <a:srgbClr val="000000"/>
+                </a:solidFill>
+                <a:latin typeface="Consolas" panose="020B0609020204030204" pitchFamily="49" charset="0"/>
+              </a:rPr>
+              <a:t>, airlines, </a:t>
+            </a:r>
+            <a:r>
+              <a:rPr lang="en-US" sz="1400" dirty="0">
+                <a:solidFill>
+                  <a:srgbClr val="001080"/>
+                </a:solidFill>
+                <a:latin typeface="Consolas" panose="020B0609020204030204" pitchFamily="49" charset="0"/>
+              </a:rPr>
+              <a:t>how</a:t>
+            </a:r>
+            <a:r>
+              <a:rPr lang="en-US" sz="1400" dirty="0">
+                <a:solidFill>
+                  <a:srgbClr val="000000"/>
+                </a:solidFill>
+                <a:latin typeface="Consolas" panose="020B0609020204030204" pitchFamily="49" charset="0"/>
+              </a:rPr>
+              <a:t>=</a:t>
+            </a:r>
+            <a:r>
+              <a:rPr lang="en-US" sz="1400" dirty="0">
+                <a:solidFill>
+                  <a:srgbClr val="A31515"/>
+                </a:solidFill>
+                <a:latin typeface="Consolas" panose="020B0609020204030204" pitchFamily="49" charset="0"/>
+              </a:rPr>
+              <a:t>'left'</a:t>
+            </a:r>
+            <a:r>
+              <a:rPr lang="en-US" sz="1400" dirty="0">
+                <a:solidFill>
+                  <a:srgbClr val="000000"/>
+                </a:solidFill>
+                <a:latin typeface="Consolas" panose="020B0609020204030204" pitchFamily="49" charset="0"/>
+              </a:rPr>
+              <a:t>, </a:t>
+            </a:r>
+            <a:r>
+              <a:rPr lang="en-US" sz="1400" dirty="0">
+                <a:solidFill>
+                  <a:srgbClr val="001080"/>
+                </a:solidFill>
+                <a:latin typeface="Consolas" panose="020B0609020204030204" pitchFamily="49" charset="0"/>
+              </a:rPr>
+              <a:t>on</a:t>
+            </a:r>
+            <a:r>
+              <a:rPr lang="en-US" sz="1400" dirty="0">
+                <a:solidFill>
+                  <a:srgbClr val="000000"/>
+                </a:solidFill>
+                <a:latin typeface="Consolas" panose="020B0609020204030204" pitchFamily="49" charset="0"/>
+              </a:rPr>
+              <a:t>=</a:t>
+            </a:r>
+            <a:r>
+              <a:rPr lang="en-US" sz="1400" dirty="0">
+                <a:solidFill>
+                  <a:srgbClr val="A31515"/>
+                </a:solidFill>
+                <a:latin typeface="Consolas" panose="020B0609020204030204" pitchFamily="49" charset="0"/>
+              </a:rPr>
+              <a:t>'OP_UNIQUE_CARRIER'</a:t>
+            </a:r>
+            <a:r>
+              <a:rPr lang="en-US" sz="1400" dirty="0">
+                <a:solidFill>
+                  <a:srgbClr val="000000"/>
+                </a:solidFill>
+                <a:latin typeface="Consolas" panose="020B0609020204030204" pitchFamily="49" charset="0"/>
+              </a:rPr>
+              <a:t>)</a:t>
+            </a:r>
+          </a:p>
+          <a:p>
+            <a:pPr lvl="1"/>
+            <a:r>
+              <a:rPr lang="en-US" sz="1400" dirty="0" err="1">
+                <a:solidFill>
+                  <a:srgbClr val="000000"/>
+                </a:solidFill>
+                <a:latin typeface="Consolas" panose="020B0609020204030204" pitchFamily="49" charset="0"/>
+              </a:rPr>
+              <a:t>combined_df</a:t>
+            </a:r>
+            <a:r>
+              <a:rPr lang="en-US" sz="1400" dirty="0">
+                <a:solidFill>
+                  <a:srgbClr val="000000"/>
+                </a:solidFill>
+                <a:latin typeface="Consolas" panose="020B0609020204030204" pitchFamily="49" charset="0"/>
+              </a:rPr>
+              <a:t> = </a:t>
+            </a:r>
+            <a:r>
+              <a:rPr lang="en-US" sz="1400" dirty="0" err="1">
+                <a:solidFill>
+                  <a:srgbClr val="000000"/>
+                </a:solidFill>
+                <a:latin typeface="Consolas" panose="020B0609020204030204" pitchFamily="49" charset="0"/>
+              </a:rPr>
+              <a:t>pd.merge</a:t>
+            </a:r>
+            <a:r>
+              <a:rPr lang="en-US" sz="1400" dirty="0">
+                <a:solidFill>
+                  <a:srgbClr val="000000"/>
+                </a:solidFill>
+                <a:latin typeface="Consolas" panose="020B0609020204030204" pitchFamily="49" charset="0"/>
+              </a:rPr>
+              <a:t>(</a:t>
+            </a:r>
+            <a:r>
+              <a:rPr lang="en-US" sz="1400" dirty="0" err="1">
+                <a:solidFill>
+                  <a:srgbClr val="000000"/>
+                </a:solidFill>
+                <a:latin typeface="Consolas" panose="020B0609020204030204" pitchFamily="49" charset="0"/>
+              </a:rPr>
+              <a:t>combined_df</a:t>
+            </a:r>
+            <a:r>
+              <a:rPr lang="en-US" sz="1400" dirty="0">
+                <a:solidFill>
+                  <a:srgbClr val="000000"/>
+                </a:solidFill>
+                <a:latin typeface="Consolas" panose="020B0609020204030204" pitchFamily="49" charset="0"/>
+              </a:rPr>
+              <a:t>, airports[[</a:t>
+            </a:r>
+            <a:r>
+              <a:rPr lang="en-US" sz="1400" dirty="0">
+                <a:solidFill>
+                  <a:srgbClr val="A31515"/>
+                </a:solidFill>
+                <a:latin typeface="Consolas" panose="020B0609020204030204" pitchFamily="49" charset="0"/>
+              </a:rPr>
+              <a:t>'AIRPORT'</a:t>
+            </a:r>
+            <a:r>
+              <a:rPr lang="en-US" sz="1400" dirty="0">
+                <a:solidFill>
+                  <a:srgbClr val="000000"/>
+                </a:solidFill>
+                <a:latin typeface="Consolas" panose="020B0609020204030204" pitchFamily="49" charset="0"/>
+              </a:rPr>
+              <a:t>,</a:t>
+            </a:r>
+            <a:r>
+              <a:rPr lang="en-US" sz="1400" dirty="0">
+                <a:solidFill>
+                  <a:srgbClr val="A31515"/>
+                </a:solidFill>
+                <a:latin typeface="Consolas" panose="020B0609020204030204" pitchFamily="49" charset="0"/>
+              </a:rPr>
+              <a:t>'IATA_CODE'</a:t>
+            </a:r>
+            <a:r>
+              <a:rPr lang="en-US" sz="1400" dirty="0">
+                <a:solidFill>
+                  <a:srgbClr val="000000"/>
+                </a:solidFill>
+                <a:latin typeface="Consolas" panose="020B0609020204030204" pitchFamily="49" charset="0"/>
+              </a:rPr>
+              <a:t>]], </a:t>
+            </a:r>
+            <a:r>
+              <a:rPr lang="en-US" sz="1400" dirty="0">
+                <a:solidFill>
+                  <a:srgbClr val="001080"/>
+                </a:solidFill>
+                <a:latin typeface="Consolas" panose="020B0609020204030204" pitchFamily="49" charset="0"/>
+              </a:rPr>
+              <a:t>how</a:t>
+            </a:r>
+            <a:r>
+              <a:rPr lang="en-US" sz="1400" dirty="0">
+                <a:solidFill>
+                  <a:srgbClr val="000000"/>
+                </a:solidFill>
+                <a:latin typeface="Consolas" panose="020B0609020204030204" pitchFamily="49" charset="0"/>
+              </a:rPr>
+              <a:t>=</a:t>
+            </a:r>
+            <a:r>
+              <a:rPr lang="en-US" sz="1400" dirty="0">
+                <a:solidFill>
+                  <a:srgbClr val="A31515"/>
+                </a:solidFill>
+                <a:latin typeface="Consolas" panose="020B0609020204030204" pitchFamily="49" charset="0"/>
+              </a:rPr>
+              <a:t>'left'</a:t>
+            </a:r>
+            <a:r>
+              <a:rPr lang="en-US" sz="1400" dirty="0">
+                <a:solidFill>
+                  <a:srgbClr val="000000"/>
+                </a:solidFill>
+                <a:latin typeface="Consolas" panose="020B0609020204030204" pitchFamily="49" charset="0"/>
+              </a:rPr>
+              <a:t>, </a:t>
+            </a:r>
+            <a:r>
+              <a:rPr lang="en-US" sz="1400" dirty="0" err="1">
+                <a:solidFill>
+                  <a:srgbClr val="001080"/>
+                </a:solidFill>
+                <a:latin typeface="Consolas" panose="020B0609020204030204" pitchFamily="49" charset="0"/>
+              </a:rPr>
+              <a:t>left_on</a:t>
+            </a:r>
+            <a:r>
+              <a:rPr lang="en-US" sz="1400" dirty="0">
+                <a:solidFill>
+                  <a:srgbClr val="000000"/>
+                </a:solidFill>
+                <a:latin typeface="Consolas" panose="020B0609020204030204" pitchFamily="49" charset="0"/>
+              </a:rPr>
+              <a:t> = </a:t>
+            </a:r>
+            <a:r>
+              <a:rPr lang="en-US" sz="1400" dirty="0">
+                <a:solidFill>
+                  <a:srgbClr val="A31515"/>
+                </a:solidFill>
+                <a:latin typeface="Consolas" panose="020B0609020204030204" pitchFamily="49" charset="0"/>
+              </a:rPr>
+              <a:t>'ORIGIN'</a:t>
+            </a:r>
+            <a:r>
+              <a:rPr lang="en-US" sz="1400" dirty="0">
+                <a:solidFill>
+                  <a:srgbClr val="000000"/>
+                </a:solidFill>
+                <a:latin typeface="Consolas" panose="020B0609020204030204" pitchFamily="49" charset="0"/>
+              </a:rPr>
+              <a:t>, 			</a:t>
+            </a:r>
+            <a:r>
+              <a:rPr lang="en-US" sz="1400" dirty="0" err="1">
+                <a:solidFill>
+                  <a:srgbClr val="001080"/>
+                </a:solidFill>
+                <a:latin typeface="Consolas" panose="020B0609020204030204" pitchFamily="49" charset="0"/>
+              </a:rPr>
+              <a:t>right_on</a:t>
+            </a:r>
+            <a:r>
+              <a:rPr lang="en-US" sz="1400" dirty="0">
+                <a:solidFill>
+                  <a:srgbClr val="000000"/>
+                </a:solidFill>
+                <a:latin typeface="Consolas" panose="020B0609020204030204" pitchFamily="49" charset="0"/>
+              </a:rPr>
+              <a:t> = </a:t>
+            </a:r>
+            <a:r>
+              <a:rPr lang="en-US" sz="1400" dirty="0">
+                <a:solidFill>
+                  <a:srgbClr val="A31515"/>
+                </a:solidFill>
+                <a:latin typeface="Consolas" panose="020B0609020204030204" pitchFamily="49" charset="0"/>
+              </a:rPr>
+              <a:t>'</a:t>
+            </a:r>
+            <a:r>
+              <a:rPr lang="en-US" sz="1400" dirty="0" err="1">
+                <a:solidFill>
+                  <a:srgbClr val="A31515"/>
+                </a:solidFill>
+                <a:latin typeface="Consolas" panose="020B0609020204030204" pitchFamily="49" charset="0"/>
+              </a:rPr>
+              <a:t>IATA_CODE'</a:t>
+            </a:r>
+            <a:r>
+              <a:rPr lang="en-US" sz="1400" dirty="0" err="1">
+                <a:solidFill>
+                  <a:srgbClr val="000000"/>
+                </a:solidFill>
+                <a:latin typeface="Consolas" panose="020B0609020204030204" pitchFamily="49" charset="0"/>
+              </a:rPr>
+              <a:t>,</a:t>
+            </a:r>
+            <a:r>
+              <a:rPr lang="en-US" sz="1400" dirty="0" err="1">
+                <a:solidFill>
+                  <a:srgbClr val="001080"/>
+                </a:solidFill>
+                <a:latin typeface="Consolas" panose="020B0609020204030204" pitchFamily="49" charset="0"/>
+              </a:rPr>
+              <a:t>suffixes</a:t>
+            </a:r>
+            <a:r>
+              <a:rPr lang="en-US" sz="1400" dirty="0">
+                <a:solidFill>
+                  <a:srgbClr val="000000"/>
+                </a:solidFill>
+                <a:latin typeface="Consolas" panose="020B0609020204030204" pitchFamily="49" charset="0"/>
+              </a:rPr>
+              <a:t>=(</a:t>
+            </a:r>
+            <a:r>
+              <a:rPr lang="en-US" sz="1400" dirty="0">
+                <a:solidFill>
+                  <a:srgbClr val="A31515"/>
+                </a:solidFill>
+                <a:latin typeface="Consolas" panose="020B0609020204030204" pitchFamily="49" charset="0"/>
+              </a:rPr>
+              <a:t>" "</a:t>
+            </a:r>
+            <a:r>
+              <a:rPr lang="en-US" sz="1400" dirty="0">
+                <a:solidFill>
+                  <a:srgbClr val="000000"/>
+                </a:solidFill>
+                <a:latin typeface="Consolas" panose="020B0609020204030204" pitchFamily="49" charset="0"/>
+              </a:rPr>
+              <a:t>,</a:t>
+            </a:r>
+            <a:r>
+              <a:rPr lang="en-US" sz="1400" dirty="0">
+                <a:solidFill>
+                  <a:srgbClr val="A31515"/>
+                </a:solidFill>
+                <a:latin typeface="Consolas" panose="020B0609020204030204" pitchFamily="49" charset="0"/>
+              </a:rPr>
+              <a:t>"_Origin"</a:t>
+            </a:r>
+            <a:r>
+              <a:rPr lang="en-US" sz="1400" dirty="0">
+                <a:solidFill>
+                  <a:srgbClr val="000000"/>
+                </a:solidFill>
+                <a:latin typeface="Consolas" panose="020B0609020204030204" pitchFamily="49" charset="0"/>
+              </a:rPr>
+              <a:t>))</a:t>
+            </a:r>
+          </a:p>
+          <a:p>
+            <a:pPr lvl="1"/>
+            <a:r>
+              <a:rPr lang="en-US" sz="1400" dirty="0" err="1">
+                <a:solidFill>
+                  <a:srgbClr val="000000"/>
+                </a:solidFill>
+                <a:latin typeface="Consolas" panose="020B0609020204030204" pitchFamily="49" charset="0"/>
+              </a:rPr>
+              <a:t>combined_df</a:t>
+            </a:r>
+            <a:r>
+              <a:rPr lang="en-US" sz="1400" dirty="0">
+                <a:solidFill>
+                  <a:srgbClr val="000000"/>
+                </a:solidFill>
+                <a:latin typeface="Consolas" panose="020B0609020204030204" pitchFamily="49" charset="0"/>
+              </a:rPr>
+              <a:t>=</a:t>
+            </a:r>
+            <a:r>
+              <a:rPr lang="en-US" sz="1400" dirty="0" err="1">
+                <a:solidFill>
+                  <a:srgbClr val="000000"/>
+                </a:solidFill>
+                <a:latin typeface="Consolas" panose="020B0609020204030204" pitchFamily="49" charset="0"/>
+              </a:rPr>
+              <a:t>combined_df.rename</a:t>
+            </a:r>
+            <a:r>
+              <a:rPr lang="en-US" sz="1400" dirty="0">
+                <a:solidFill>
+                  <a:srgbClr val="000000"/>
+                </a:solidFill>
+                <a:latin typeface="Consolas" panose="020B0609020204030204" pitchFamily="49" charset="0"/>
+              </a:rPr>
+              <a:t>(</a:t>
+            </a:r>
+            <a:r>
+              <a:rPr lang="en-US" sz="1400" dirty="0">
+                <a:solidFill>
+                  <a:srgbClr val="001080"/>
+                </a:solidFill>
+                <a:latin typeface="Consolas" panose="020B0609020204030204" pitchFamily="49" charset="0"/>
+              </a:rPr>
+              <a:t>columns</a:t>
+            </a:r>
+            <a:r>
+              <a:rPr lang="en-US" sz="1400" dirty="0">
+                <a:solidFill>
+                  <a:srgbClr val="000000"/>
+                </a:solidFill>
+                <a:latin typeface="Consolas" panose="020B0609020204030204" pitchFamily="49" charset="0"/>
+              </a:rPr>
+              <a:t>={</a:t>
+            </a:r>
+            <a:r>
+              <a:rPr lang="en-US" sz="1400" dirty="0">
+                <a:solidFill>
+                  <a:srgbClr val="A31515"/>
+                </a:solidFill>
+                <a:latin typeface="Consolas" panose="020B0609020204030204" pitchFamily="49" charset="0"/>
+              </a:rPr>
+              <a:t>"AIRPORT"</a:t>
+            </a:r>
+            <a:r>
+              <a:rPr lang="en-US" sz="1400" dirty="0">
+                <a:solidFill>
+                  <a:srgbClr val="000000"/>
+                </a:solidFill>
+                <a:latin typeface="Consolas" panose="020B0609020204030204" pitchFamily="49" charset="0"/>
+              </a:rPr>
+              <a:t>:</a:t>
+            </a:r>
+            <a:r>
+              <a:rPr lang="en-US" sz="1400" dirty="0">
+                <a:solidFill>
+                  <a:srgbClr val="A31515"/>
+                </a:solidFill>
+                <a:latin typeface="Consolas" panose="020B0609020204030204" pitchFamily="49" charset="0"/>
+              </a:rPr>
+              <a:t>"ORIGIN_AIRPORT"</a:t>
+            </a:r>
+            <a:r>
+              <a:rPr lang="en-US" sz="1400" dirty="0">
+                <a:solidFill>
+                  <a:srgbClr val="000000"/>
+                </a:solidFill>
+                <a:latin typeface="Consolas" panose="020B0609020204030204" pitchFamily="49" charset="0"/>
+              </a:rPr>
+              <a:t>})</a:t>
+            </a:r>
+          </a:p>
+          <a:p>
+            <a:pPr lvl="1"/>
+            <a:r>
+              <a:rPr lang="en-US" sz="1400" dirty="0" err="1">
+                <a:solidFill>
+                  <a:srgbClr val="000000"/>
+                </a:solidFill>
+                <a:latin typeface="Consolas" panose="020B0609020204030204" pitchFamily="49" charset="0"/>
+              </a:rPr>
+              <a:t>combined_df</a:t>
+            </a:r>
+            <a:r>
+              <a:rPr lang="en-US" sz="1400" dirty="0">
+                <a:solidFill>
+                  <a:srgbClr val="000000"/>
+                </a:solidFill>
+                <a:latin typeface="Consolas" panose="020B0609020204030204" pitchFamily="49" charset="0"/>
+              </a:rPr>
+              <a:t> = </a:t>
+            </a:r>
+            <a:r>
+              <a:rPr lang="en-US" sz="1400" dirty="0" err="1">
+                <a:solidFill>
+                  <a:srgbClr val="000000"/>
+                </a:solidFill>
+                <a:latin typeface="Consolas" panose="020B0609020204030204" pitchFamily="49" charset="0"/>
+              </a:rPr>
+              <a:t>pd.merge</a:t>
+            </a:r>
+            <a:r>
+              <a:rPr lang="en-US" sz="1400" dirty="0">
+                <a:solidFill>
+                  <a:srgbClr val="000000"/>
+                </a:solidFill>
+                <a:latin typeface="Consolas" panose="020B0609020204030204" pitchFamily="49" charset="0"/>
+              </a:rPr>
+              <a:t>(</a:t>
+            </a:r>
+            <a:r>
+              <a:rPr lang="en-US" sz="1400" dirty="0" err="1">
+                <a:solidFill>
+                  <a:srgbClr val="000000"/>
+                </a:solidFill>
+                <a:latin typeface="Consolas" panose="020B0609020204030204" pitchFamily="49" charset="0"/>
+              </a:rPr>
+              <a:t>combined_df</a:t>
+            </a:r>
+            <a:r>
+              <a:rPr lang="en-US" sz="1400" dirty="0">
+                <a:solidFill>
+                  <a:srgbClr val="000000"/>
+                </a:solidFill>
+                <a:latin typeface="Consolas" panose="020B0609020204030204" pitchFamily="49" charset="0"/>
+              </a:rPr>
+              <a:t>, airports[[</a:t>
+            </a:r>
+            <a:r>
+              <a:rPr lang="en-US" sz="1400" dirty="0">
+                <a:solidFill>
+                  <a:srgbClr val="A31515"/>
+                </a:solidFill>
+                <a:latin typeface="Consolas" panose="020B0609020204030204" pitchFamily="49" charset="0"/>
+              </a:rPr>
+              <a:t>'AIRPORT'</a:t>
+            </a:r>
+            <a:r>
+              <a:rPr lang="en-US" sz="1400" dirty="0">
+                <a:solidFill>
+                  <a:srgbClr val="000000"/>
+                </a:solidFill>
+                <a:latin typeface="Consolas" panose="020B0609020204030204" pitchFamily="49" charset="0"/>
+              </a:rPr>
+              <a:t>,</a:t>
+            </a:r>
+            <a:r>
+              <a:rPr lang="en-US" sz="1400" dirty="0">
+                <a:solidFill>
+                  <a:srgbClr val="A31515"/>
+                </a:solidFill>
+                <a:latin typeface="Consolas" panose="020B0609020204030204" pitchFamily="49" charset="0"/>
+              </a:rPr>
+              <a:t>'IATA_CODE'</a:t>
+            </a:r>
+            <a:r>
+              <a:rPr lang="en-US" sz="1400" dirty="0">
+                <a:solidFill>
+                  <a:srgbClr val="000000"/>
+                </a:solidFill>
+                <a:latin typeface="Consolas" panose="020B0609020204030204" pitchFamily="49" charset="0"/>
+              </a:rPr>
+              <a:t>]], </a:t>
+            </a:r>
+            <a:r>
+              <a:rPr lang="en-US" sz="1400" dirty="0">
+                <a:solidFill>
+                  <a:srgbClr val="001080"/>
+                </a:solidFill>
+                <a:latin typeface="Consolas" panose="020B0609020204030204" pitchFamily="49" charset="0"/>
+              </a:rPr>
+              <a:t>how</a:t>
+            </a:r>
+            <a:r>
+              <a:rPr lang="en-US" sz="1400" dirty="0">
+                <a:solidFill>
+                  <a:srgbClr val="000000"/>
+                </a:solidFill>
+                <a:latin typeface="Consolas" panose="020B0609020204030204" pitchFamily="49" charset="0"/>
+              </a:rPr>
+              <a:t>=</a:t>
+            </a:r>
+            <a:r>
+              <a:rPr lang="en-US" sz="1400" dirty="0">
+                <a:solidFill>
+                  <a:srgbClr val="A31515"/>
+                </a:solidFill>
+                <a:latin typeface="Consolas" panose="020B0609020204030204" pitchFamily="49" charset="0"/>
+              </a:rPr>
+              <a:t>'left'</a:t>
+            </a:r>
+            <a:r>
+              <a:rPr lang="en-US" sz="1400" dirty="0">
+                <a:solidFill>
+                  <a:srgbClr val="000000"/>
+                </a:solidFill>
+                <a:latin typeface="Consolas" panose="020B0609020204030204" pitchFamily="49" charset="0"/>
+              </a:rPr>
+              <a:t>, </a:t>
+            </a:r>
+            <a:r>
+              <a:rPr lang="en-US" sz="1400" dirty="0" err="1">
+                <a:solidFill>
+                  <a:srgbClr val="001080"/>
+                </a:solidFill>
+                <a:latin typeface="Consolas" panose="020B0609020204030204" pitchFamily="49" charset="0"/>
+              </a:rPr>
+              <a:t>left_on</a:t>
+            </a:r>
+            <a:r>
+              <a:rPr lang="en-US" sz="1400" dirty="0">
+                <a:solidFill>
+                  <a:srgbClr val="000000"/>
+                </a:solidFill>
+                <a:latin typeface="Consolas" panose="020B0609020204030204" pitchFamily="49" charset="0"/>
+              </a:rPr>
+              <a:t> = </a:t>
+            </a:r>
+            <a:r>
+              <a:rPr lang="en-US" sz="1400" dirty="0">
+                <a:solidFill>
+                  <a:srgbClr val="A31515"/>
+                </a:solidFill>
+                <a:latin typeface="Consolas" panose="020B0609020204030204" pitchFamily="49" charset="0"/>
+              </a:rPr>
+              <a:t>'DEST'</a:t>
+            </a:r>
+            <a:r>
+              <a:rPr lang="en-US" sz="1400" dirty="0">
+                <a:solidFill>
+                  <a:srgbClr val="000000"/>
+                </a:solidFill>
+                <a:latin typeface="Consolas" panose="020B0609020204030204" pitchFamily="49" charset="0"/>
+              </a:rPr>
+              <a:t>, 				</a:t>
+            </a:r>
+            <a:r>
+              <a:rPr lang="en-US" sz="1400" dirty="0" err="1">
+                <a:solidFill>
+                  <a:srgbClr val="001080"/>
+                </a:solidFill>
+                <a:latin typeface="Consolas" panose="020B0609020204030204" pitchFamily="49" charset="0"/>
+              </a:rPr>
+              <a:t>right_on</a:t>
+            </a:r>
+            <a:r>
+              <a:rPr lang="en-US" sz="1400" dirty="0">
+                <a:solidFill>
+                  <a:srgbClr val="000000"/>
+                </a:solidFill>
+                <a:latin typeface="Consolas" panose="020B0609020204030204" pitchFamily="49" charset="0"/>
+              </a:rPr>
+              <a:t> = </a:t>
+            </a:r>
+            <a:r>
+              <a:rPr lang="en-US" sz="1400" dirty="0">
+                <a:solidFill>
+                  <a:srgbClr val="A31515"/>
+                </a:solidFill>
+                <a:latin typeface="Consolas" panose="020B0609020204030204" pitchFamily="49" charset="0"/>
+              </a:rPr>
+              <a:t>'</a:t>
+            </a:r>
+            <a:r>
+              <a:rPr lang="en-US" sz="1400" dirty="0" err="1">
+                <a:solidFill>
+                  <a:srgbClr val="A31515"/>
+                </a:solidFill>
+                <a:latin typeface="Consolas" panose="020B0609020204030204" pitchFamily="49" charset="0"/>
+              </a:rPr>
+              <a:t>IATA_CODE'</a:t>
+            </a:r>
+            <a:r>
+              <a:rPr lang="en-US" sz="1400" dirty="0" err="1">
+                <a:solidFill>
+                  <a:srgbClr val="000000"/>
+                </a:solidFill>
+                <a:latin typeface="Consolas" panose="020B0609020204030204" pitchFamily="49" charset="0"/>
+              </a:rPr>
+              <a:t>,</a:t>
+            </a:r>
+            <a:r>
+              <a:rPr lang="en-US" sz="1400" dirty="0" err="1">
+                <a:solidFill>
+                  <a:srgbClr val="001080"/>
+                </a:solidFill>
+                <a:latin typeface="Consolas" panose="020B0609020204030204" pitchFamily="49" charset="0"/>
+              </a:rPr>
+              <a:t>suffixes</a:t>
+            </a:r>
+            <a:r>
+              <a:rPr lang="en-US" sz="1400" dirty="0">
+                <a:solidFill>
+                  <a:srgbClr val="000000"/>
+                </a:solidFill>
+                <a:latin typeface="Consolas" panose="020B0609020204030204" pitchFamily="49" charset="0"/>
+              </a:rPr>
+              <a:t>=(</a:t>
+            </a:r>
+            <a:r>
+              <a:rPr lang="en-US" sz="1400" dirty="0">
+                <a:solidFill>
+                  <a:srgbClr val="A31515"/>
+                </a:solidFill>
+                <a:latin typeface="Consolas" panose="020B0609020204030204" pitchFamily="49" charset="0"/>
+              </a:rPr>
+              <a:t>" "</a:t>
+            </a:r>
+            <a:r>
+              <a:rPr lang="en-US" sz="1400" dirty="0">
+                <a:solidFill>
+                  <a:srgbClr val="000000"/>
+                </a:solidFill>
+                <a:latin typeface="Consolas" panose="020B0609020204030204" pitchFamily="49" charset="0"/>
+              </a:rPr>
+              <a:t>,</a:t>
+            </a:r>
+            <a:r>
+              <a:rPr lang="en-US" sz="1400" dirty="0">
+                <a:solidFill>
+                  <a:srgbClr val="A31515"/>
+                </a:solidFill>
+                <a:latin typeface="Consolas" panose="020B0609020204030204" pitchFamily="49" charset="0"/>
+              </a:rPr>
+              <a:t>"_Origin"</a:t>
+            </a:r>
+            <a:r>
+              <a:rPr lang="en-US" sz="1400" dirty="0">
+                <a:solidFill>
+                  <a:srgbClr val="000000"/>
+                </a:solidFill>
+                <a:latin typeface="Consolas" panose="020B0609020204030204" pitchFamily="49" charset="0"/>
+              </a:rPr>
+              <a:t>))</a:t>
+            </a:r>
+          </a:p>
+          <a:p>
+            <a:pPr lvl="1"/>
+            <a:r>
+              <a:rPr lang="en-US" sz="1400" dirty="0" err="1">
+                <a:solidFill>
+                  <a:srgbClr val="000000"/>
+                </a:solidFill>
+                <a:latin typeface="Consolas" panose="020B0609020204030204" pitchFamily="49" charset="0"/>
+              </a:rPr>
+              <a:t>combined_df</a:t>
+            </a:r>
+            <a:r>
+              <a:rPr lang="en-US" sz="1400" dirty="0">
+                <a:solidFill>
+                  <a:srgbClr val="000000"/>
+                </a:solidFill>
+                <a:latin typeface="Consolas" panose="020B0609020204030204" pitchFamily="49" charset="0"/>
+              </a:rPr>
+              <a:t>=</a:t>
+            </a:r>
+            <a:r>
+              <a:rPr lang="en-US" sz="1400" dirty="0" err="1">
+                <a:solidFill>
+                  <a:srgbClr val="000000"/>
+                </a:solidFill>
+                <a:latin typeface="Consolas" panose="020B0609020204030204" pitchFamily="49" charset="0"/>
+              </a:rPr>
+              <a:t>combined_df.rename</a:t>
+            </a:r>
+            <a:r>
+              <a:rPr lang="en-US" sz="1400" dirty="0">
+                <a:solidFill>
+                  <a:srgbClr val="000000"/>
+                </a:solidFill>
+                <a:latin typeface="Consolas" panose="020B0609020204030204" pitchFamily="49" charset="0"/>
+              </a:rPr>
+              <a:t>(</a:t>
+            </a:r>
+            <a:r>
+              <a:rPr lang="en-US" sz="1400" dirty="0">
+                <a:solidFill>
+                  <a:srgbClr val="001080"/>
+                </a:solidFill>
+                <a:latin typeface="Consolas" panose="020B0609020204030204" pitchFamily="49" charset="0"/>
+              </a:rPr>
+              <a:t>columns</a:t>
+            </a:r>
+            <a:r>
+              <a:rPr lang="en-US" sz="1400" dirty="0">
+                <a:solidFill>
+                  <a:srgbClr val="000000"/>
+                </a:solidFill>
+                <a:latin typeface="Consolas" panose="020B0609020204030204" pitchFamily="49" charset="0"/>
+              </a:rPr>
+              <a:t>={</a:t>
+            </a:r>
+            <a:r>
+              <a:rPr lang="en-US" sz="1400" dirty="0">
+                <a:solidFill>
+                  <a:srgbClr val="A31515"/>
+                </a:solidFill>
+                <a:latin typeface="Consolas" panose="020B0609020204030204" pitchFamily="49" charset="0"/>
+              </a:rPr>
+              <a:t>"AIRPORT"</a:t>
+            </a:r>
+            <a:r>
+              <a:rPr lang="en-US" sz="1400" dirty="0">
+                <a:solidFill>
+                  <a:srgbClr val="000000"/>
+                </a:solidFill>
+                <a:latin typeface="Consolas" panose="020B0609020204030204" pitchFamily="49" charset="0"/>
+              </a:rPr>
+              <a:t>:</a:t>
+            </a:r>
+            <a:r>
+              <a:rPr lang="en-US" sz="1400" dirty="0">
+                <a:solidFill>
+                  <a:srgbClr val="A31515"/>
+                </a:solidFill>
+                <a:latin typeface="Consolas" panose="020B0609020204030204" pitchFamily="49" charset="0"/>
+              </a:rPr>
+              <a:t>"DEST_AIRPORT"</a:t>
+            </a:r>
+            <a:r>
+              <a:rPr lang="en-US" sz="1400" dirty="0">
+                <a:solidFill>
+                  <a:srgbClr val="000000"/>
+                </a:solidFill>
+                <a:latin typeface="Consolas" panose="020B0609020204030204" pitchFamily="49" charset="0"/>
+              </a:rPr>
+              <a:t>})</a:t>
+            </a:r>
+            <a:endParaRPr lang="en-US" sz="1400" dirty="0"/>
+          </a:p>
+          <a:p>
+            <a:endParaRPr lang="en-US" dirty="0"/>
+          </a:p>
+        </p:txBody>
+      </p:sp>
+    </p:spTree>
+    <p:extLst>
+      <p:ext uri="{BB962C8B-B14F-4D97-AF65-F5344CB8AC3E}">
+        <p14:creationId xmlns:p14="http://schemas.microsoft.com/office/powerpoint/2010/main" val="3860849440"/>
+      </p:ext>
+    </p:extLst>
+  </p:cSld>
+  <p:clrMapOvr>
+    <a:masterClrMapping/>
+  </p:clrMapOvr>
+</p:sld>
+</file>
+
+<file path=ppt/slides/slide20.xml><?xml version="1.0" encoding="utf-8"?>
 <p:sld xmlns:a="http://schemas.openxmlformats.org/drawingml/2006/main" xmlns:r="http://schemas.openxmlformats.org/officeDocument/2006/relationships" xmlns:p="http://schemas.openxmlformats.org/presentationml/2006/main">
   <p:cSld>
     <p:spTree>
@@ -4859,1537 +6788,30 @@
         </p:blipFill>
         <p:spPr>
           <a:xfrm>
-            <a:off x="0" y="381000"/>
-            <a:ext cx="10058400" cy="5029200"/>
+            <a:off x="635479" y="566114"/>
+            <a:ext cx="5487650" cy="3658433"/>
           </a:xfrm>
           <a:prstGeom prst="rect">
             <a:avLst/>
           </a:prstGeom>
         </p:spPr>
       </p:pic>
-    </p:spTree>
-    <p:extLst>
-      <p:ext uri="{BB962C8B-B14F-4D97-AF65-F5344CB8AC3E}">
-        <p14:creationId xmlns:p14="http://schemas.microsoft.com/office/powerpoint/2010/main" val="814327561"/>
-      </p:ext>
-    </p:extLst>
-  </p:cSld>
-  <p:clrMapOvr>
-    <a:masterClrMapping/>
-  </p:clrMapOvr>
-</p:sld>
-</file>
-
-<file path=ppt/slides/slide2.xml><?xml version="1.0" encoding="utf-8"?>
-<p:sld xmlns:a="http://schemas.openxmlformats.org/drawingml/2006/main" xmlns:r="http://schemas.openxmlformats.org/officeDocument/2006/relationships" xmlns:p="http://schemas.openxmlformats.org/presentationml/2006/main">
-  <p:cSld>
-    <p:spTree>
-      <p:nvGrpSpPr>
-        <p:cNvPr id="1" name=""/>
-        <p:cNvGrpSpPr/>
-        <p:nvPr/>
-      </p:nvGrpSpPr>
-      <p:grpSpPr>
-        <a:xfrm>
-          <a:off x="0" y="0"/>
-          <a:ext cx="0" cy="0"/>
-          <a:chOff x="0" y="0"/>
-          <a:chExt cx="0" cy="0"/>
-        </a:xfrm>
-      </p:grpSpPr>
-      <p:sp>
-        <p:nvSpPr>
-          <p:cNvPr id="2" name="Title 1"/>
-          <p:cNvSpPr>
-            <a:spLocks noGrp="1"/>
-          </p:cNvSpPr>
-          <p:nvPr>
-            <p:ph type="title"/>
-          </p:nvPr>
-        </p:nvSpPr>
-        <p:spPr>
-          <a:xfrm>
-            <a:off x="762000" y="559678"/>
-            <a:ext cx="2950464" cy="4952492"/>
-          </a:xfrm>
-        </p:spPr>
-        <p:txBody>
-          <a:bodyPr/>
-          <a:lstStyle/>
-          <a:p>
-            <a:r>
-              <a:rPr lang="en-US" dirty="0" smtClean="0"/>
-              <a:t>The Source…</a:t>
-            </a:r>
-            <a:endParaRPr lang="en-US" dirty="0"/>
-          </a:p>
-        </p:txBody>
-      </p:sp>
-      <p:sp>
-        <p:nvSpPr>
-          <p:cNvPr id="3" name="Content Placeholder 2"/>
-          <p:cNvSpPr>
-            <a:spLocks noGrp="1"/>
-          </p:cNvSpPr>
-          <p:nvPr>
-            <p:ph idx="1"/>
-          </p:nvPr>
-        </p:nvSpPr>
-        <p:spPr>
-          <a:xfrm>
-            <a:off x="3886200" y="569066"/>
-            <a:ext cx="7543798" cy="5655156"/>
-          </a:xfrm>
-        </p:spPr>
-        <p:txBody>
-          <a:bodyPr>
-            <a:noAutofit/>
-          </a:bodyPr>
-          <a:lstStyle/>
-          <a:p>
-            <a:r>
-              <a:rPr lang="en-US" sz="1800" b="1" dirty="0" smtClean="0"/>
-              <a:t>Monthly</a:t>
-            </a:r>
-            <a:r>
-              <a:rPr lang="en-US" sz="1800" dirty="0" smtClean="0"/>
-              <a:t> data for </a:t>
-            </a:r>
-            <a:r>
-              <a:rPr lang="en-US" sz="1800" b="1" dirty="0" smtClean="0"/>
-              <a:t>2017</a:t>
-            </a:r>
-            <a:r>
-              <a:rPr lang="en-US" sz="1800" dirty="0" smtClean="0"/>
-              <a:t> was </a:t>
-            </a:r>
-            <a:r>
-              <a:rPr lang="en-US" sz="1800" dirty="0"/>
-              <a:t>pulled from the </a:t>
-            </a:r>
-            <a:r>
-              <a:rPr lang="en-US" sz="1800" b="1" dirty="0"/>
-              <a:t>Bureau of Transportation </a:t>
-            </a:r>
-            <a:r>
-              <a:rPr lang="en-US" sz="1800" b="1" dirty="0" smtClean="0"/>
-              <a:t>Statistics</a:t>
-            </a:r>
-          </a:p>
-          <a:p>
-            <a:r>
-              <a:rPr lang="en-US" sz="1800" b="1" dirty="0" err="1" smtClean="0"/>
-              <a:t>Concatinated</a:t>
-            </a:r>
-            <a:r>
-              <a:rPr lang="en-US" sz="1800" b="1" dirty="0" smtClean="0"/>
-              <a:t> </a:t>
-            </a:r>
-            <a:r>
-              <a:rPr lang="en-US" sz="1800" dirty="0" smtClean="0"/>
-              <a:t>monthly data and </a:t>
-            </a:r>
-            <a:r>
-              <a:rPr lang="en-US" sz="1800" b="1" dirty="0" smtClean="0"/>
-              <a:t>merged</a:t>
-            </a:r>
-            <a:r>
-              <a:rPr lang="en-US" sz="1800" dirty="0" smtClean="0"/>
-              <a:t> it with CSVs containing airline information and US </a:t>
-            </a:r>
-            <a:r>
-              <a:rPr lang="en-US" sz="1800" dirty="0"/>
-              <a:t>a</a:t>
-            </a:r>
-            <a:r>
-              <a:rPr lang="en-US" sz="1800" dirty="0" smtClean="0"/>
-              <a:t>irport information</a:t>
-            </a:r>
-          </a:p>
-          <a:p>
-            <a:r>
-              <a:rPr lang="en-US" sz="1800" b="1" dirty="0" smtClean="0"/>
-              <a:t>Scrubbed </a:t>
-            </a:r>
-            <a:r>
-              <a:rPr lang="en-US" sz="1800" dirty="0" smtClean="0"/>
-              <a:t>data for relevant columns based on what information we would want to know as passengers</a:t>
-            </a:r>
-          </a:p>
-        </p:txBody>
-      </p:sp>
-      <p:sp>
-        <p:nvSpPr>
-          <p:cNvPr id="5" name="TextBox 4"/>
-          <p:cNvSpPr txBox="1"/>
-          <p:nvPr/>
-        </p:nvSpPr>
-        <p:spPr>
-          <a:xfrm>
-            <a:off x="466344" y="2551176"/>
-            <a:ext cx="10881360" cy="3816429"/>
-          </a:xfrm>
-          <a:prstGeom prst="rect">
-            <a:avLst/>
-          </a:prstGeom>
-          <a:noFill/>
-        </p:spPr>
-        <p:txBody>
-          <a:bodyPr wrap="square" rtlCol="0">
-            <a:spAutoFit/>
-          </a:bodyPr>
-          <a:lstStyle/>
-          <a:p>
-            <a:pPr lvl="1"/>
-            <a:r>
-              <a:rPr lang="en-US" sz="1400" dirty="0">
-                <a:solidFill>
-                  <a:srgbClr val="AF00DB"/>
-                </a:solidFill>
-                <a:latin typeface="Consolas" panose="020B0609020204030204" pitchFamily="49" charset="0"/>
-              </a:rPr>
-              <a:t>import</a:t>
-            </a:r>
-            <a:r>
-              <a:rPr lang="en-US" sz="1400" dirty="0">
-                <a:solidFill>
-                  <a:srgbClr val="000000"/>
-                </a:solidFill>
-                <a:latin typeface="Consolas" panose="020B0609020204030204" pitchFamily="49" charset="0"/>
-              </a:rPr>
-              <a:t> glob</a:t>
-            </a:r>
-          </a:p>
-          <a:p>
-            <a:pPr lvl="1"/>
-            <a:r>
-              <a:rPr lang="en-US" sz="1400" dirty="0">
-                <a:solidFill>
-                  <a:srgbClr val="AF00DB"/>
-                </a:solidFill>
-                <a:latin typeface="Consolas" panose="020B0609020204030204" pitchFamily="49" charset="0"/>
-              </a:rPr>
-              <a:t>import</a:t>
-            </a:r>
-            <a:r>
-              <a:rPr lang="en-US" sz="1400" dirty="0">
-                <a:solidFill>
-                  <a:srgbClr val="000000"/>
-                </a:solidFill>
-                <a:latin typeface="Consolas" panose="020B0609020204030204" pitchFamily="49" charset="0"/>
-              </a:rPr>
-              <a:t> pandas </a:t>
-            </a:r>
-            <a:r>
-              <a:rPr lang="en-US" sz="1400" dirty="0">
-                <a:solidFill>
-                  <a:srgbClr val="AF00DB"/>
-                </a:solidFill>
-                <a:latin typeface="Consolas" panose="020B0609020204030204" pitchFamily="49" charset="0"/>
-              </a:rPr>
-              <a:t>as</a:t>
-            </a:r>
-            <a:r>
-              <a:rPr lang="en-US" sz="1400" dirty="0">
-                <a:solidFill>
-                  <a:srgbClr val="000000"/>
-                </a:solidFill>
-                <a:latin typeface="Consolas" panose="020B0609020204030204" pitchFamily="49" charset="0"/>
-              </a:rPr>
-              <a:t> </a:t>
-            </a:r>
-            <a:r>
-              <a:rPr lang="en-US" sz="1400" dirty="0" err="1" smtClean="0">
-                <a:solidFill>
-                  <a:srgbClr val="000000"/>
-                </a:solidFill>
-                <a:latin typeface="Consolas" panose="020B0609020204030204" pitchFamily="49" charset="0"/>
-              </a:rPr>
-              <a:t>pd</a:t>
-            </a:r>
-            <a:endParaRPr lang="en-US" sz="1400" dirty="0" smtClean="0">
-              <a:solidFill>
-                <a:srgbClr val="000000"/>
-              </a:solidFill>
-              <a:latin typeface="Consolas" panose="020B0609020204030204" pitchFamily="49" charset="0"/>
-            </a:endParaRPr>
-          </a:p>
-          <a:p>
-            <a:pPr lvl="1"/>
-            <a:endParaRPr lang="en-US" sz="1400" dirty="0">
-              <a:solidFill>
-                <a:srgbClr val="000000"/>
-              </a:solidFill>
-              <a:latin typeface="Consolas" panose="020B0609020204030204" pitchFamily="49" charset="0"/>
-            </a:endParaRPr>
-          </a:p>
-          <a:p>
-            <a:pPr lvl="1"/>
-            <a:r>
-              <a:rPr lang="en-US" sz="1400" dirty="0" err="1">
-                <a:solidFill>
-                  <a:srgbClr val="000000"/>
-                </a:solidFill>
-                <a:latin typeface="Consolas" panose="020B0609020204030204" pitchFamily="49" charset="0"/>
-              </a:rPr>
-              <a:t>df</a:t>
-            </a:r>
-            <a:r>
-              <a:rPr lang="en-US" sz="1400" dirty="0">
-                <a:solidFill>
-                  <a:srgbClr val="000000"/>
-                </a:solidFill>
-                <a:latin typeface="Consolas" panose="020B0609020204030204" pitchFamily="49" charset="0"/>
-              </a:rPr>
-              <a:t> = </a:t>
-            </a:r>
-            <a:r>
-              <a:rPr lang="en-US" sz="1400" dirty="0" err="1">
-                <a:solidFill>
-                  <a:srgbClr val="000000"/>
-                </a:solidFill>
-                <a:latin typeface="Consolas" panose="020B0609020204030204" pitchFamily="49" charset="0"/>
-              </a:rPr>
-              <a:t>pd.concat</a:t>
-            </a:r>
-            <a:r>
-              <a:rPr lang="en-US" sz="1400" dirty="0">
-                <a:solidFill>
-                  <a:srgbClr val="000000"/>
-                </a:solidFill>
-                <a:latin typeface="Consolas" panose="020B0609020204030204" pitchFamily="49" charset="0"/>
-              </a:rPr>
-              <a:t>([</a:t>
-            </a:r>
-            <a:r>
-              <a:rPr lang="en-US" sz="1400" dirty="0" err="1">
-                <a:solidFill>
-                  <a:srgbClr val="000000"/>
-                </a:solidFill>
-                <a:latin typeface="Consolas" panose="020B0609020204030204" pitchFamily="49" charset="0"/>
-              </a:rPr>
-              <a:t>pd.read_csv</a:t>
-            </a:r>
-            <a:r>
-              <a:rPr lang="en-US" sz="1400" dirty="0">
-                <a:solidFill>
-                  <a:srgbClr val="000000"/>
-                </a:solidFill>
-                <a:latin typeface="Consolas" panose="020B0609020204030204" pitchFamily="49" charset="0"/>
-              </a:rPr>
-              <a:t>(f, </a:t>
-            </a:r>
-            <a:r>
-              <a:rPr lang="en-US" sz="1400" dirty="0" err="1">
-                <a:solidFill>
-                  <a:srgbClr val="001080"/>
-                </a:solidFill>
-                <a:latin typeface="Consolas" panose="020B0609020204030204" pitchFamily="49" charset="0"/>
-              </a:rPr>
-              <a:t>low_memory</a:t>
-            </a:r>
-            <a:r>
-              <a:rPr lang="en-US" sz="1400" dirty="0">
-                <a:solidFill>
-                  <a:srgbClr val="000000"/>
-                </a:solidFill>
-                <a:latin typeface="Consolas" panose="020B0609020204030204" pitchFamily="49" charset="0"/>
-              </a:rPr>
-              <a:t>=</a:t>
-            </a:r>
-            <a:r>
-              <a:rPr lang="en-US" sz="1400" dirty="0">
-                <a:solidFill>
-                  <a:srgbClr val="0000FF"/>
-                </a:solidFill>
-                <a:latin typeface="Consolas" panose="020B0609020204030204" pitchFamily="49" charset="0"/>
-              </a:rPr>
-              <a:t>False</a:t>
-            </a:r>
-            <a:r>
-              <a:rPr lang="en-US" sz="1400" dirty="0">
-                <a:solidFill>
-                  <a:srgbClr val="000000"/>
-                </a:solidFill>
-                <a:latin typeface="Consolas" panose="020B0609020204030204" pitchFamily="49" charset="0"/>
-              </a:rPr>
-              <a:t>) </a:t>
-            </a:r>
-            <a:r>
-              <a:rPr lang="en-US" sz="1400" dirty="0">
-                <a:solidFill>
-                  <a:srgbClr val="AF00DB"/>
-                </a:solidFill>
-                <a:latin typeface="Consolas" panose="020B0609020204030204" pitchFamily="49" charset="0"/>
-              </a:rPr>
-              <a:t>for</a:t>
-            </a:r>
-            <a:r>
-              <a:rPr lang="en-US" sz="1400" dirty="0">
-                <a:solidFill>
-                  <a:srgbClr val="000000"/>
-                </a:solidFill>
-                <a:latin typeface="Consolas" panose="020B0609020204030204" pitchFamily="49" charset="0"/>
-              </a:rPr>
-              <a:t> f </a:t>
-            </a:r>
-            <a:r>
-              <a:rPr lang="en-US" sz="1400" dirty="0">
-                <a:solidFill>
-                  <a:srgbClr val="0000FF"/>
-                </a:solidFill>
-                <a:latin typeface="Consolas" panose="020B0609020204030204" pitchFamily="49" charset="0"/>
-              </a:rPr>
-              <a:t>in</a:t>
-            </a:r>
-            <a:r>
-              <a:rPr lang="en-US" sz="1400" dirty="0">
-                <a:solidFill>
-                  <a:srgbClr val="000000"/>
-                </a:solidFill>
-                <a:latin typeface="Consolas" panose="020B0609020204030204" pitchFamily="49" charset="0"/>
-              </a:rPr>
-              <a:t> </a:t>
-            </a:r>
-            <a:r>
-              <a:rPr lang="en-US" sz="1400" dirty="0" err="1">
-                <a:solidFill>
-                  <a:srgbClr val="000000"/>
-                </a:solidFill>
-                <a:latin typeface="Consolas" panose="020B0609020204030204" pitchFamily="49" charset="0"/>
-              </a:rPr>
-              <a:t>glob.glob</a:t>
-            </a:r>
-            <a:r>
-              <a:rPr lang="en-US" sz="1400" dirty="0">
-                <a:solidFill>
-                  <a:srgbClr val="000000"/>
-                </a:solidFill>
-                <a:latin typeface="Consolas" panose="020B0609020204030204" pitchFamily="49" charset="0"/>
-              </a:rPr>
-              <a:t>(</a:t>
-            </a:r>
-            <a:r>
-              <a:rPr lang="en-US" sz="1400" dirty="0">
-                <a:solidFill>
-                  <a:srgbClr val="A31515"/>
-                </a:solidFill>
-                <a:latin typeface="Consolas" panose="020B0609020204030204" pitchFamily="49" charset="0"/>
-              </a:rPr>
-              <a:t>'Resources/1028836041*.csv'</a:t>
-            </a:r>
-            <a:r>
-              <a:rPr lang="en-US" sz="1400" dirty="0">
-                <a:solidFill>
-                  <a:srgbClr val="000000"/>
-                </a:solidFill>
-                <a:latin typeface="Consolas" panose="020B0609020204030204" pitchFamily="49" charset="0"/>
-              </a:rPr>
-              <a:t>)], </a:t>
-            </a:r>
-            <a:r>
-              <a:rPr lang="en-US" sz="1400" dirty="0" smtClean="0">
-                <a:solidFill>
-                  <a:srgbClr val="000000"/>
-                </a:solidFill>
-                <a:latin typeface="Consolas" panose="020B0609020204030204" pitchFamily="49" charset="0"/>
-              </a:rPr>
-              <a:t>	</a:t>
-            </a:r>
-            <a:r>
-              <a:rPr lang="en-US" sz="1400" dirty="0" err="1" smtClean="0">
-                <a:solidFill>
-                  <a:srgbClr val="001080"/>
-                </a:solidFill>
-                <a:latin typeface="Consolas" panose="020B0609020204030204" pitchFamily="49" charset="0"/>
-              </a:rPr>
-              <a:t>ignore_index</a:t>
-            </a:r>
-            <a:r>
-              <a:rPr lang="en-US" sz="1400" dirty="0" smtClean="0">
-                <a:solidFill>
-                  <a:srgbClr val="000000"/>
-                </a:solidFill>
-                <a:latin typeface="Consolas" panose="020B0609020204030204" pitchFamily="49" charset="0"/>
-              </a:rPr>
-              <a:t> </a:t>
-            </a:r>
-            <a:r>
-              <a:rPr lang="en-US" sz="1400" dirty="0">
-                <a:solidFill>
-                  <a:srgbClr val="000000"/>
-                </a:solidFill>
-                <a:latin typeface="Consolas" panose="020B0609020204030204" pitchFamily="49" charset="0"/>
-              </a:rPr>
-              <a:t>= </a:t>
-            </a:r>
-            <a:r>
-              <a:rPr lang="en-US" sz="1400" dirty="0">
-                <a:solidFill>
-                  <a:srgbClr val="0000FF"/>
-                </a:solidFill>
-                <a:latin typeface="Consolas" panose="020B0609020204030204" pitchFamily="49" charset="0"/>
-              </a:rPr>
-              <a:t>True</a:t>
-            </a:r>
-            <a:r>
-              <a:rPr lang="en-US" sz="1400" dirty="0" smtClean="0">
-                <a:solidFill>
-                  <a:srgbClr val="000000"/>
-                </a:solidFill>
-                <a:latin typeface="Consolas" panose="020B0609020204030204" pitchFamily="49" charset="0"/>
-              </a:rPr>
-              <a:t>)</a:t>
-            </a:r>
-          </a:p>
-          <a:p>
-            <a:pPr lvl="1"/>
-            <a:endParaRPr lang="en-US" sz="1400" dirty="0">
-              <a:solidFill>
-                <a:srgbClr val="000000"/>
-              </a:solidFill>
-              <a:latin typeface="Consolas" panose="020B0609020204030204" pitchFamily="49" charset="0"/>
-            </a:endParaRPr>
-          </a:p>
-          <a:p>
-            <a:pPr lvl="1"/>
-            <a:r>
-              <a:rPr lang="en-US" sz="1400" dirty="0">
-                <a:solidFill>
-                  <a:srgbClr val="000000"/>
-                </a:solidFill>
-                <a:latin typeface="Consolas" panose="020B0609020204030204" pitchFamily="49" charset="0"/>
-              </a:rPr>
-              <a:t>airlines = </a:t>
-            </a:r>
-            <a:r>
-              <a:rPr lang="en-US" sz="1400" dirty="0" err="1">
-                <a:solidFill>
-                  <a:srgbClr val="000000"/>
-                </a:solidFill>
-                <a:latin typeface="Consolas" panose="020B0609020204030204" pitchFamily="49" charset="0"/>
-              </a:rPr>
-              <a:t>pd.read_csv</a:t>
-            </a:r>
-            <a:r>
-              <a:rPr lang="en-US" sz="1400" dirty="0">
-                <a:solidFill>
-                  <a:srgbClr val="000000"/>
-                </a:solidFill>
-                <a:latin typeface="Consolas" panose="020B0609020204030204" pitchFamily="49" charset="0"/>
-              </a:rPr>
-              <a:t>(</a:t>
-            </a:r>
-            <a:r>
-              <a:rPr lang="en-US" sz="1400" dirty="0">
-                <a:solidFill>
-                  <a:srgbClr val="A31515"/>
-                </a:solidFill>
-                <a:latin typeface="Consolas" panose="020B0609020204030204" pitchFamily="49" charset="0"/>
-              </a:rPr>
-              <a:t>"Resources/airlines.csv"</a:t>
-            </a:r>
-            <a:r>
-              <a:rPr lang="en-US" sz="1400" dirty="0">
-                <a:solidFill>
-                  <a:srgbClr val="000000"/>
-                </a:solidFill>
-                <a:latin typeface="Consolas" panose="020B0609020204030204" pitchFamily="49" charset="0"/>
-              </a:rPr>
-              <a:t>)</a:t>
-            </a:r>
-          </a:p>
-          <a:p>
-            <a:pPr lvl="1"/>
-            <a:r>
-              <a:rPr lang="en-US" sz="1400" dirty="0">
-                <a:solidFill>
-                  <a:srgbClr val="000000"/>
-                </a:solidFill>
-                <a:latin typeface="Consolas" panose="020B0609020204030204" pitchFamily="49" charset="0"/>
-              </a:rPr>
-              <a:t>airports = </a:t>
-            </a:r>
-            <a:r>
-              <a:rPr lang="en-US" sz="1400" dirty="0" err="1">
-                <a:solidFill>
-                  <a:srgbClr val="000000"/>
-                </a:solidFill>
-                <a:latin typeface="Consolas" panose="020B0609020204030204" pitchFamily="49" charset="0"/>
-              </a:rPr>
-              <a:t>pd.read_csv</a:t>
-            </a:r>
-            <a:r>
-              <a:rPr lang="en-US" sz="1400" dirty="0">
-                <a:solidFill>
-                  <a:srgbClr val="000000"/>
-                </a:solidFill>
-                <a:latin typeface="Consolas" panose="020B0609020204030204" pitchFamily="49" charset="0"/>
-              </a:rPr>
-              <a:t>(</a:t>
-            </a:r>
-            <a:r>
-              <a:rPr lang="en-US" sz="1400" dirty="0">
-                <a:solidFill>
-                  <a:srgbClr val="A31515"/>
-                </a:solidFill>
-                <a:latin typeface="Consolas" panose="020B0609020204030204" pitchFamily="49" charset="0"/>
-              </a:rPr>
-              <a:t>"Resources/airports.csv</a:t>
-            </a:r>
-            <a:r>
-              <a:rPr lang="en-US" sz="1400" dirty="0" smtClean="0">
-                <a:solidFill>
-                  <a:srgbClr val="A31515"/>
-                </a:solidFill>
-                <a:latin typeface="Consolas" panose="020B0609020204030204" pitchFamily="49" charset="0"/>
-              </a:rPr>
-              <a:t>"</a:t>
-            </a:r>
-            <a:r>
-              <a:rPr lang="en-US" sz="1400" dirty="0" smtClean="0">
-                <a:solidFill>
-                  <a:srgbClr val="000000"/>
-                </a:solidFill>
-                <a:latin typeface="Consolas" panose="020B0609020204030204" pitchFamily="49" charset="0"/>
-              </a:rPr>
-              <a:t>)</a:t>
-            </a:r>
-          </a:p>
-          <a:p>
-            <a:pPr lvl="1"/>
-            <a:endParaRPr lang="en-US" sz="1400" dirty="0">
-              <a:solidFill>
-                <a:srgbClr val="000000"/>
-              </a:solidFill>
-              <a:latin typeface="Consolas" panose="020B0609020204030204" pitchFamily="49" charset="0"/>
-            </a:endParaRPr>
-          </a:p>
-          <a:p>
-            <a:pPr lvl="1"/>
-            <a:r>
-              <a:rPr lang="en-US" sz="1400" dirty="0" err="1">
-                <a:solidFill>
-                  <a:srgbClr val="000000"/>
-                </a:solidFill>
-                <a:latin typeface="Consolas" panose="020B0609020204030204" pitchFamily="49" charset="0"/>
-              </a:rPr>
-              <a:t>combined_df</a:t>
-            </a:r>
-            <a:r>
-              <a:rPr lang="en-US" sz="1400" dirty="0">
-                <a:solidFill>
-                  <a:srgbClr val="000000"/>
-                </a:solidFill>
-                <a:latin typeface="Consolas" panose="020B0609020204030204" pitchFamily="49" charset="0"/>
-              </a:rPr>
-              <a:t> = </a:t>
-            </a:r>
-            <a:r>
-              <a:rPr lang="en-US" sz="1400" dirty="0" err="1">
-                <a:solidFill>
-                  <a:srgbClr val="000000"/>
-                </a:solidFill>
-                <a:latin typeface="Consolas" panose="020B0609020204030204" pitchFamily="49" charset="0"/>
-              </a:rPr>
-              <a:t>pd.merge</a:t>
-            </a:r>
-            <a:r>
-              <a:rPr lang="en-US" sz="1400" dirty="0">
-                <a:solidFill>
-                  <a:srgbClr val="000000"/>
-                </a:solidFill>
-                <a:latin typeface="Consolas" panose="020B0609020204030204" pitchFamily="49" charset="0"/>
-              </a:rPr>
-              <a:t>(</a:t>
-            </a:r>
-            <a:r>
-              <a:rPr lang="en-US" sz="1400" dirty="0" err="1">
-                <a:solidFill>
-                  <a:srgbClr val="000000"/>
-                </a:solidFill>
-                <a:latin typeface="Consolas" panose="020B0609020204030204" pitchFamily="49" charset="0"/>
-              </a:rPr>
-              <a:t>df</a:t>
-            </a:r>
-            <a:r>
-              <a:rPr lang="en-US" sz="1400" dirty="0">
-                <a:solidFill>
-                  <a:srgbClr val="000000"/>
-                </a:solidFill>
-                <a:latin typeface="Consolas" panose="020B0609020204030204" pitchFamily="49" charset="0"/>
-              </a:rPr>
-              <a:t>, airlines, </a:t>
-            </a:r>
-            <a:r>
-              <a:rPr lang="en-US" sz="1400" dirty="0">
-                <a:solidFill>
-                  <a:srgbClr val="001080"/>
-                </a:solidFill>
-                <a:latin typeface="Consolas" panose="020B0609020204030204" pitchFamily="49" charset="0"/>
-              </a:rPr>
-              <a:t>how</a:t>
-            </a:r>
-            <a:r>
-              <a:rPr lang="en-US" sz="1400" dirty="0">
-                <a:solidFill>
-                  <a:srgbClr val="000000"/>
-                </a:solidFill>
-                <a:latin typeface="Consolas" panose="020B0609020204030204" pitchFamily="49" charset="0"/>
-              </a:rPr>
-              <a:t>=</a:t>
-            </a:r>
-            <a:r>
-              <a:rPr lang="en-US" sz="1400" dirty="0">
-                <a:solidFill>
-                  <a:srgbClr val="A31515"/>
-                </a:solidFill>
-                <a:latin typeface="Consolas" panose="020B0609020204030204" pitchFamily="49" charset="0"/>
-              </a:rPr>
-              <a:t>'left'</a:t>
-            </a:r>
-            <a:r>
-              <a:rPr lang="en-US" sz="1400" dirty="0">
-                <a:solidFill>
-                  <a:srgbClr val="000000"/>
-                </a:solidFill>
-                <a:latin typeface="Consolas" panose="020B0609020204030204" pitchFamily="49" charset="0"/>
-              </a:rPr>
-              <a:t>, </a:t>
-            </a:r>
-            <a:r>
-              <a:rPr lang="en-US" sz="1400" dirty="0">
-                <a:solidFill>
-                  <a:srgbClr val="001080"/>
-                </a:solidFill>
-                <a:latin typeface="Consolas" panose="020B0609020204030204" pitchFamily="49" charset="0"/>
-              </a:rPr>
-              <a:t>on</a:t>
-            </a:r>
-            <a:r>
-              <a:rPr lang="en-US" sz="1400" dirty="0">
-                <a:solidFill>
-                  <a:srgbClr val="000000"/>
-                </a:solidFill>
-                <a:latin typeface="Consolas" panose="020B0609020204030204" pitchFamily="49" charset="0"/>
-              </a:rPr>
-              <a:t>=</a:t>
-            </a:r>
-            <a:r>
-              <a:rPr lang="en-US" sz="1400" dirty="0">
-                <a:solidFill>
-                  <a:srgbClr val="A31515"/>
-                </a:solidFill>
-                <a:latin typeface="Consolas" panose="020B0609020204030204" pitchFamily="49" charset="0"/>
-              </a:rPr>
-              <a:t>'OP_UNIQUE_CARRIER'</a:t>
-            </a:r>
-            <a:r>
-              <a:rPr lang="en-US" sz="1400" dirty="0">
-                <a:solidFill>
-                  <a:srgbClr val="000000"/>
-                </a:solidFill>
-                <a:latin typeface="Consolas" panose="020B0609020204030204" pitchFamily="49" charset="0"/>
-              </a:rPr>
-              <a:t>)</a:t>
-            </a:r>
-          </a:p>
-          <a:p>
-            <a:pPr lvl="1"/>
-            <a:r>
-              <a:rPr lang="en-US" sz="1400" dirty="0" err="1">
-                <a:solidFill>
-                  <a:srgbClr val="000000"/>
-                </a:solidFill>
-                <a:latin typeface="Consolas" panose="020B0609020204030204" pitchFamily="49" charset="0"/>
-              </a:rPr>
-              <a:t>combined_df</a:t>
-            </a:r>
-            <a:r>
-              <a:rPr lang="en-US" sz="1400" dirty="0">
-                <a:solidFill>
-                  <a:srgbClr val="000000"/>
-                </a:solidFill>
-                <a:latin typeface="Consolas" panose="020B0609020204030204" pitchFamily="49" charset="0"/>
-              </a:rPr>
-              <a:t> = </a:t>
-            </a:r>
-            <a:r>
-              <a:rPr lang="en-US" sz="1400" dirty="0" err="1">
-                <a:solidFill>
-                  <a:srgbClr val="000000"/>
-                </a:solidFill>
-                <a:latin typeface="Consolas" panose="020B0609020204030204" pitchFamily="49" charset="0"/>
-              </a:rPr>
-              <a:t>pd.merge</a:t>
-            </a:r>
-            <a:r>
-              <a:rPr lang="en-US" sz="1400" dirty="0">
-                <a:solidFill>
-                  <a:srgbClr val="000000"/>
-                </a:solidFill>
-                <a:latin typeface="Consolas" panose="020B0609020204030204" pitchFamily="49" charset="0"/>
-              </a:rPr>
-              <a:t>(</a:t>
-            </a:r>
-            <a:r>
-              <a:rPr lang="en-US" sz="1400" dirty="0" err="1">
-                <a:solidFill>
-                  <a:srgbClr val="000000"/>
-                </a:solidFill>
-                <a:latin typeface="Consolas" panose="020B0609020204030204" pitchFamily="49" charset="0"/>
-              </a:rPr>
-              <a:t>combined_df</a:t>
-            </a:r>
-            <a:r>
-              <a:rPr lang="en-US" sz="1400" dirty="0">
-                <a:solidFill>
-                  <a:srgbClr val="000000"/>
-                </a:solidFill>
-                <a:latin typeface="Consolas" panose="020B0609020204030204" pitchFamily="49" charset="0"/>
-              </a:rPr>
-              <a:t>, airports[[</a:t>
-            </a:r>
-            <a:r>
-              <a:rPr lang="en-US" sz="1400" dirty="0">
-                <a:solidFill>
-                  <a:srgbClr val="A31515"/>
-                </a:solidFill>
-                <a:latin typeface="Consolas" panose="020B0609020204030204" pitchFamily="49" charset="0"/>
-              </a:rPr>
-              <a:t>'AIRPORT'</a:t>
-            </a:r>
-            <a:r>
-              <a:rPr lang="en-US" sz="1400" dirty="0">
-                <a:solidFill>
-                  <a:srgbClr val="000000"/>
-                </a:solidFill>
-                <a:latin typeface="Consolas" panose="020B0609020204030204" pitchFamily="49" charset="0"/>
-              </a:rPr>
-              <a:t>,</a:t>
-            </a:r>
-            <a:r>
-              <a:rPr lang="en-US" sz="1400" dirty="0">
-                <a:solidFill>
-                  <a:srgbClr val="A31515"/>
-                </a:solidFill>
-                <a:latin typeface="Consolas" panose="020B0609020204030204" pitchFamily="49" charset="0"/>
-              </a:rPr>
-              <a:t>'IATA_CODE'</a:t>
-            </a:r>
-            <a:r>
-              <a:rPr lang="en-US" sz="1400" dirty="0">
-                <a:solidFill>
-                  <a:srgbClr val="000000"/>
-                </a:solidFill>
-                <a:latin typeface="Consolas" panose="020B0609020204030204" pitchFamily="49" charset="0"/>
-              </a:rPr>
-              <a:t>]], </a:t>
-            </a:r>
-            <a:r>
-              <a:rPr lang="en-US" sz="1400" dirty="0">
-                <a:solidFill>
-                  <a:srgbClr val="001080"/>
-                </a:solidFill>
-                <a:latin typeface="Consolas" panose="020B0609020204030204" pitchFamily="49" charset="0"/>
-              </a:rPr>
-              <a:t>how</a:t>
-            </a:r>
-            <a:r>
-              <a:rPr lang="en-US" sz="1400" dirty="0">
-                <a:solidFill>
-                  <a:srgbClr val="000000"/>
-                </a:solidFill>
-                <a:latin typeface="Consolas" panose="020B0609020204030204" pitchFamily="49" charset="0"/>
-              </a:rPr>
-              <a:t>=</a:t>
-            </a:r>
-            <a:r>
-              <a:rPr lang="en-US" sz="1400" dirty="0">
-                <a:solidFill>
-                  <a:srgbClr val="A31515"/>
-                </a:solidFill>
-                <a:latin typeface="Consolas" panose="020B0609020204030204" pitchFamily="49" charset="0"/>
-              </a:rPr>
-              <a:t>'left'</a:t>
-            </a:r>
-            <a:r>
-              <a:rPr lang="en-US" sz="1400" dirty="0">
-                <a:solidFill>
-                  <a:srgbClr val="000000"/>
-                </a:solidFill>
-                <a:latin typeface="Consolas" panose="020B0609020204030204" pitchFamily="49" charset="0"/>
-              </a:rPr>
-              <a:t>, </a:t>
-            </a:r>
-            <a:r>
-              <a:rPr lang="en-US" sz="1400" dirty="0" err="1">
-                <a:solidFill>
-                  <a:srgbClr val="001080"/>
-                </a:solidFill>
-                <a:latin typeface="Consolas" panose="020B0609020204030204" pitchFamily="49" charset="0"/>
-              </a:rPr>
-              <a:t>left_on</a:t>
-            </a:r>
-            <a:r>
-              <a:rPr lang="en-US" sz="1400" dirty="0">
-                <a:solidFill>
-                  <a:srgbClr val="000000"/>
-                </a:solidFill>
-                <a:latin typeface="Consolas" panose="020B0609020204030204" pitchFamily="49" charset="0"/>
-              </a:rPr>
-              <a:t> = </a:t>
-            </a:r>
-            <a:r>
-              <a:rPr lang="en-US" sz="1400" dirty="0">
-                <a:solidFill>
-                  <a:srgbClr val="A31515"/>
-                </a:solidFill>
-                <a:latin typeface="Consolas" panose="020B0609020204030204" pitchFamily="49" charset="0"/>
-              </a:rPr>
-              <a:t>'ORIGIN'</a:t>
-            </a:r>
-            <a:r>
-              <a:rPr lang="en-US" sz="1400" dirty="0">
-                <a:solidFill>
-                  <a:srgbClr val="000000"/>
-                </a:solidFill>
-                <a:latin typeface="Consolas" panose="020B0609020204030204" pitchFamily="49" charset="0"/>
-              </a:rPr>
-              <a:t>, </a:t>
-            </a:r>
-            <a:r>
-              <a:rPr lang="en-US" sz="1400" dirty="0" smtClean="0">
-                <a:solidFill>
-                  <a:srgbClr val="000000"/>
-                </a:solidFill>
-                <a:latin typeface="Consolas" panose="020B0609020204030204" pitchFamily="49" charset="0"/>
-              </a:rPr>
-              <a:t>			</a:t>
-            </a:r>
-            <a:r>
-              <a:rPr lang="en-US" sz="1400" dirty="0" err="1" smtClean="0">
-                <a:solidFill>
-                  <a:srgbClr val="001080"/>
-                </a:solidFill>
-                <a:latin typeface="Consolas" panose="020B0609020204030204" pitchFamily="49" charset="0"/>
-              </a:rPr>
-              <a:t>right_on</a:t>
-            </a:r>
-            <a:r>
-              <a:rPr lang="en-US" sz="1400" dirty="0" smtClean="0">
-                <a:solidFill>
-                  <a:srgbClr val="000000"/>
-                </a:solidFill>
-                <a:latin typeface="Consolas" panose="020B0609020204030204" pitchFamily="49" charset="0"/>
-              </a:rPr>
-              <a:t> </a:t>
-            </a:r>
-            <a:r>
-              <a:rPr lang="en-US" sz="1400" dirty="0">
-                <a:solidFill>
-                  <a:srgbClr val="000000"/>
-                </a:solidFill>
-                <a:latin typeface="Consolas" panose="020B0609020204030204" pitchFamily="49" charset="0"/>
-              </a:rPr>
-              <a:t>= </a:t>
-            </a:r>
-            <a:r>
-              <a:rPr lang="en-US" sz="1400" dirty="0">
-                <a:solidFill>
-                  <a:srgbClr val="A31515"/>
-                </a:solidFill>
-                <a:latin typeface="Consolas" panose="020B0609020204030204" pitchFamily="49" charset="0"/>
-              </a:rPr>
-              <a:t>'</a:t>
-            </a:r>
-            <a:r>
-              <a:rPr lang="en-US" sz="1400" dirty="0" err="1">
-                <a:solidFill>
-                  <a:srgbClr val="A31515"/>
-                </a:solidFill>
-                <a:latin typeface="Consolas" panose="020B0609020204030204" pitchFamily="49" charset="0"/>
-              </a:rPr>
-              <a:t>IATA_CODE'</a:t>
-            </a:r>
-            <a:r>
-              <a:rPr lang="en-US" sz="1400" dirty="0" err="1">
-                <a:solidFill>
-                  <a:srgbClr val="000000"/>
-                </a:solidFill>
-                <a:latin typeface="Consolas" panose="020B0609020204030204" pitchFamily="49" charset="0"/>
-              </a:rPr>
-              <a:t>,</a:t>
-            </a:r>
-            <a:r>
-              <a:rPr lang="en-US" sz="1400" dirty="0" err="1">
-                <a:solidFill>
-                  <a:srgbClr val="001080"/>
-                </a:solidFill>
-                <a:latin typeface="Consolas" panose="020B0609020204030204" pitchFamily="49" charset="0"/>
-              </a:rPr>
-              <a:t>suffixes</a:t>
-            </a:r>
-            <a:r>
-              <a:rPr lang="en-US" sz="1400" dirty="0">
-                <a:solidFill>
-                  <a:srgbClr val="000000"/>
-                </a:solidFill>
-                <a:latin typeface="Consolas" panose="020B0609020204030204" pitchFamily="49" charset="0"/>
-              </a:rPr>
-              <a:t>=(</a:t>
-            </a:r>
-            <a:r>
-              <a:rPr lang="en-US" sz="1400" dirty="0">
-                <a:solidFill>
-                  <a:srgbClr val="A31515"/>
-                </a:solidFill>
-                <a:latin typeface="Consolas" panose="020B0609020204030204" pitchFamily="49" charset="0"/>
-              </a:rPr>
-              <a:t>" "</a:t>
-            </a:r>
-            <a:r>
-              <a:rPr lang="en-US" sz="1400" dirty="0">
-                <a:solidFill>
-                  <a:srgbClr val="000000"/>
-                </a:solidFill>
-                <a:latin typeface="Consolas" panose="020B0609020204030204" pitchFamily="49" charset="0"/>
-              </a:rPr>
-              <a:t>,</a:t>
-            </a:r>
-            <a:r>
-              <a:rPr lang="en-US" sz="1400" dirty="0">
-                <a:solidFill>
-                  <a:srgbClr val="A31515"/>
-                </a:solidFill>
-                <a:latin typeface="Consolas" panose="020B0609020204030204" pitchFamily="49" charset="0"/>
-              </a:rPr>
-              <a:t>"_Origin"</a:t>
-            </a:r>
-            <a:r>
-              <a:rPr lang="en-US" sz="1400" dirty="0">
-                <a:solidFill>
-                  <a:srgbClr val="000000"/>
-                </a:solidFill>
-                <a:latin typeface="Consolas" panose="020B0609020204030204" pitchFamily="49" charset="0"/>
-              </a:rPr>
-              <a:t>))</a:t>
-            </a:r>
-          </a:p>
-          <a:p>
-            <a:pPr lvl="1"/>
-            <a:r>
-              <a:rPr lang="en-US" sz="1400" dirty="0" err="1">
-                <a:solidFill>
-                  <a:srgbClr val="000000"/>
-                </a:solidFill>
-                <a:latin typeface="Consolas" panose="020B0609020204030204" pitchFamily="49" charset="0"/>
-              </a:rPr>
-              <a:t>combined_df</a:t>
-            </a:r>
-            <a:r>
-              <a:rPr lang="en-US" sz="1400" dirty="0">
-                <a:solidFill>
-                  <a:srgbClr val="000000"/>
-                </a:solidFill>
-                <a:latin typeface="Consolas" panose="020B0609020204030204" pitchFamily="49" charset="0"/>
-              </a:rPr>
-              <a:t>=</a:t>
-            </a:r>
-            <a:r>
-              <a:rPr lang="en-US" sz="1400" dirty="0" err="1">
-                <a:solidFill>
-                  <a:srgbClr val="000000"/>
-                </a:solidFill>
-                <a:latin typeface="Consolas" panose="020B0609020204030204" pitchFamily="49" charset="0"/>
-              </a:rPr>
-              <a:t>combined_df.rename</a:t>
-            </a:r>
-            <a:r>
-              <a:rPr lang="en-US" sz="1400" dirty="0">
-                <a:solidFill>
-                  <a:srgbClr val="000000"/>
-                </a:solidFill>
-                <a:latin typeface="Consolas" panose="020B0609020204030204" pitchFamily="49" charset="0"/>
-              </a:rPr>
-              <a:t>(</a:t>
-            </a:r>
-            <a:r>
-              <a:rPr lang="en-US" sz="1400" dirty="0">
-                <a:solidFill>
-                  <a:srgbClr val="001080"/>
-                </a:solidFill>
-                <a:latin typeface="Consolas" panose="020B0609020204030204" pitchFamily="49" charset="0"/>
-              </a:rPr>
-              <a:t>columns</a:t>
-            </a:r>
-            <a:r>
-              <a:rPr lang="en-US" sz="1400" dirty="0">
-                <a:solidFill>
-                  <a:srgbClr val="000000"/>
-                </a:solidFill>
-                <a:latin typeface="Consolas" panose="020B0609020204030204" pitchFamily="49" charset="0"/>
-              </a:rPr>
-              <a:t>={</a:t>
-            </a:r>
-            <a:r>
-              <a:rPr lang="en-US" sz="1400" dirty="0">
-                <a:solidFill>
-                  <a:srgbClr val="A31515"/>
-                </a:solidFill>
-                <a:latin typeface="Consolas" panose="020B0609020204030204" pitchFamily="49" charset="0"/>
-              </a:rPr>
-              <a:t>"AIRPORT"</a:t>
-            </a:r>
-            <a:r>
-              <a:rPr lang="en-US" sz="1400" dirty="0">
-                <a:solidFill>
-                  <a:srgbClr val="000000"/>
-                </a:solidFill>
-                <a:latin typeface="Consolas" panose="020B0609020204030204" pitchFamily="49" charset="0"/>
-              </a:rPr>
-              <a:t>:</a:t>
-            </a:r>
-            <a:r>
-              <a:rPr lang="en-US" sz="1400" dirty="0">
-                <a:solidFill>
-                  <a:srgbClr val="A31515"/>
-                </a:solidFill>
-                <a:latin typeface="Consolas" panose="020B0609020204030204" pitchFamily="49" charset="0"/>
-              </a:rPr>
-              <a:t>"ORIGIN_AIRPORT"</a:t>
-            </a:r>
-            <a:r>
-              <a:rPr lang="en-US" sz="1400" dirty="0">
-                <a:solidFill>
-                  <a:srgbClr val="000000"/>
-                </a:solidFill>
-                <a:latin typeface="Consolas" panose="020B0609020204030204" pitchFamily="49" charset="0"/>
-              </a:rPr>
-              <a:t>})</a:t>
-            </a:r>
-          </a:p>
-          <a:p>
-            <a:pPr lvl="1"/>
-            <a:r>
-              <a:rPr lang="en-US" sz="1400" dirty="0" err="1">
-                <a:solidFill>
-                  <a:srgbClr val="000000"/>
-                </a:solidFill>
-                <a:latin typeface="Consolas" panose="020B0609020204030204" pitchFamily="49" charset="0"/>
-              </a:rPr>
-              <a:t>combined_df</a:t>
-            </a:r>
-            <a:r>
-              <a:rPr lang="en-US" sz="1400" dirty="0">
-                <a:solidFill>
-                  <a:srgbClr val="000000"/>
-                </a:solidFill>
-                <a:latin typeface="Consolas" panose="020B0609020204030204" pitchFamily="49" charset="0"/>
-              </a:rPr>
-              <a:t> = </a:t>
-            </a:r>
-            <a:r>
-              <a:rPr lang="en-US" sz="1400" dirty="0" err="1">
-                <a:solidFill>
-                  <a:srgbClr val="000000"/>
-                </a:solidFill>
-                <a:latin typeface="Consolas" panose="020B0609020204030204" pitchFamily="49" charset="0"/>
-              </a:rPr>
-              <a:t>pd.merge</a:t>
-            </a:r>
-            <a:r>
-              <a:rPr lang="en-US" sz="1400" dirty="0">
-                <a:solidFill>
-                  <a:srgbClr val="000000"/>
-                </a:solidFill>
-                <a:latin typeface="Consolas" panose="020B0609020204030204" pitchFamily="49" charset="0"/>
-              </a:rPr>
-              <a:t>(</a:t>
-            </a:r>
-            <a:r>
-              <a:rPr lang="en-US" sz="1400" dirty="0" err="1">
-                <a:solidFill>
-                  <a:srgbClr val="000000"/>
-                </a:solidFill>
-                <a:latin typeface="Consolas" panose="020B0609020204030204" pitchFamily="49" charset="0"/>
-              </a:rPr>
-              <a:t>combined_df</a:t>
-            </a:r>
-            <a:r>
-              <a:rPr lang="en-US" sz="1400" dirty="0">
-                <a:solidFill>
-                  <a:srgbClr val="000000"/>
-                </a:solidFill>
-                <a:latin typeface="Consolas" panose="020B0609020204030204" pitchFamily="49" charset="0"/>
-              </a:rPr>
-              <a:t>, airports[[</a:t>
-            </a:r>
-            <a:r>
-              <a:rPr lang="en-US" sz="1400" dirty="0">
-                <a:solidFill>
-                  <a:srgbClr val="A31515"/>
-                </a:solidFill>
-                <a:latin typeface="Consolas" panose="020B0609020204030204" pitchFamily="49" charset="0"/>
-              </a:rPr>
-              <a:t>'AIRPORT'</a:t>
-            </a:r>
-            <a:r>
-              <a:rPr lang="en-US" sz="1400" dirty="0">
-                <a:solidFill>
-                  <a:srgbClr val="000000"/>
-                </a:solidFill>
-                <a:latin typeface="Consolas" panose="020B0609020204030204" pitchFamily="49" charset="0"/>
-              </a:rPr>
-              <a:t>,</a:t>
-            </a:r>
-            <a:r>
-              <a:rPr lang="en-US" sz="1400" dirty="0">
-                <a:solidFill>
-                  <a:srgbClr val="A31515"/>
-                </a:solidFill>
-                <a:latin typeface="Consolas" panose="020B0609020204030204" pitchFamily="49" charset="0"/>
-              </a:rPr>
-              <a:t>'IATA_CODE'</a:t>
-            </a:r>
-            <a:r>
-              <a:rPr lang="en-US" sz="1400" dirty="0">
-                <a:solidFill>
-                  <a:srgbClr val="000000"/>
-                </a:solidFill>
-                <a:latin typeface="Consolas" panose="020B0609020204030204" pitchFamily="49" charset="0"/>
-              </a:rPr>
-              <a:t>]], </a:t>
-            </a:r>
-            <a:r>
-              <a:rPr lang="en-US" sz="1400" dirty="0">
-                <a:solidFill>
-                  <a:srgbClr val="001080"/>
-                </a:solidFill>
-                <a:latin typeface="Consolas" panose="020B0609020204030204" pitchFamily="49" charset="0"/>
-              </a:rPr>
-              <a:t>how</a:t>
-            </a:r>
-            <a:r>
-              <a:rPr lang="en-US" sz="1400" dirty="0">
-                <a:solidFill>
-                  <a:srgbClr val="000000"/>
-                </a:solidFill>
-                <a:latin typeface="Consolas" panose="020B0609020204030204" pitchFamily="49" charset="0"/>
-              </a:rPr>
-              <a:t>=</a:t>
-            </a:r>
-            <a:r>
-              <a:rPr lang="en-US" sz="1400" dirty="0">
-                <a:solidFill>
-                  <a:srgbClr val="A31515"/>
-                </a:solidFill>
-                <a:latin typeface="Consolas" panose="020B0609020204030204" pitchFamily="49" charset="0"/>
-              </a:rPr>
-              <a:t>'left'</a:t>
-            </a:r>
-            <a:r>
-              <a:rPr lang="en-US" sz="1400" dirty="0">
-                <a:solidFill>
-                  <a:srgbClr val="000000"/>
-                </a:solidFill>
-                <a:latin typeface="Consolas" panose="020B0609020204030204" pitchFamily="49" charset="0"/>
-              </a:rPr>
-              <a:t>, </a:t>
-            </a:r>
-            <a:r>
-              <a:rPr lang="en-US" sz="1400" dirty="0" err="1">
-                <a:solidFill>
-                  <a:srgbClr val="001080"/>
-                </a:solidFill>
-                <a:latin typeface="Consolas" panose="020B0609020204030204" pitchFamily="49" charset="0"/>
-              </a:rPr>
-              <a:t>left_on</a:t>
-            </a:r>
-            <a:r>
-              <a:rPr lang="en-US" sz="1400" dirty="0">
-                <a:solidFill>
-                  <a:srgbClr val="000000"/>
-                </a:solidFill>
-                <a:latin typeface="Consolas" panose="020B0609020204030204" pitchFamily="49" charset="0"/>
-              </a:rPr>
-              <a:t> = </a:t>
-            </a:r>
-            <a:r>
-              <a:rPr lang="en-US" sz="1400" dirty="0">
-                <a:solidFill>
-                  <a:srgbClr val="A31515"/>
-                </a:solidFill>
-                <a:latin typeface="Consolas" panose="020B0609020204030204" pitchFamily="49" charset="0"/>
-              </a:rPr>
-              <a:t>'DEST'</a:t>
-            </a:r>
-            <a:r>
-              <a:rPr lang="en-US" sz="1400" dirty="0">
-                <a:solidFill>
-                  <a:srgbClr val="000000"/>
-                </a:solidFill>
-                <a:latin typeface="Consolas" panose="020B0609020204030204" pitchFamily="49" charset="0"/>
-              </a:rPr>
-              <a:t>, </a:t>
-            </a:r>
-            <a:r>
-              <a:rPr lang="en-US" sz="1400" dirty="0" smtClean="0">
-                <a:solidFill>
-                  <a:srgbClr val="000000"/>
-                </a:solidFill>
-                <a:latin typeface="Consolas" panose="020B0609020204030204" pitchFamily="49" charset="0"/>
-              </a:rPr>
-              <a:t>				</a:t>
-            </a:r>
-            <a:r>
-              <a:rPr lang="en-US" sz="1400" dirty="0" err="1" smtClean="0">
-                <a:solidFill>
-                  <a:srgbClr val="001080"/>
-                </a:solidFill>
-                <a:latin typeface="Consolas" panose="020B0609020204030204" pitchFamily="49" charset="0"/>
-              </a:rPr>
-              <a:t>right_on</a:t>
-            </a:r>
-            <a:r>
-              <a:rPr lang="en-US" sz="1400" dirty="0" smtClean="0">
-                <a:solidFill>
-                  <a:srgbClr val="000000"/>
-                </a:solidFill>
-                <a:latin typeface="Consolas" panose="020B0609020204030204" pitchFamily="49" charset="0"/>
-              </a:rPr>
-              <a:t> </a:t>
-            </a:r>
-            <a:r>
-              <a:rPr lang="en-US" sz="1400" dirty="0">
-                <a:solidFill>
-                  <a:srgbClr val="000000"/>
-                </a:solidFill>
-                <a:latin typeface="Consolas" panose="020B0609020204030204" pitchFamily="49" charset="0"/>
-              </a:rPr>
-              <a:t>= </a:t>
-            </a:r>
-            <a:r>
-              <a:rPr lang="en-US" sz="1400" dirty="0">
-                <a:solidFill>
-                  <a:srgbClr val="A31515"/>
-                </a:solidFill>
-                <a:latin typeface="Consolas" panose="020B0609020204030204" pitchFamily="49" charset="0"/>
-              </a:rPr>
-              <a:t>'</a:t>
-            </a:r>
-            <a:r>
-              <a:rPr lang="en-US" sz="1400" dirty="0" err="1">
-                <a:solidFill>
-                  <a:srgbClr val="A31515"/>
-                </a:solidFill>
-                <a:latin typeface="Consolas" panose="020B0609020204030204" pitchFamily="49" charset="0"/>
-              </a:rPr>
-              <a:t>IATA_CODE'</a:t>
-            </a:r>
-            <a:r>
-              <a:rPr lang="en-US" sz="1400" dirty="0" err="1">
-                <a:solidFill>
-                  <a:srgbClr val="000000"/>
-                </a:solidFill>
-                <a:latin typeface="Consolas" panose="020B0609020204030204" pitchFamily="49" charset="0"/>
-              </a:rPr>
-              <a:t>,</a:t>
-            </a:r>
-            <a:r>
-              <a:rPr lang="en-US" sz="1400" dirty="0" err="1">
-                <a:solidFill>
-                  <a:srgbClr val="001080"/>
-                </a:solidFill>
-                <a:latin typeface="Consolas" panose="020B0609020204030204" pitchFamily="49" charset="0"/>
-              </a:rPr>
-              <a:t>suffixes</a:t>
-            </a:r>
-            <a:r>
-              <a:rPr lang="en-US" sz="1400" dirty="0">
-                <a:solidFill>
-                  <a:srgbClr val="000000"/>
-                </a:solidFill>
-                <a:latin typeface="Consolas" panose="020B0609020204030204" pitchFamily="49" charset="0"/>
-              </a:rPr>
-              <a:t>=(</a:t>
-            </a:r>
-            <a:r>
-              <a:rPr lang="en-US" sz="1400" dirty="0">
-                <a:solidFill>
-                  <a:srgbClr val="A31515"/>
-                </a:solidFill>
-                <a:latin typeface="Consolas" panose="020B0609020204030204" pitchFamily="49" charset="0"/>
-              </a:rPr>
-              <a:t>" "</a:t>
-            </a:r>
-            <a:r>
-              <a:rPr lang="en-US" sz="1400" dirty="0">
-                <a:solidFill>
-                  <a:srgbClr val="000000"/>
-                </a:solidFill>
-                <a:latin typeface="Consolas" panose="020B0609020204030204" pitchFamily="49" charset="0"/>
-              </a:rPr>
-              <a:t>,</a:t>
-            </a:r>
-            <a:r>
-              <a:rPr lang="en-US" sz="1400" dirty="0">
-                <a:solidFill>
-                  <a:srgbClr val="A31515"/>
-                </a:solidFill>
-                <a:latin typeface="Consolas" panose="020B0609020204030204" pitchFamily="49" charset="0"/>
-              </a:rPr>
-              <a:t>"_Origin"</a:t>
-            </a:r>
-            <a:r>
-              <a:rPr lang="en-US" sz="1400" dirty="0">
-                <a:solidFill>
-                  <a:srgbClr val="000000"/>
-                </a:solidFill>
-                <a:latin typeface="Consolas" panose="020B0609020204030204" pitchFamily="49" charset="0"/>
-              </a:rPr>
-              <a:t>))</a:t>
-            </a:r>
-          </a:p>
-          <a:p>
-            <a:pPr lvl="1"/>
-            <a:r>
-              <a:rPr lang="en-US" sz="1400" dirty="0" err="1">
-                <a:solidFill>
-                  <a:srgbClr val="000000"/>
-                </a:solidFill>
-                <a:latin typeface="Consolas" panose="020B0609020204030204" pitchFamily="49" charset="0"/>
-              </a:rPr>
-              <a:t>combined_df</a:t>
-            </a:r>
-            <a:r>
-              <a:rPr lang="en-US" sz="1400" dirty="0">
-                <a:solidFill>
-                  <a:srgbClr val="000000"/>
-                </a:solidFill>
-                <a:latin typeface="Consolas" panose="020B0609020204030204" pitchFamily="49" charset="0"/>
-              </a:rPr>
-              <a:t>=</a:t>
-            </a:r>
-            <a:r>
-              <a:rPr lang="en-US" sz="1400" dirty="0" err="1">
-                <a:solidFill>
-                  <a:srgbClr val="000000"/>
-                </a:solidFill>
-                <a:latin typeface="Consolas" panose="020B0609020204030204" pitchFamily="49" charset="0"/>
-              </a:rPr>
-              <a:t>combined_df.rename</a:t>
-            </a:r>
-            <a:r>
-              <a:rPr lang="en-US" sz="1400" dirty="0">
-                <a:solidFill>
-                  <a:srgbClr val="000000"/>
-                </a:solidFill>
-                <a:latin typeface="Consolas" panose="020B0609020204030204" pitchFamily="49" charset="0"/>
-              </a:rPr>
-              <a:t>(</a:t>
-            </a:r>
-            <a:r>
-              <a:rPr lang="en-US" sz="1400" dirty="0">
-                <a:solidFill>
-                  <a:srgbClr val="001080"/>
-                </a:solidFill>
-                <a:latin typeface="Consolas" panose="020B0609020204030204" pitchFamily="49" charset="0"/>
-              </a:rPr>
-              <a:t>columns</a:t>
-            </a:r>
-            <a:r>
-              <a:rPr lang="en-US" sz="1400" dirty="0">
-                <a:solidFill>
-                  <a:srgbClr val="000000"/>
-                </a:solidFill>
-                <a:latin typeface="Consolas" panose="020B0609020204030204" pitchFamily="49" charset="0"/>
-              </a:rPr>
-              <a:t>={</a:t>
-            </a:r>
-            <a:r>
-              <a:rPr lang="en-US" sz="1400" dirty="0">
-                <a:solidFill>
-                  <a:srgbClr val="A31515"/>
-                </a:solidFill>
-                <a:latin typeface="Consolas" panose="020B0609020204030204" pitchFamily="49" charset="0"/>
-              </a:rPr>
-              <a:t>"AIRPORT"</a:t>
-            </a:r>
-            <a:r>
-              <a:rPr lang="en-US" sz="1400" dirty="0">
-                <a:solidFill>
-                  <a:srgbClr val="000000"/>
-                </a:solidFill>
-                <a:latin typeface="Consolas" panose="020B0609020204030204" pitchFamily="49" charset="0"/>
-              </a:rPr>
-              <a:t>:</a:t>
-            </a:r>
-            <a:r>
-              <a:rPr lang="en-US" sz="1400" dirty="0">
-                <a:solidFill>
-                  <a:srgbClr val="A31515"/>
-                </a:solidFill>
-                <a:latin typeface="Consolas" panose="020B0609020204030204" pitchFamily="49" charset="0"/>
-              </a:rPr>
-              <a:t>"DEST_AIRPORT"</a:t>
-            </a:r>
-            <a:r>
-              <a:rPr lang="en-US" sz="1400" dirty="0">
-                <a:solidFill>
-                  <a:srgbClr val="000000"/>
-                </a:solidFill>
-                <a:latin typeface="Consolas" panose="020B0609020204030204" pitchFamily="49" charset="0"/>
-              </a:rPr>
-              <a:t>})</a:t>
-            </a:r>
-            <a:endParaRPr lang="en-US" sz="1400" dirty="0"/>
-          </a:p>
-          <a:p>
-            <a:endParaRPr lang="en-US" dirty="0"/>
-          </a:p>
-        </p:txBody>
-      </p:sp>
-    </p:spTree>
-    <p:extLst>
-      <p:ext uri="{BB962C8B-B14F-4D97-AF65-F5344CB8AC3E}">
-        <p14:creationId xmlns:p14="http://schemas.microsoft.com/office/powerpoint/2010/main" val="3860849440"/>
-      </p:ext>
-    </p:extLst>
-  </p:cSld>
-  <p:clrMapOvr>
-    <a:masterClrMapping/>
-  </p:clrMapOvr>
-</p:sld>
-</file>
-
-<file path=ppt/slides/slide20.xml><?xml version="1.0" encoding="utf-8"?>
-<p:sld xmlns:a="http://schemas.openxmlformats.org/drawingml/2006/main" xmlns:r="http://schemas.openxmlformats.org/officeDocument/2006/relationships" xmlns:p="http://schemas.openxmlformats.org/presentationml/2006/main">
-  <p:cSld>
-    <p:spTree>
-      <p:nvGrpSpPr>
-        <p:cNvPr id="1" name=""/>
-        <p:cNvGrpSpPr/>
-        <p:nvPr/>
-      </p:nvGrpSpPr>
-      <p:grpSpPr>
-        <a:xfrm>
-          <a:off x="0" y="0"/>
-          <a:ext cx="0" cy="0"/>
-          <a:chOff x="0" y="0"/>
-          <a:chExt cx="0" cy="0"/>
-        </a:xfrm>
-      </p:grpSpPr>
       <p:pic>
         <p:nvPicPr>
-          <p:cNvPr id="4" name="Picture 3"/>
+          <p:cNvPr id="3" name="Picture 2">
+            <a:extLst>
+              <a:ext uri="{FF2B5EF4-FFF2-40B4-BE49-F238E27FC236}">
+                <a16:creationId xmlns:a16="http://schemas.microsoft.com/office/drawing/2014/main" id="{FF279ECC-26E1-984D-B0D1-9D437615C70D}"/>
+              </a:ext>
+            </a:extLst>
+          </p:cNvPr>
           <p:cNvPicPr>
             <a:picLocks noChangeAspect="1"/>
           </p:cNvPicPr>
           <p:nvPr/>
         </p:nvPicPr>
         <p:blipFill>
-          <a:blip r:embed="rId2">
+          <a:blip r:embed="rId3">
             <a:extLst>
               <a:ext uri="{28A0092B-C50C-407E-A947-70E740481C1C}">
                 <a14:useLocalDpi xmlns:a14="http://schemas.microsoft.com/office/drawing/2010/main" val="0"/>
@@ -6402,8 +6824,8 @@
         </p:blipFill>
         <p:spPr>
           <a:xfrm>
-            <a:off x="1468459" y="739753"/>
-            <a:ext cx="5944954" cy="3531405"/>
+            <a:off x="6123129" y="566114"/>
+            <a:ext cx="5487650" cy="3658433"/>
           </a:xfrm>
           <a:prstGeom prst="rect">
             <a:avLst/>
@@ -6413,7 +6835,7 @@
     </p:spTree>
     <p:extLst>
       <p:ext uri="{BB962C8B-B14F-4D97-AF65-F5344CB8AC3E}">
-        <p14:creationId xmlns:p14="http://schemas.microsoft.com/office/powerpoint/2010/main" val="1932446823"/>
+        <p14:creationId xmlns:p14="http://schemas.microsoft.com/office/powerpoint/2010/main" val="2007209943"/>
       </p:ext>
     </p:extLst>
   </p:cSld>
@@ -6440,100 +6862,63 @@
           <a:chExt cx="0" cy="0"/>
         </a:xfrm>
       </p:grpSpPr>
-      <p:pic>
-        <p:nvPicPr>
-          <p:cNvPr id="2" name="Picture 1"/>
-          <p:cNvPicPr>
-            <a:picLocks noChangeAspect="1"/>
-          </p:cNvPicPr>
-          <p:nvPr/>
-        </p:nvPicPr>
-        <p:blipFill>
-          <a:blip r:embed="rId2">
+      <p:sp>
+        <p:nvSpPr>
+          <p:cNvPr id="2" name="Title 1">
             <a:extLst>
-              <a:ext uri="{28A0092B-C50C-407E-A947-70E740481C1C}">
-                <a14:useLocalDpi xmlns:a14="http://schemas.microsoft.com/office/drawing/2010/main" val="0"/>
+              <a:ext uri="{FF2B5EF4-FFF2-40B4-BE49-F238E27FC236}">
+                <a16:creationId xmlns:a16="http://schemas.microsoft.com/office/drawing/2014/main" id="{27FBC86B-35E6-B040-9EB7-935763A8688E}"/>
               </a:ext>
             </a:extLst>
-          </a:blip>
-          <a:stretch>
-            <a:fillRect/>
-          </a:stretch>
-        </p:blipFill>
-        <p:spPr>
-          <a:xfrm>
-            <a:off x="3352175" y="1599783"/>
-            <a:ext cx="5487650" cy="3658433"/>
-          </a:xfrm>
-          <a:prstGeom prst="rect">
-            <a:avLst/>
-          </a:prstGeom>
-        </p:spPr>
-      </p:pic>
+          </p:cNvPr>
+          <p:cNvSpPr>
+            <a:spLocks noGrp="1"/>
+          </p:cNvSpPr>
+          <p:nvPr>
+            <p:ph type="title"/>
+          </p:nvPr>
+        </p:nvSpPr>
+        <p:spPr/>
+        <p:txBody>
+          <a:bodyPr/>
+          <a:lstStyle/>
+          <a:p>
+            <a:r>
+              <a:rPr lang="en-US" dirty="0"/>
+              <a:t>Final Conclusions</a:t>
+            </a:r>
+          </a:p>
+        </p:txBody>
+      </p:sp>
+      <p:sp>
+        <p:nvSpPr>
+          <p:cNvPr id="3" name="Content Placeholder 2">
+            <a:extLst>
+              <a:ext uri="{FF2B5EF4-FFF2-40B4-BE49-F238E27FC236}">
+                <a16:creationId xmlns:a16="http://schemas.microsoft.com/office/drawing/2014/main" id="{04618FF0-E74D-874C-90D7-22C5A04592DD}"/>
+              </a:ext>
+            </a:extLst>
+          </p:cNvPr>
+          <p:cNvSpPr>
+            <a:spLocks noGrp="1"/>
+          </p:cNvSpPr>
+          <p:nvPr>
+            <p:ph idx="1"/>
+          </p:nvPr>
+        </p:nvSpPr>
+        <p:spPr/>
+        <p:txBody>
+          <a:bodyPr/>
+          <a:lstStyle/>
+          <a:p>
+            <a:endParaRPr lang="en-US"/>
+          </a:p>
+        </p:txBody>
+      </p:sp>
     </p:spTree>
     <p:extLst>
       <p:ext uri="{BB962C8B-B14F-4D97-AF65-F5344CB8AC3E}">
-        <p14:creationId xmlns:p14="http://schemas.microsoft.com/office/powerpoint/2010/main" val="2007209943"/>
-      </p:ext>
-    </p:extLst>
-  </p:cSld>
-  <p:clrMapOvr>
-    <a:masterClrMapping/>
-  </p:clrMapOvr>
-</p:sld>
-</file>
-
-<file path=ppt/slides/slide22.xml><?xml version="1.0" encoding="utf-8"?>
-<p:sld xmlns:a="http://schemas.openxmlformats.org/drawingml/2006/main" xmlns:r="http://schemas.openxmlformats.org/officeDocument/2006/relationships" xmlns:p="http://schemas.openxmlformats.org/presentationml/2006/main">
-  <p:cSld>
-    <p:spTree>
-      <p:nvGrpSpPr>
-        <p:cNvPr id="1" name=""/>
-        <p:cNvGrpSpPr/>
-        <p:nvPr/>
-      </p:nvGrpSpPr>
-      <p:grpSpPr>
-        <a:xfrm>
-          <a:off x="0" y="0"/>
-          <a:ext cx="0" cy="0"/>
-          <a:chOff x="0" y="0"/>
-          <a:chExt cx="0" cy="0"/>
-        </a:xfrm>
-      </p:grpSpPr>
-      <p:pic>
-        <p:nvPicPr>
-          <p:cNvPr id="2" name="Picture 1"/>
-          <p:cNvPicPr>
-            <a:picLocks noChangeAspect="1"/>
-          </p:cNvPicPr>
-          <p:nvPr/>
-        </p:nvPicPr>
-        <p:blipFill>
-          <a:blip r:embed="rId2">
-            <a:extLst>
-              <a:ext uri="{28A0092B-C50C-407E-A947-70E740481C1C}">
-                <a14:useLocalDpi xmlns:a14="http://schemas.microsoft.com/office/drawing/2010/main" val="0"/>
-              </a:ext>
-            </a:extLst>
-          </a:blip>
-          <a:stretch>
-            <a:fillRect/>
-          </a:stretch>
-        </p:blipFill>
-        <p:spPr>
-          <a:xfrm>
-            <a:off x="3352175" y="1599783"/>
-            <a:ext cx="5487650" cy="3658433"/>
-          </a:xfrm>
-          <a:prstGeom prst="rect">
-            <a:avLst/>
-          </a:prstGeom>
-        </p:spPr>
-      </p:pic>
-    </p:spTree>
-    <p:extLst>
-      <p:ext uri="{BB962C8B-B14F-4D97-AF65-F5344CB8AC3E}">
-        <p14:creationId xmlns:p14="http://schemas.microsoft.com/office/powerpoint/2010/main" val="1242203560"/>
+        <p14:creationId xmlns:p14="http://schemas.microsoft.com/office/powerpoint/2010/main" val="2014061176"/>
       </p:ext>
     </p:extLst>
   </p:cSld>
@@ -6576,10 +6961,9 @@
           <a:lstStyle/>
           <a:p>
             <a:r>
-              <a:rPr lang="en-US" dirty="0" smtClean="0"/>
+              <a:rPr lang="en-US" dirty="0"/>
               <a:t>The Basics…</a:t>
             </a:r>
-            <a:endParaRPr lang="en-US" dirty="0"/>
           </a:p>
         </p:txBody>
       </p:sp>
@@ -6599,55 +6983,55 @@
           <a:lstStyle/>
           <a:p>
             <a:r>
-              <a:rPr lang="en-US" dirty="0" smtClean="0"/>
+              <a:rPr lang="en-US" dirty="0"/>
               <a:t>Number of outbound flights in a year: </a:t>
             </a:r>
             <a:r>
-              <a:rPr lang="en-US" b="1" dirty="0" smtClean="0"/>
+              <a:rPr lang="en-US" b="1" dirty="0"/>
               <a:t>145,826</a:t>
             </a:r>
           </a:p>
           <a:p>
             <a:r>
-              <a:rPr lang="en-US" dirty="0" smtClean="0"/>
+              <a:rPr lang="en-US" dirty="0"/>
               <a:t>Number of inbound flights in a year: </a:t>
             </a:r>
             <a:r>
-              <a:rPr lang="en-US" b="1" dirty="0" smtClean="0"/>
+              <a:rPr lang="en-US" b="1" dirty="0"/>
               <a:t>145,798</a:t>
             </a:r>
           </a:p>
           <a:p>
             <a:r>
-              <a:rPr lang="en-US" dirty="0" smtClean="0"/>
+              <a:rPr lang="en-US" dirty="0"/>
               <a:t>Airlines: </a:t>
             </a:r>
             <a:r>
-              <a:rPr lang="en-US" b="1" dirty="0" smtClean="0"/>
+              <a:rPr lang="en-US" b="1" dirty="0"/>
               <a:t>Alaskan(AS), American(AA), Delta(DL), Endeavor(EV), Frontier(F9), </a:t>
             </a:r>
             <a:r>
-              <a:rPr lang="en-US" b="1" dirty="0" err="1" smtClean="0"/>
+              <a:rPr lang="en-US" b="1" dirty="0" err="1"/>
               <a:t>Skywest</a:t>
             </a:r>
             <a:r>
-              <a:rPr lang="en-US" b="1" dirty="0" smtClean="0"/>
+              <a:rPr lang="en-US" b="1" dirty="0"/>
               <a:t>(OO), Spirit(NK), Southwest(WN), United(UA)</a:t>
             </a:r>
           </a:p>
           <a:p>
             <a:r>
-              <a:rPr lang="en-US" dirty="0" smtClean="0"/>
+              <a:rPr lang="en-US" dirty="0"/>
               <a:t>Types of Delay Codes: </a:t>
             </a:r>
             <a:r>
-              <a:rPr lang="en-US" b="1" dirty="0" smtClean="0"/>
+              <a:rPr lang="en-US" b="1" dirty="0"/>
               <a:t>Weather, Carrier, NAA, Security, Late Arriving Equipment</a:t>
             </a:r>
           </a:p>
           <a:p>
             <a:r>
-              <a:rPr lang="en-US" dirty="0" smtClean="0"/>
+              <a:rPr lang="en-US" dirty="0"/>
               <a:t>Number of cities flown to by all airlines: </a:t>
             </a:r>
             <a:r>
@@ -6664,36 +7048,32 @@
             </a:r>
             <a:r>
               <a:rPr lang="en-US" dirty="0"/>
-              <a:t> international </a:t>
-            </a:r>
-            <a:r>
-              <a:rPr lang="en-US" dirty="0" smtClean="0"/>
-              <a:t>markets</a:t>
+              <a:t> international markets</a:t>
             </a:r>
           </a:p>
           <a:p>
             <a:pPr lvl="1"/>
             <a:r>
-              <a:rPr lang="en-US" dirty="0" smtClean="0"/>
+              <a:rPr lang="en-US" dirty="0"/>
               <a:t>Data only includes </a:t>
             </a:r>
             <a:r>
-              <a:rPr lang="en-US" b="1" dirty="0" smtClean="0"/>
+              <a:rPr lang="en-US" b="1" dirty="0"/>
               <a:t>Domestic US </a:t>
             </a:r>
             <a:r>
-              <a:rPr lang="en-US" dirty="0" smtClean="0"/>
+              <a:rPr lang="en-US" dirty="0"/>
               <a:t>airports</a:t>
             </a:r>
           </a:p>
           <a:p>
             <a:pPr lvl="1"/>
             <a:r>
-              <a:rPr lang="en-US" b="1" dirty="0" smtClean="0"/>
+              <a:rPr lang="en-US" b="1" dirty="0"/>
               <a:t>NO </a:t>
             </a:r>
             <a:r>
-              <a:rPr lang="en-US" dirty="0" smtClean="0"/>
+              <a:rPr lang="en-US" dirty="0"/>
               <a:t>international flights were analyzed</a:t>
             </a:r>
           </a:p>
@@ -6792,8 +7172,8 @@
         </p:blipFill>
         <p:spPr>
           <a:xfrm>
-            <a:off x="0" y="381000"/>
-            <a:ext cx="10058400" cy="5029200"/>
+            <a:off x="0" y="397627"/>
+            <a:ext cx="12205852" cy="6102926"/>
           </a:xfrm>
           <a:prstGeom prst="rect">
             <a:avLst/>
@@ -6803,7 +7183,7 @@
     </p:spTree>
     <p:extLst>
       <p:ext uri="{BB962C8B-B14F-4D97-AF65-F5344CB8AC3E}">
-        <p14:creationId xmlns:p14="http://schemas.microsoft.com/office/powerpoint/2010/main" val="171515394"/>
+        <p14:creationId xmlns:p14="http://schemas.microsoft.com/office/powerpoint/2010/main" val="476349976"/>
       </p:ext>
     </p:extLst>
   </p:cSld>
@@ -6832,20 +7212,20 @@
       </p:grpSpPr>
       <p:pic>
         <p:nvPicPr>
-          <p:cNvPr id="2" name="Picture 1"/>
+          <p:cNvPr id="4" name="Picture 3">
+            <a:extLst>
+              <a:ext uri="{FF2B5EF4-FFF2-40B4-BE49-F238E27FC236}">
+                <a16:creationId xmlns:a16="http://schemas.microsoft.com/office/drawing/2014/main" id="{CAC8D578-E064-5C4B-AB83-6E7E65753AEC}"/>
+              </a:ext>
+            </a:extLst>
+          </p:cNvPr>
           <p:cNvPicPr>
             <a:picLocks noChangeAspect="1"/>
           </p:cNvPicPr>
           <p:nvPr/>
         </p:nvPicPr>
         <p:blipFill>
-          <a:blip r:embed="rId2">
-            <a:extLst>
-              <a:ext uri="{28A0092B-C50C-407E-A947-70E740481C1C}">
-                <a14:useLocalDpi xmlns:a14="http://schemas.microsoft.com/office/drawing/2010/main" val="0"/>
-              </a:ext>
-            </a:extLst>
-          </a:blip>
+          <a:blip r:embed="rId2"/>
           <a:stretch>
             <a:fillRect/>
           </a:stretch>
@@ -6853,7 +7233,7 @@
         <p:spPr>
           <a:xfrm>
             <a:off x="0" y="381000"/>
-            <a:ext cx="10058400" cy="5029200"/>
+            <a:ext cx="12192000" cy="6096000"/>
           </a:xfrm>
           <a:prstGeom prst="rect">
             <a:avLst/>
@@ -6863,7 +7243,7 @@
     </p:spTree>
     <p:extLst>
       <p:ext uri="{BB962C8B-B14F-4D97-AF65-F5344CB8AC3E}">
-        <p14:creationId xmlns:p14="http://schemas.microsoft.com/office/powerpoint/2010/main" val="476349976"/>
+        <p14:creationId xmlns:p14="http://schemas.microsoft.com/office/powerpoint/2010/main" val="3466303662"/>
       </p:ext>
     </p:extLst>
   </p:cSld>
@@ -6892,28 +7272,28 @@
       </p:grpSpPr>
       <p:pic>
         <p:nvPicPr>
-          <p:cNvPr id="9" name="Picture 8"/>
+          <p:cNvPr id="3" name="Picture 2">
+            <a:extLst>
+              <a:ext uri="{FF2B5EF4-FFF2-40B4-BE49-F238E27FC236}">
+                <a16:creationId xmlns:a16="http://schemas.microsoft.com/office/drawing/2014/main" id="{434A2044-4643-D340-B648-05C9A71FE0EF}"/>
+              </a:ext>
+            </a:extLst>
+          </p:cNvPr>
           <p:cNvPicPr>
             <a:picLocks noChangeAspect="1"/>
           </p:cNvPicPr>
           <p:nvPr/>
         </p:nvPicPr>
         <p:blipFill>
-          <a:blip r:embed="rId2">
-            <a:extLst>
-              <a:ext uri="{28A0092B-C50C-407E-A947-70E740481C1C}">
-                <a14:useLocalDpi xmlns:a14="http://schemas.microsoft.com/office/drawing/2010/main" val="0"/>
-              </a:ext>
-            </a:extLst>
-          </a:blip>
+          <a:blip r:embed="rId2"/>
           <a:stretch>
             <a:fillRect/>
           </a:stretch>
         </p:blipFill>
         <p:spPr>
           <a:xfrm>
-            <a:off x="347472" y="417576"/>
-            <a:ext cx="10686288" cy="5343144"/>
+            <a:off x="0" y="381000"/>
+            <a:ext cx="12192000" cy="6096000"/>
           </a:xfrm>
           <a:prstGeom prst="rect">
             <a:avLst/>
@@ -6950,6 +7330,45 @@
           <a:chExt cx="0" cy="0"/>
         </a:xfrm>
       </p:grpSpPr>
+      <p:sp>
+        <p:nvSpPr>
+          <p:cNvPr id="3" name="AutoShape 2" descr="http://localhost:8888/files/Resources/Worst_Routes%20for_Departures_from_MSP.png"/>
+          <p:cNvSpPr>
+            <a:spLocks noChangeAspect="1" noChangeArrowheads="1"/>
+          </p:cNvSpPr>
+          <p:nvPr/>
+        </p:nvSpPr>
+        <p:spPr bwMode="auto">
+          <a:xfrm>
+            <a:off x="868806" y="1007681"/>
+            <a:ext cx="4763897" cy="4763913"/>
+          </a:xfrm>
+          <a:prstGeom prst="rect">
+            <a:avLst/>
+          </a:prstGeom>
+          <a:noFill/>
+          <a:extLst>
+            <a:ext uri="{909E8E84-426E-40DD-AFC4-6F175D3DCCD1}">
+              <a14:hiddenFill xmlns:a14="http://schemas.microsoft.com/office/drawing/2010/main">
+                <a:solidFill>
+                  <a:srgbClr val="FFFFFF"/>
+                </a:solidFill>
+              </a14:hiddenFill>
+            </a:ext>
+          </a:extLst>
+        </p:spPr>
+        <p:txBody>
+          <a:bodyPr vert="horz" wrap="square" lIns="91440" tIns="45720" rIns="91440" bIns="45720" numCol="1" anchor="t" anchorCtr="0" compatLnSpc="1">
+            <a:prstTxWarp prst="textNoShape">
+              <a:avLst/>
+            </a:prstTxWarp>
+          </a:bodyPr>
+          <a:lstStyle/>
+          <a:p>
+            <a:endParaRPr lang="en-US"/>
+          </a:p>
+        </p:txBody>
+      </p:sp>
       <p:pic>
         <p:nvPicPr>
           <p:cNvPr id="2" name="Picture 1"/>
@@ -6972,8 +7391,8 @@
         </p:blipFill>
         <p:spPr>
           <a:xfrm>
-            <a:off x="0" y="381000"/>
-            <a:ext cx="10058400" cy="5029200"/>
+            <a:off x="0" y="380999"/>
+            <a:ext cx="12205854" cy="6102927"/>
           </a:xfrm>
           <a:prstGeom prst="rect">
             <a:avLst/>
@@ -6983,7 +7402,7 @@
     </p:spTree>
     <p:extLst>
       <p:ext uri="{BB962C8B-B14F-4D97-AF65-F5344CB8AC3E}">
-        <p14:creationId xmlns:p14="http://schemas.microsoft.com/office/powerpoint/2010/main" val="461662732"/>
+        <p14:creationId xmlns:p14="http://schemas.microsoft.com/office/powerpoint/2010/main" val="2985141588"/>
       </p:ext>
     </p:extLst>
   </p:cSld>
@@ -7012,77 +7431,79 @@
       </p:grpSpPr>
       <p:sp>
         <p:nvSpPr>
-          <p:cNvPr id="3" name="AutoShape 2" descr="http://localhost:8888/files/Resources/Worst_Routes%20for_Departures_from_MSP.png"/>
-          <p:cNvSpPr>
-            <a:spLocks noChangeAspect="1" noChangeArrowheads="1"/>
-          </p:cNvSpPr>
-          <p:nvPr/>
-        </p:nvSpPr>
-        <p:spPr bwMode="auto">
-          <a:xfrm>
-            <a:off x="868806" y="1007681"/>
-            <a:ext cx="4763897" cy="4763913"/>
-          </a:xfrm>
-          <a:prstGeom prst="rect">
-            <a:avLst/>
-          </a:prstGeom>
-          <a:noFill/>
-          <a:extLst>
-            <a:ext uri="{909E8E84-426E-40DD-AFC4-6F175D3DCCD1}">
-              <a14:hiddenFill xmlns:a14="http://schemas.microsoft.com/office/drawing/2010/main">
-                <a:solidFill>
-                  <a:srgbClr val="FFFFFF"/>
-                </a:solidFill>
-              </a14:hiddenFill>
-            </a:ext>
-          </a:extLst>
-        </p:spPr>
-        <p:txBody>
-          <a:bodyPr vert="horz" wrap="square" lIns="91440" tIns="45720" rIns="91440" bIns="45720" numCol="1" anchor="t" anchorCtr="0" compatLnSpc="1">
-            <a:prstTxWarp prst="textNoShape">
-              <a:avLst/>
-            </a:prstTxWarp>
-          </a:bodyPr>
-          <a:lstStyle/>
-          <a:p>
-            <a:endParaRPr lang="en-US"/>
-          </a:p>
-        </p:txBody>
-      </p:sp>
-      <p:pic>
-        <p:nvPicPr>
-          <p:cNvPr id="2" name="Picture 1"/>
-          <p:cNvPicPr>
-            <a:picLocks noChangeAspect="1"/>
-          </p:cNvPicPr>
-          <p:nvPr/>
-        </p:nvPicPr>
-        <p:blipFill>
-          <a:blip r:embed="rId2">
+          <p:cNvPr id="2" name="Title 1">
             <a:extLst>
-              <a:ext uri="{28A0092B-C50C-407E-A947-70E740481C1C}">
-                <a14:useLocalDpi xmlns:a14="http://schemas.microsoft.com/office/drawing/2010/main" val="0"/>
+              <a:ext uri="{FF2B5EF4-FFF2-40B4-BE49-F238E27FC236}">
+                <a16:creationId xmlns:a16="http://schemas.microsoft.com/office/drawing/2014/main" id="{7C222611-9D83-5949-A3EE-A2C85F9188B5}"/>
               </a:ext>
             </a:extLst>
-          </a:blip>
-          <a:stretch>
-            <a:fillRect/>
-          </a:stretch>
-        </p:blipFill>
-        <p:spPr>
-          <a:xfrm>
-            <a:off x="0" y="381000"/>
-            <a:ext cx="10058400" cy="5029200"/>
-          </a:xfrm>
-          <a:prstGeom prst="rect">
-            <a:avLst/>
-          </a:prstGeom>
-        </p:spPr>
-      </p:pic>
+          </p:cNvPr>
+          <p:cNvSpPr>
+            <a:spLocks noGrp="1"/>
+          </p:cNvSpPr>
+          <p:nvPr>
+            <p:ph type="title"/>
+          </p:nvPr>
+        </p:nvSpPr>
+        <p:spPr/>
+        <p:txBody>
+          <a:bodyPr/>
+          <a:lstStyle/>
+          <a:p>
+            <a:r>
+              <a:rPr lang="en-US" dirty="0"/>
+              <a:t>Monthly Conclusions</a:t>
+            </a:r>
+          </a:p>
+        </p:txBody>
+      </p:sp>
+      <p:sp>
+        <p:nvSpPr>
+          <p:cNvPr id="3" name="Content Placeholder 2">
+            <a:extLst>
+              <a:ext uri="{FF2B5EF4-FFF2-40B4-BE49-F238E27FC236}">
+                <a16:creationId xmlns:a16="http://schemas.microsoft.com/office/drawing/2014/main" id="{980265B2-E9CA-7A45-A18D-BAF577869FDF}"/>
+              </a:ext>
+            </a:extLst>
+          </p:cNvPr>
+          <p:cNvSpPr>
+            <a:spLocks noGrp="1"/>
+          </p:cNvSpPr>
+          <p:nvPr>
+            <p:ph idx="1"/>
+          </p:nvPr>
+        </p:nvSpPr>
+        <p:spPr/>
+        <p:txBody>
+          <a:bodyPr/>
+          <a:lstStyle/>
+          <a:p>
+            <a:r>
+              <a:rPr lang="en-US" dirty="0"/>
+              <a:t>MSP Airport is the least busy in January/February</a:t>
+            </a:r>
+          </a:p>
+          <a:p>
+            <a:r>
+              <a:rPr lang="en-US" dirty="0"/>
+              <a:t>Flights in September/November are the least likely to be delayed</a:t>
+            </a:r>
+          </a:p>
+          <a:p>
+            <a:r>
+              <a:rPr lang="en-US" dirty="0"/>
+              <a:t>Flights leaving and arriving to MSP are most likely to be delayed in December/January/April </a:t>
+            </a:r>
+          </a:p>
+          <a:p>
+            <a:endParaRPr lang="en-US" dirty="0"/>
+          </a:p>
+        </p:txBody>
+      </p:sp>
     </p:spTree>
     <p:extLst>
       <p:ext uri="{BB962C8B-B14F-4D97-AF65-F5344CB8AC3E}">
-        <p14:creationId xmlns:p14="http://schemas.microsoft.com/office/powerpoint/2010/main" val="2985141588"/>
+        <p14:creationId xmlns:p14="http://schemas.microsoft.com/office/powerpoint/2010/main" val="2331460345"/>
       </p:ext>
     </p:extLst>
   </p:cSld>
@@ -7131,8 +7552,8 @@
         </p:blipFill>
         <p:spPr>
           <a:xfrm>
-            <a:off x="0" y="381000"/>
-            <a:ext cx="10058400" cy="5029200"/>
+            <a:off x="0" y="397625"/>
+            <a:ext cx="12205856" cy="6102928"/>
           </a:xfrm>
           <a:prstGeom prst="rect">
             <a:avLst/>
@@ -7142,7 +7563,7 @@
     </p:spTree>
     <p:extLst>
       <p:ext uri="{BB962C8B-B14F-4D97-AF65-F5344CB8AC3E}">
-        <p14:creationId xmlns:p14="http://schemas.microsoft.com/office/powerpoint/2010/main" val="3867287040"/>
+        <p14:creationId xmlns:p14="http://schemas.microsoft.com/office/powerpoint/2010/main" val="171515394"/>
       </p:ext>
     </p:extLst>
   </p:cSld>

--- a/Delay Analysis Team Delorean.pptx
+++ b/Delay Analysis Team Delorean.pptx
@@ -21,11 +21,12 @@
     <p:sldId id="266" r:id="rId15"/>
     <p:sldId id="267" r:id="rId16"/>
     <p:sldId id="270" r:id="rId17"/>
-    <p:sldId id="271" r:id="rId18"/>
-    <p:sldId id="282" r:id="rId19"/>
+    <p:sldId id="282" r:id="rId18"/>
+    <p:sldId id="271" r:id="rId19"/>
     <p:sldId id="283" r:id="rId20"/>
-    <p:sldId id="277" r:id="rId21"/>
-    <p:sldId id="284" r:id="rId22"/>
+    <p:sldId id="285" r:id="rId21"/>
+    <p:sldId id="277" r:id="rId22"/>
+    <p:sldId id="284" r:id="rId23"/>
   </p:sldIdLst>
   <p:sldSz cx="12192000" cy="6858000"/>
   <p:notesSz cx="6858000" cy="9144000"/>
@@ -500,7 +501,7 @@
             <a:fld id="{3C633830-2244-49AE-BC4A-47F415C177C6}" type="datetimeFigureOut">
               <a:rPr lang="en-US" dirty="0"/>
               <a:pPr/>
-              <a:t>10/8/18</a:t>
+              <a:t>10/10/2018</a:t>
             </a:fld>
             <a:endParaRPr lang="en-US" dirty="0"/>
           </a:p>
@@ -743,7 +744,7 @@
           <a:p>
             <a:fld id="{3C633830-2244-49AE-BC4A-47F415C177C6}" type="datetimeFigureOut">
               <a:rPr lang="en-US" dirty="0"/>
-              <a:t>10/8/18</a:t>
+              <a:t>10/10/2018</a:t>
             </a:fld>
             <a:endParaRPr lang="en-US" dirty="0"/>
           </a:p>
@@ -1124,7 +1125,7 @@
           <a:p>
             <a:fld id="{3C633830-2244-49AE-BC4A-47F415C177C6}" type="datetimeFigureOut">
               <a:rPr lang="en-US" dirty="0"/>
-              <a:t>10/8/18</a:t>
+              <a:t>10/10/2018</a:t>
             </a:fld>
             <a:endParaRPr lang="en-US" dirty="0"/>
           </a:p>
@@ -1348,7 +1349,7 @@
           <a:p>
             <a:fld id="{3C633830-2244-49AE-BC4A-47F415C177C6}" type="datetimeFigureOut">
               <a:rPr lang="en-US" dirty="0"/>
-              <a:t>10/8/18</a:t>
+              <a:t>10/10/2018</a:t>
             </a:fld>
             <a:endParaRPr lang="en-US" dirty="0"/>
           </a:p>
@@ -1835,7 +1836,7 @@
             <a:fld id="{3C633830-2244-49AE-BC4A-47F415C177C6}" type="datetimeFigureOut">
               <a:rPr lang="en-US" dirty="0"/>
               <a:pPr/>
-              <a:t>10/8/18</a:t>
+              <a:t>10/10/2018</a:t>
             </a:fld>
             <a:endParaRPr lang="en-US" dirty="0"/>
           </a:p>
@@ -2141,7 +2142,7 @@
           <a:p>
             <a:fld id="{3C633830-2244-49AE-BC4A-47F415C177C6}" type="datetimeFigureOut">
               <a:rPr lang="en-US" dirty="0"/>
-              <a:t>10/8/18</a:t>
+              <a:t>10/10/2018</a:t>
             </a:fld>
             <a:endParaRPr lang="en-US" dirty="0"/>
           </a:p>
@@ -2527,7 +2528,7 @@
           <a:p>
             <a:fld id="{3C633830-2244-49AE-BC4A-47F415C177C6}" type="datetimeFigureOut">
               <a:rPr lang="en-US" dirty="0"/>
-              <a:t>10/8/18</a:t>
+              <a:t>10/10/2018</a:t>
             </a:fld>
             <a:endParaRPr lang="en-US" dirty="0"/>
           </a:p>
@@ -2640,7 +2641,7 @@
           <a:p>
             <a:fld id="{3C633830-2244-49AE-BC4A-47F415C177C6}" type="datetimeFigureOut">
               <a:rPr lang="en-US" dirty="0"/>
-              <a:t>10/8/18</a:t>
+              <a:t>10/10/2018</a:t>
             </a:fld>
             <a:endParaRPr lang="en-US" dirty="0"/>
           </a:p>
@@ -2730,7 +2731,7 @@
           <a:p>
             <a:fld id="{3C633830-2244-49AE-BC4A-47F415C177C6}" type="datetimeFigureOut">
               <a:rPr lang="en-US" dirty="0"/>
-              <a:t>10/8/18</a:t>
+              <a:t>10/10/2018</a:t>
             </a:fld>
             <a:endParaRPr lang="en-US" dirty="0"/>
           </a:p>
@@ -3025,7 +3026,7 @@
           <a:p>
             <a:fld id="{3C633830-2244-49AE-BC4A-47F415C177C6}" type="datetimeFigureOut">
               <a:rPr lang="en-US" dirty="0"/>
-              <a:t>10/8/18</a:t>
+              <a:t>10/10/2018</a:t>
             </a:fld>
             <a:endParaRPr lang="en-US" dirty="0"/>
           </a:p>
@@ -3285,7 +3286,7 @@
           <a:p>
             <a:fld id="{3C633830-2244-49AE-BC4A-47F415C177C6}" type="datetimeFigureOut">
               <a:rPr lang="en-US" dirty="0"/>
-              <a:t>10/8/18</a:t>
+              <a:t>10/10/2018</a:t>
             </a:fld>
             <a:endParaRPr lang="en-US" dirty="0"/>
           </a:p>
@@ -3699,7 +3700,7 @@
             <a:fld id="{3C633830-2244-49AE-BC4A-47F415C177C6}" type="datetimeFigureOut">
               <a:rPr lang="en-US" dirty="0"/>
               <a:pPr/>
-              <a:t>10/8/18</a:t>
+              <a:t>10/10/2018</a:t>
             </a:fld>
             <a:endParaRPr lang="en-US" dirty="0"/>
           </a:p>
@@ -4299,7 +4300,7 @@
           <p:cNvPr id="4" name="Picture 3">
             <a:extLst>
               <a:ext uri="{FF2B5EF4-FFF2-40B4-BE49-F238E27FC236}">
-                <a16:creationId xmlns:a16="http://schemas.microsoft.com/office/drawing/2014/main" id="{444B296D-E3C5-504E-AC0D-86CE939C05CE}"/>
+                <a16:creationId xmlns:a16="http://schemas.microsoft.com/office/drawing/2014/main" xmlns="" id="{444B296D-E3C5-504E-AC0D-86CE939C05CE}"/>
               </a:ext>
             </a:extLst>
           </p:cNvPr>
@@ -4479,7 +4480,7 @@
           <p:cNvPr id="2" name="Title 1">
             <a:extLst>
               <a:ext uri="{FF2B5EF4-FFF2-40B4-BE49-F238E27FC236}">
-                <a16:creationId xmlns:a16="http://schemas.microsoft.com/office/drawing/2014/main" id="{7C222611-9D83-5949-A3EE-A2C85F9188B5}"/>
+                <a16:creationId xmlns:a16="http://schemas.microsoft.com/office/drawing/2014/main" xmlns="" id="{7C222611-9D83-5949-A3EE-A2C85F9188B5}"/>
               </a:ext>
             </a:extLst>
           </p:cNvPr>
@@ -4507,7 +4508,7 @@
           <p:cNvPr id="3" name="Content Placeholder 2">
             <a:extLst>
               <a:ext uri="{FF2B5EF4-FFF2-40B4-BE49-F238E27FC236}">
-                <a16:creationId xmlns:a16="http://schemas.microsoft.com/office/drawing/2014/main" id="{980265B2-E9CA-7A45-A18D-BAF577869FDF}"/>
+                <a16:creationId xmlns:a16="http://schemas.microsoft.com/office/drawing/2014/main" xmlns="" id="{980265B2-E9CA-7A45-A18D-BAF577869FDF}"/>
               </a:ext>
             </a:extLst>
           </p:cNvPr>
@@ -4610,7 +4611,7 @@
           <p:cNvPr id="3" name="Picture 2">
             <a:extLst>
               <a:ext uri="{FF2B5EF4-FFF2-40B4-BE49-F238E27FC236}">
-                <a16:creationId xmlns:a16="http://schemas.microsoft.com/office/drawing/2014/main" id="{8990E915-6A5B-094D-9CD0-D4592997B3FE}"/>
+                <a16:creationId xmlns:a16="http://schemas.microsoft.com/office/drawing/2014/main" xmlns="" id="{8990E915-6A5B-094D-9CD0-D4592997B3FE}"/>
               </a:ext>
             </a:extLst>
           </p:cNvPr>
@@ -4706,7 +4707,7 @@
           <p:cNvPr id="3" name="Picture 2">
             <a:extLst>
               <a:ext uri="{FF2B5EF4-FFF2-40B4-BE49-F238E27FC236}">
-                <a16:creationId xmlns:a16="http://schemas.microsoft.com/office/drawing/2014/main" id="{2265A21F-F27C-944D-9649-BC46F4ECBAF4}"/>
+                <a16:creationId xmlns:a16="http://schemas.microsoft.com/office/drawing/2014/main" xmlns="" id="{2265A21F-F27C-944D-9649-BC46F4ECBAF4}"/>
               </a:ext>
             </a:extLst>
           </p:cNvPr>
@@ -4742,7 +4743,7 @@
           <p:cNvPr id="4" name="Content Placeholder 2">
             <a:extLst>
               <a:ext uri="{FF2B5EF4-FFF2-40B4-BE49-F238E27FC236}">
-                <a16:creationId xmlns:a16="http://schemas.microsoft.com/office/drawing/2014/main" id="{D44B0A4D-BD32-5242-9C5B-FD1E25999FDA}"/>
+                <a16:creationId xmlns:a16="http://schemas.microsoft.com/office/drawing/2014/main" xmlns="" id="{D44B0A4D-BD32-5242-9C5B-FD1E25999FDA}"/>
               </a:ext>
             </a:extLst>
           </p:cNvPr>
@@ -5026,7 +5027,7 @@
           <p:cNvPr id="3" name="Picture 2">
             <a:extLst>
               <a:ext uri="{FF2B5EF4-FFF2-40B4-BE49-F238E27FC236}">
-                <a16:creationId xmlns:a16="http://schemas.microsoft.com/office/drawing/2014/main" id="{048A5D34-4FC0-6C4B-A4E4-6B051B71F605}"/>
+                <a16:creationId xmlns:a16="http://schemas.microsoft.com/office/drawing/2014/main" xmlns="" id="{048A5D34-4FC0-6C4B-A4E4-6B051B71F605}"/>
               </a:ext>
             </a:extLst>
           </p:cNvPr>
@@ -5057,6 +5058,176 @@
           </a:prstGeom>
         </p:spPr>
       </p:pic>
+      <p:sp>
+        <p:nvSpPr>
+          <p:cNvPr id="4" name="TextBox 3"/>
+          <p:cNvSpPr txBox="1"/>
+          <p:nvPr/>
+        </p:nvSpPr>
+        <p:spPr>
+          <a:xfrm>
+            <a:off x="371912" y="4233672"/>
+            <a:ext cx="3194248" cy="1908215"/>
+          </a:xfrm>
+          <a:prstGeom prst="rect">
+            <a:avLst/>
+          </a:prstGeom>
+          <a:noFill/>
+        </p:spPr>
+        <p:txBody>
+          <a:bodyPr wrap="square" rtlCol="0">
+            <a:spAutoFit/>
+          </a:bodyPr>
+          <a:lstStyle/>
+          <a:p>
+            <a:r>
+              <a:rPr lang="en-US" b="1" dirty="0" smtClean="0"/>
+              <a:t>Airport Codes Key:</a:t>
+            </a:r>
+          </a:p>
+          <a:p>
+            <a:r>
+              <a:rPr lang="en-US" sz="2000" dirty="0" smtClean="0"/>
+              <a:t>ISN: Williston, ND</a:t>
+            </a:r>
+          </a:p>
+          <a:p>
+            <a:r>
+              <a:rPr lang="en-US" sz="2000" dirty="0" smtClean="0"/>
+              <a:t>BMI: Bloomington, IN</a:t>
+            </a:r>
+          </a:p>
+          <a:p>
+            <a:r>
+              <a:rPr lang="en-US" sz="2000" dirty="0" smtClean="0"/>
+              <a:t>INL: International Falls, MN</a:t>
+            </a:r>
+          </a:p>
+          <a:p>
+            <a:r>
+              <a:rPr lang="en-US" sz="2000" dirty="0" smtClean="0"/>
+              <a:t>ABR: Aberdeen, SD</a:t>
+            </a:r>
+          </a:p>
+          <a:p>
+            <a:r>
+              <a:rPr lang="en-US" sz="2000" dirty="0" smtClean="0"/>
+              <a:t>HIB: Hibbing, MN</a:t>
+            </a:r>
+          </a:p>
+        </p:txBody>
+      </p:sp>
+      <p:sp>
+        <p:nvSpPr>
+          <p:cNvPr id="5" name="TextBox 4"/>
+          <p:cNvSpPr txBox="1"/>
+          <p:nvPr/>
+        </p:nvSpPr>
+        <p:spPr>
+          <a:xfrm>
+            <a:off x="3822192" y="4233672"/>
+            <a:ext cx="3483864" cy="1938992"/>
+          </a:xfrm>
+          <a:prstGeom prst="rect">
+            <a:avLst/>
+          </a:prstGeom>
+          <a:noFill/>
+        </p:spPr>
+        <p:txBody>
+          <a:bodyPr wrap="square" rtlCol="0">
+            <a:spAutoFit/>
+          </a:bodyPr>
+          <a:lstStyle/>
+          <a:p>
+            <a:r>
+              <a:rPr lang="en-US" sz="2000" dirty="0"/>
+              <a:t>LAN: Lansing, MI</a:t>
+            </a:r>
+          </a:p>
+          <a:p>
+            <a:r>
+              <a:rPr lang="en-US" sz="2000" dirty="0"/>
+              <a:t>IND: Indianapolis, IN</a:t>
+            </a:r>
+          </a:p>
+          <a:p>
+            <a:r>
+              <a:rPr lang="en-US" sz="2000" dirty="0"/>
+              <a:t>MSY: New Orleans, LA</a:t>
+            </a:r>
+          </a:p>
+          <a:p>
+            <a:r>
+              <a:rPr lang="en-US" sz="2000" dirty="0"/>
+              <a:t>BJI: Bemidji, MN</a:t>
+            </a:r>
+          </a:p>
+          <a:p>
+            <a:r>
+              <a:rPr lang="en-US" sz="2000" dirty="0"/>
+              <a:t>BRD: Brainerd, </a:t>
+            </a:r>
+            <a:r>
+              <a:rPr lang="en-US" sz="2000" dirty="0" smtClean="0"/>
+              <a:t>MN</a:t>
+            </a:r>
+          </a:p>
+          <a:p>
+            <a:r>
+              <a:rPr lang="en-US" sz="2000" dirty="0" smtClean="0"/>
+              <a:t>AUS: Austin, TX</a:t>
+            </a:r>
+            <a:endParaRPr lang="en-US" sz="2000" dirty="0"/>
+          </a:p>
+        </p:txBody>
+      </p:sp>
+      <p:sp>
+        <p:nvSpPr>
+          <p:cNvPr id="6" name="TextBox 5"/>
+          <p:cNvSpPr txBox="1"/>
+          <p:nvPr/>
+        </p:nvSpPr>
+        <p:spPr>
+          <a:xfrm>
+            <a:off x="6461760" y="4202895"/>
+            <a:ext cx="3483864" cy="1015663"/>
+          </a:xfrm>
+          <a:prstGeom prst="rect">
+            <a:avLst/>
+          </a:prstGeom>
+          <a:noFill/>
+        </p:spPr>
+        <p:txBody>
+          <a:bodyPr wrap="square" rtlCol="0">
+            <a:spAutoFit/>
+          </a:bodyPr>
+          <a:lstStyle/>
+          <a:p>
+            <a:r>
+              <a:rPr lang="en-US" sz="2000" dirty="0" smtClean="0"/>
+              <a:t>IMT: </a:t>
+            </a:r>
+            <a:r>
+              <a:rPr lang="en-US" sz="2000" dirty="0"/>
+              <a:t>Lansing, MI</a:t>
+            </a:r>
+          </a:p>
+          <a:p>
+            <a:r>
+              <a:rPr lang="en-US" sz="2000" dirty="0" smtClean="0"/>
+              <a:t>SLC: Salt Lake City, UT</a:t>
+            </a:r>
+            <a:endParaRPr lang="en-US" sz="2000" dirty="0"/>
+          </a:p>
+          <a:p>
+            <a:r>
+              <a:rPr lang="en-US" sz="2000" dirty="0" smtClean="0"/>
+              <a:t>ANC: Anchorage, AK</a:t>
+            </a:r>
+            <a:endParaRPr lang="en-US" sz="2000" dirty="0"/>
+          </a:p>
+        </p:txBody>
+      </p:sp>
     </p:spTree>
     <p:extLst>
       <p:ext uri="{BB962C8B-B14F-4D97-AF65-F5344CB8AC3E}">
@@ -5071,6 +5242,247 @@
 </file>
 
 <file path=ppt/slides/slide17.xml><?xml version="1.0" encoding="utf-8"?>
+<p:sld xmlns:a="http://schemas.openxmlformats.org/drawingml/2006/main" xmlns:r="http://schemas.openxmlformats.org/officeDocument/2006/relationships" xmlns:p="http://schemas.openxmlformats.org/presentationml/2006/main">
+  <p:cSld>
+    <p:spTree>
+      <p:nvGrpSpPr>
+        <p:cNvPr id="1" name=""/>
+        <p:cNvGrpSpPr/>
+        <p:nvPr/>
+      </p:nvGrpSpPr>
+      <p:grpSpPr>
+        <a:xfrm>
+          <a:off x="0" y="0"/>
+          <a:ext cx="0" cy="0"/>
+          <a:chOff x="0" y="0"/>
+          <a:chExt cx="0" cy="0"/>
+        </a:xfrm>
+      </p:grpSpPr>
+      <p:pic>
+        <p:nvPicPr>
+          <p:cNvPr id="3" name="Picture 2">
+            <a:extLst>
+              <a:ext uri="{FF2B5EF4-FFF2-40B4-BE49-F238E27FC236}">
+                <a16:creationId xmlns:a16="http://schemas.microsoft.com/office/drawing/2014/main" xmlns="" id="{0776B64F-AB54-7446-9C4E-190CA18A4C88}"/>
+              </a:ext>
+            </a:extLst>
+          </p:cNvPr>
+          <p:cNvPicPr>
+            <a:picLocks noChangeAspect="1"/>
+          </p:cNvPicPr>
+          <p:nvPr/>
+        </p:nvPicPr>
+        <p:blipFill>
+          <a:blip r:embed="rId2"/>
+          <a:stretch>
+            <a:fillRect/>
+          </a:stretch>
+        </p:blipFill>
+        <p:spPr>
+          <a:xfrm>
+            <a:off x="371912" y="211144"/>
+            <a:ext cx="5486400" cy="3657600"/>
+          </a:xfrm>
+          <a:prstGeom prst="rect">
+            <a:avLst/>
+          </a:prstGeom>
+        </p:spPr>
+      </p:pic>
+      <p:pic>
+        <p:nvPicPr>
+          <p:cNvPr id="4" name="Picture 3">
+            <a:extLst>
+              <a:ext uri="{FF2B5EF4-FFF2-40B4-BE49-F238E27FC236}">
+                <a16:creationId xmlns:a16="http://schemas.microsoft.com/office/drawing/2014/main" xmlns="" id="{4BF84504-9EAE-4643-BD0D-1D99C452A4E3}"/>
+              </a:ext>
+            </a:extLst>
+          </p:cNvPr>
+          <p:cNvPicPr>
+            <a:picLocks noChangeAspect="1"/>
+          </p:cNvPicPr>
+          <p:nvPr/>
+        </p:nvPicPr>
+        <p:blipFill>
+          <a:blip r:embed="rId3"/>
+          <a:stretch>
+            <a:fillRect/>
+          </a:stretch>
+        </p:blipFill>
+        <p:spPr>
+          <a:xfrm>
+            <a:off x="6352088" y="268296"/>
+            <a:ext cx="5486400" cy="3657600"/>
+          </a:xfrm>
+          <a:prstGeom prst="rect">
+            <a:avLst/>
+          </a:prstGeom>
+        </p:spPr>
+      </p:pic>
+      <p:sp>
+        <p:nvSpPr>
+          <p:cNvPr id="6" name="TextBox 5"/>
+          <p:cNvSpPr txBox="1"/>
+          <p:nvPr/>
+        </p:nvSpPr>
+        <p:spPr>
+          <a:xfrm>
+            <a:off x="371912" y="4031164"/>
+            <a:ext cx="3194248" cy="1908215"/>
+          </a:xfrm>
+          <a:prstGeom prst="rect">
+            <a:avLst/>
+          </a:prstGeom>
+          <a:noFill/>
+        </p:spPr>
+        <p:txBody>
+          <a:bodyPr wrap="square" rtlCol="0">
+            <a:spAutoFit/>
+          </a:bodyPr>
+          <a:lstStyle/>
+          <a:p>
+            <a:r>
+              <a:rPr lang="en-US" b="1" dirty="0" smtClean="0"/>
+              <a:t>Airport Codes Key:</a:t>
+            </a:r>
+          </a:p>
+          <a:p>
+            <a:r>
+              <a:rPr lang="en-US" sz="2000" dirty="0" smtClean="0"/>
+              <a:t>EWR: Newark, NJ</a:t>
+            </a:r>
+          </a:p>
+          <a:p>
+            <a:r>
+              <a:rPr lang="en-US" sz="2000" dirty="0" smtClean="0"/>
+              <a:t>RIC: Richmond, VA</a:t>
+            </a:r>
+          </a:p>
+          <a:p>
+            <a:r>
+              <a:rPr lang="en-US" sz="2000" dirty="0" smtClean="0"/>
+              <a:t>SFO: San Francisco, CA</a:t>
+            </a:r>
+          </a:p>
+          <a:p>
+            <a:r>
+              <a:rPr lang="en-US" sz="2000" dirty="0" smtClean="0"/>
+              <a:t>LGA: New York LaGuardia, NY</a:t>
+            </a:r>
+          </a:p>
+        </p:txBody>
+      </p:sp>
+      <p:sp>
+        <p:nvSpPr>
+          <p:cNvPr id="7" name="TextBox 6"/>
+          <p:cNvSpPr txBox="1"/>
+          <p:nvPr/>
+        </p:nvSpPr>
+        <p:spPr>
+          <a:xfrm>
+            <a:off x="3822192" y="4233672"/>
+            <a:ext cx="3483864" cy="1938992"/>
+          </a:xfrm>
+          <a:prstGeom prst="rect">
+            <a:avLst/>
+          </a:prstGeom>
+          <a:noFill/>
+        </p:spPr>
+        <p:txBody>
+          <a:bodyPr wrap="square" rtlCol="0">
+            <a:spAutoFit/>
+          </a:bodyPr>
+          <a:lstStyle/>
+          <a:p>
+            <a:r>
+              <a:rPr lang="en-US" sz="2000" dirty="0"/>
+              <a:t>JFK: New York John F. Kennedy, NY</a:t>
+            </a:r>
+          </a:p>
+          <a:p>
+            <a:r>
+              <a:rPr lang="en-US" sz="2000" dirty="0" smtClean="0"/>
+              <a:t>OKC: Oklahoma City, OK</a:t>
+            </a:r>
+          </a:p>
+          <a:p>
+            <a:r>
+              <a:rPr lang="en-US" sz="2000" dirty="0" smtClean="0"/>
+              <a:t>XNA: Bentonville, AK</a:t>
+            </a:r>
+          </a:p>
+          <a:p>
+            <a:r>
+              <a:rPr lang="en-US" sz="2000" dirty="0" smtClean="0"/>
+              <a:t>BOS: Boston, MA</a:t>
+            </a:r>
+            <a:endParaRPr lang="en-US" sz="2000" dirty="0"/>
+          </a:p>
+          <a:p>
+            <a:r>
+              <a:rPr lang="en-US" sz="2000" dirty="0" smtClean="0"/>
+              <a:t>MDW: Chicago Midway, IL</a:t>
+            </a:r>
+            <a:endParaRPr lang="en-US" sz="2000" dirty="0"/>
+          </a:p>
+        </p:txBody>
+      </p:sp>
+      <p:sp>
+        <p:nvSpPr>
+          <p:cNvPr id="8" name="TextBox 7"/>
+          <p:cNvSpPr txBox="1"/>
+          <p:nvPr/>
+        </p:nvSpPr>
+        <p:spPr>
+          <a:xfrm>
+            <a:off x="7165848" y="4233672"/>
+            <a:ext cx="3483864" cy="1015663"/>
+          </a:xfrm>
+          <a:prstGeom prst="rect">
+            <a:avLst/>
+          </a:prstGeom>
+          <a:noFill/>
+        </p:spPr>
+        <p:txBody>
+          <a:bodyPr wrap="square" rtlCol="0">
+            <a:spAutoFit/>
+          </a:bodyPr>
+          <a:lstStyle/>
+          <a:p>
+            <a:r>
+              <a:rPr lang="en-US" sz="2000" dirty="0"/>
+              <a:t>CLE: Cleveland, OH</a:t>
+            </a:r>
+          </a:p>
+          <a:p>
+            <a:r>
+              <a:rPr lang="en-US" sz="2000" dirty="0" smtClean="0"/>
+              <a:t>LAX: Los Angeles, CA</a:t>
+            </a:r>
+            <a:endParaRPr lang="en-US" sz="2000" dirty="0"/>
+          </a:p>
+          <a:p>
+            <a:r>
+              <a:rPr lang="en-US" sz="2000" dirty="0" smtClean="0"/>
+              <a:t>IAH: Houston, TX</a:t>
+            </a:r>
+            <a:endParaRPr lang="en-US" sz="2000" dirty="0"/>
+          </a:p>
+        </p:txBody>
+      </p:sp>
+    </p:spTree>
+    <p:extLst>
+      <p:ext uri="{BB962C8B-B14F-4D97-AF65-F5344CB8AC3E}">
+        <p14:creationId xmlns:p14="http://schemas.microsoft.com/office/powerpoint/2010/main" val="653027367"/>
+      </p:ext>
+    </p:extLst>
+  </p:cSld>
+  <p:clrMapOvr>
+    <a:masterClrMapping/>
+  </p:clrMapOvr>
+</p:sld>
+</file>
+
+<file path=ppt/slides/slide18.xml><?xml version="1.0" encoding="utf-8"?>
 <p:sld xmlns:a="http://schemas.openxmlformats.org/drawingml/2006/main" xmlns:r="http://schemas.openxmlformats.org/officeDocument/2006/relationships" xmlns:p="http://schemas.openxmlformats.org/presentationml/2006/main">
   <p:cSld>
     <p:spTree>
@@ -5122,7 +5534,7 @@
           <p:cNvPr id="3" name="Picture 2">
             <a:extLst>
               <a:ext uri="{FF2B5EF4-FFF2-40B4-BE49-F238E27FC236}">
-                <a16:creationId xmlns:a16="http://schemas.microsoft.com/office/drawing/2014/main" id="{8CF346E0-7A97-8C4C-8AC7-B7092C830A93}"/>
+                <a16:creationId xmlns:a16="http://schemas.microsoft.com/office/drawing/2014/main" xmlns="" id="{8CF346E0-7A97-8C4C-8AC7-B7092C830A93}"/>
               </a:ext>
             </a:extLst>
           </p:cNvPr>
@@ -5153,100 +5565,191 @@
           </a:prstGeom>
         </p:spPr>
       </p:pic>
+      <p:sp>
+        <p:nvSpPr>
+          <p:cNvPr id="4" name="TextBox 3"/>
+          <p:cNvSpPr txBox="1"/>
+          <p:nvPr/>
+        </p:nvSpPr>
+        <p:spPr>
+          <a:xfrm>
+            <a:off x="371912" y="4233672"/>
+            <a:ext cx="3194248" cy="1908215"/>
+          </a:xfrm>
+          <a:prstGeom prst="rect">
+            <a:avLst/>
+          </a:prstGeom>
+          <a:noFill/>
+        </p:spPr>
+        <p:txBody>
+          <a:bodyPr wrap="square" rtlCol="0">
+            <a:spAutoFit/>
+          </a:bodyPr>
+          <a:lstStyle/>
+          <a:p>
+            <a:r>
+              <a:rPr lang="en-US" b="1" dirty="0" smtClean="0"/>
+              <a:t>Airport Codes Key:</a:t>
+            </a:r>
+          </a:p>
+          <a:p>
+            <a:r>
+              <a:rPr lang="en-US" sz="2000" dirty="0" smtClean="0"/>
+              <a:t>BMI: Bloomington, IN</a:t>
+            </a:r>
+          </a:p>
+          <a:p>
+            <a:r>
+              <a:rPr lang="en-US" sz="2000" dirty="0" smtClean="0"/>
+              <a:t>GTF: Great Falls, MI</a:t>
+            </a:r>
+          </a:p>
+          <a:p>
+            <a:r>
+              <a:rPr lang="en-US" sz="2000" dirty="0" smtClean="0"/>
+              <a:t>PSC: Pasco, WA</a:t>
+            </a:r>
+          </a:p>
+          <a:p>
+            <a:r>
+              <a:rPr lang="en-US" sz="2000" dirty="0" smtClean="0"/>
+              <a:t>BIL: Billings, MT</a:t>
+            </a:r>
+          </a:p>
+          <a:p>
+            <a:r>
+              <a:rPr lang="en-US" sz="2000" dirty="0" smtClean="0"/>
+              <a:t>MSO: Missoula, MT</a:t>
+            </a:r>
+          </a:p>
+        </p:txBody>
+      </p:sp>
+      <p:sp>
+        <p:nvSpPr>
+          <p:cNvPr id="5" name="TextBox 4"/>
+          <p:cNvSpPr txBox="1"/>
+          <p:nvPr/>
+        </p:nvSpPr>
+        <p:spPr>
+          <a:xfrm>
+            <a:off x="3822192" y="4233672"/>
+            <a:ext cx="3483864" cy="1938992"/>
+          </a:xfrm>
+          <a:prstGeom prst="rect">
+            <a:avLst/>
+          </a:prstGeom>
+          <a:noFill/>
+        </p:spPr>
+        <p:txBody>
+          <a:bodyPr wrap="square" rtlCol="0">
+            <a:spAutoFit/>
+          </a:bodyPr>
+          <a:lstStyle/>
+          <a:p>
+            <a:r>
+              <a:rPr lang="en-US" sz="2000" dirty="0" smtClean="0"/>
+              <a:t>ICT: Wichita, KS</a:t>
+            </a:r>
+          </a:p>
+          <a:p>
+            <a:r>
+              <a:rPr lang="en-US" sz="2000" dirty="0" smtClean="0"/>
+              <a:t>LAN: Lansing, MI</a:t>
+            </a:r>
+          </a:p>
+          <a:p>
+            <a:r>
+              <a:rPr lang="en-US" sz="2000" dirty="0" smtClean="0"/>
+              <a:t>INL</a:t>
+            </a:r>
+            <a:r>
+              <a:rPr lang="en-US" sz="2000" dirty="0"/>
+              <a:t>: International Falls, MN</a:t>
+            </a:r>
+          </a:p>
+          <a:p>
+            <a:r>
+              <a:rPr lang="en-US" sz="2000" dirty="0" smtClean="0"/>
+              <a:t>TUL: Tulsa, OK</a:t>
+            </a:r>
+            <a:endParaRPr lang="en-US" sz="2000" dirty="0"/>
+          </a:p>
+          <a:p>
+            <a:r>
+              <a:rPr lang="en-US" sz="2000" dirty="0" smtClean="0"/>
+              <a:t>LSE: La Crosse, WI</a:t>
+            </a:r>
+          </a:p>
+          <a:p>
+            <a:r>
+              <a:rPr lang="en-US" sz="2000" dirty="0" smtClean="0"/>
+              <a:t>SJC: San Jose, CA</a:t>
+            </a:r>
+            <a:endParaRPr lang="en-US" sz="2000" dirty="0"/>
+          </a:p>
+        </p:txBody>
+      </p:sp>
+      <p:sp>
+        <p:nvSpPr>
+          <p:cNvPr id="7" name="TextBox 6"/>
+          <p:cNvSpPr txBox="1"/>
+          <p:nvPr/>
+        </p:nvSpPr>
+        <p:spPr>
+          <a:xfrm>
+            <a:off x="7165848" y="4233672"/>
+            <a:ext cx="3483864" cy="1631216"/>
+          </a:xfrm>
+          <a:prstGeom prst="rect">
+            <a:avLst/>
+          </a:prstGeom>
+          <a:noFill/>
+        </p:spPr>
+        <p:txBody>
+          <a:bodyPr wrap="square" rtlCol="0">
+            <a:spAutoFit/>
+          </a:bodyPr>
+          <a:lstStyle/>
+          <a:p>
+            <a:r>
+              <a:rPr lang="en-US" sz="2000" dirty="0" smtClean="0"/>
+              <a:t>ANC: Anchorage, AK</a:t>
+            </a:r>
+            <a:endParaRPr lang="en-US" sz="2000" dirty="0"/>
+          </a:p>
+          <a:p>
+            <a:r>
+              <a:rPr lang="en-US" sz="2000" dirty="0" smtClean="0"/>
+              <a:t>SMF: Sacramento, CA</a:t>
+            </a:r>
+            <a:endParaRPr lang="en-US" sz="2000" dirty="0"/>
+          </a:p>
+          <a:p>
+            <a:r>
+              <a:rPr lang="en-US" sz="2000" dirty="0" smtClean="0"/>
+              <a:t>SAN: San Diego, CA</a:t>
+            </a:r>
+            <a:endParaRPr lang="en-US" sz="2000" dirty="0"/>
+          </a:p>
+          <a:p>
+            <a:r>
+              <a:rPr lang="en-US" sz="2000" dirty="0" smtClean="0"/>
+              <a:t>RAP: Rapid City, MI</a:t>
+            </a:r>
+            <a:endParaRPr lang="en-US" sz="2000" dirty="0"/>
+          </a:p>
+          <a:p>
+            <a:r>
+              <a:rPr lang="en-US" sz="2000" dirty="0" smtClean="0"/>
+              <a:t>GEG: Spokane, WA</a:t>
+            </a:r>
+          </a:p>
+        </p:txBody>
+      </p:sp>
     </p:spTree>
     <p:extLst>
       <p:ext uri="{BB962C8B-B14F-4D97-AF65-F5344CB8AC3E}">
         <p14:creationId xmlns:p14="http://schemas.microsoft.com/office/powerpoint/2010/main" val="3528615661"/>
-      </p:ext>
-    </p:extLst>
-  </p:cSld>
-  <p:clrMapOvr>
-    <a:masterClrMapping/>
-  </p:clrMapOvr>
-</p:sld>
-</file>
-
-<file path=ppt/slides/slide18.xml><?xml version="1.0" encoding="utf-8"?>
-<p:sld xmlns:a="http://schemas.openxmlformats.org/drawingml/2006/main" xmlns:r="http://schemas.openxmlformats.org/officeDocument/2006/relationships" xmlns:p="http://schemas.openxmlformats.org/presentationml/2006/main">
-  <p:cSld>
-    <p:spTree>
-      <p:nvGrpSpPr>
-        <p:cNvPr id="1" name=""/>
-        <p:cNvGrpSpPr/>
-        <p:nvPr/>
-      </p:nvGrpSpPr>
-      <p:grpSpPr>
-        <a:xfrm>
-          <a:off x="0" y="0"/>
-          <a:ext cx="0" cy="0"/>
-          <a:chOff x="0" y="0"/>
-          <a:chExt cx="0" cy="0"/>
-        </a:xfrm>
-      </p:grpSpPr>
-      <p:pic>
-        <p:nvPicPr>
-          <p:cNvPr id="3" name="Picture 2">
-            <a:extLst>
-              <a:ext uri="{FF2B5EF4-FFF2-40B4-BE49-F238E27FC236}">
-                <a16:creationId xmlns:a16="http://schemas.microsoft.com/office/drawing/2014/main" id="{0776B64F-AB54-7446-9C4E-190CA18A4C88}"/>
-              </a:ext>
-            </a:extLst>
-          </p:cNvPr>
-          <p:cNvPicPr>
-            <a:picLocks noChangeAspect="1"/>
-          </p:cNvPicPr>
-          <p:nvPr/>
-        </p:nvPicPr>
-        <p:blipFill>
-          <a:blip r:embed="rId2"/>
-          <a:stretch>
-            <a:fillRect/>
-          </a:stretch>
-        </p:blipFill>
-        <p:spPr>
-          <a:xfrm>
-            <a:off x="1008611" y="586048"/>
-            <a:ext cx="5486400" cy="3657600"/>
-          </a:xfrm>
-          <a:prstGeom prst="rect">
-            <a:avLst/>
-          </a:prstGeom>
-        </p:spPr>
-      </p:pic>
-      <p:pic>
-        <p:nvPicPr>
-          <p:cNvPr id="5" name="Picture 4">
-            <a:extLst>
-              <a:ext uri="{FF2B5EF4-FFF2-40B4-BE49-F238E27FC236}">
-                <a16:creationId xmlns:a16="http://schemas.microsoft.com/office/drawing/2014/main" id="{5D3A6568-F565-3A4F-AE59-7A334E90AFFC}"/>
-              </a:ext>
-            </a:extLst>
-          </p:cNvPr>
-          <p:cNvPicPr>
-            <a:picLocks noChangeAspect="1"/>
-          </p:cNvPicPr>
-          <p:nvPr/>
-        </p:nvPicPr>
-        <p:blipFill>
-          <a:blip r:embed="rId3"/>
-          <a:stretch>
-            <a:fillRect/>
-          </a:stretch>
-        </p:blipFill>
-        <p:spPr>
-          <a:xfrm>
-            <a:off x="6345752" y="586048"/>
-            <a:ext cx="5486400" cy="3657600"/>
-          </a:xfrm>
-          <a:prstGeom prst="rect">
-            <a:avLst/>
-          </a:prstGeom>
-        </p:spPr>
-      </p:pic>
-    </p:spTree>
-    <p:extLst>
-      <p:ext uri="{BB962C8B-B14F-4D97-AF65-F5344CB8AC3E}">
-        <p14:creationId xmlns:p14="http://schemas.microsoft.com/office/powerpoint/2010/main" val="653027367"/>
       </p:ext>
     </p:extLst>
   </p:cSld>
@@ -5275,10 +5778,10 @@
       </p:grpSpPr>
       <p:pic>
         <p:nvPicPr>
-          <p:cNvPr id="3" name="Picture 2">
+          <p:cNvPr id="5" name="Picture 4">
             <a:extLst>
               <a:ext uri="{FF2B5EF4-FFF2-40B4-BE49-F238E27FC236}">
-                <a16:creationId xmlns:a16="http://schemas.microsoft.com/office/drawing/2014/main" id="{4BF84504-9EAE-4643-BD0D-1D99C452A4E3}"/>
+                <a16:creationId xmlns:a16="http://schemas.microsoft.com/office/drawing/2014/main" xmlns="" id="{147EC9DE-1D4C-294F-A200-9B3E09EDE728}"/>
               </a:ext>
             </a:extLst>
           </p:cNvPr>
@@ -5295,7 +5798,7 @@
         </p:blipFill>
         <p:spPr>
           <a:xfrm>
-            <a:off x="343593" y="719422"/>
+            <a:off x="289100" y="435958"/>
             <a:ext cx="5486400" cy="3657600"/>
           </a:xfrm>
           <a:prstGeom prst="rect">
@@ -5305,10 +5808,10 @@
       </p:pic>
       <p:pic>
         <p:nvPicPr>
-          <p:cNvPr id="5" name="Picture 4">
+          <p:cNvPr id="4" name="Picture 3">
             <a:extLst>
               <a:ext uri="{FF2B5EF4-FFF2-40B4-BE49-F238E27FC236}">
-                <a16:creationId xmlns:a16="http://schemas.microsoft.com/office/drawing/2014/main" id="{147EC9DE-1D4C-294F-A200-9B3E09EDE728}"/>
+                <a16:creationId xmlns:a16="http://schemas.microsoft.com/office/drawing/2014/main" xmlns="" id="{5D3A6568-F565-3A4F-AE59-7A334E90AFFC}"/>
               </a:ext>
             </a:extLst>
           </p:cNvPr>
@@ -5325,7 +5828,7 @@
         </p:blipFill>
         <p:spPr>
           <a:xfrm>
-            <a:off x="6196124" y="719422"/>
+            <a:off x="6250988" y="435958"/>
             <a:ext cx="5486400" cy="3657600"/>
           </a:xfrm>
           <a:prstGeom prst="rect">
@@ -5333,6 +5836,157 @@
           </a:prstGeom>
         </p:spPr>
       </p:pic>
+      <p:sp>
+        <p:nvSpPr>
+          <p:cNvPr id="6" name="TextBox 5"/>
+          <p:cNvSpPr txBox="1"/>
+          <p:nvPr/>
+        </p:nvSpPr>
+        <p:spPr>
+          <a:xfrm>
+            <a:off x="371912" y="4233672"/>
+            <a:ext cx="3194248" cy="1908215"/>
+          </a:xfrm>
+          <a:prstGeom prst="rect">
+            <a:avLst/>
+          </a:prstGeom>
+          <a:noFill/>
+        </p:spPr>
+        <p:txBody>
+          <a:bodyPr wrap="square" rtlCol="0">
+            <a:spAutoFit/>
+          </a:bodyPr>
+          <a:lstStyle/>
+          <a:p>
+            <a:r>
+              <a:rPr lang="en-US" b="1" dirty="0" smtClean="0"/>
+              <a:t>Airport Codes Key:</a:t>
+            </a:r>
+          </a:p>
+          <a:p>
+            <a:r>
+              <a:rPr lang="en-US" sz="2000" dirty="0" smtClean="0"/>
+              <a:t>MSY: New Orleans, LA</a:t>
+            </a:r>
+          </a:p>
+          <a:p>
+            <a:r>
+              <a:rPr lang="en-US" sz="2000" dirty="0" smtClean="0"/>
+              <a:t>LAX: Los Angeles, CA</a:t>
+            </a:r>
+          </a:p>
+          <a:p>
+            <a:r>
+              <a:rPr lang="en-US" sz="2000" dirty="0" smtClean="0"/>
+              <a:t>EWR: Newark, NJ</a:t>
+            </a:r>
+          </a:p>
+          <a:p>
+            <a:r>
+              <a:rPr lang="en-US" sz="2000" dirty="0" smtClean="0"/>
+              <a:t>XNA: Bentonville, AK</a:t>
+            </a:r>
+          </a:p>
+          <a:p>
+            <a:r>
+              <a:rPr lang="en-US" sz="2000" dirty="0" smtClean="0"/>
+              <a:t>BOS: Boston, MA</a:t>
+            </a:r>
+          </a:p>
+        </p:txBody>
+      </p:sp>
+      <p:sp>
+        <p:nvSpPr>
+          <p:cNvPr id="7" name="TextBox 6"/>
+          <p:cNvSpPr txBox="1"/>
+          <p:nvPr/>
+        </p:nvSpPr>
+        <p:spPr>
+          <a:xfrm>
+            <a:off x="3493008" y="4233672"/>
+            <a:ext cx="3483864" cy="1938992"/>
+          </a:xfrm>
+          <a:prstGeom prst="rect">
+            <a:avLst/>
+          </a:prstGeom>
+          <a:noFill/>
+        </p:spPr>
+        <p:txBody>
+          <a:bodyPr wrap="square" rtlCol="0">
+            <a:spAutoFit/>
+          </a:bodyPr>
+          <a:lstStyle/>
+          <a:p>
+            <a:r>
+              <a:rPr lang="en-US" sz="2000" dirty="0" smtClean="0"/>
+              <a:t>MDW: Chicago Midway, IL</a:t>
+            </a:r>
+          </a:p>
+          <a:p>
+            <a:r>
+              <a:rPr lang="en-US" sz="2000" dirty="0" smtClean="0"/>
+              <a:t>JFK: New York John F. Kennedy, NY</a:t>
+            </a:r>
+          </a:p>
+          <a:p>
+            <a:r>
+              <a:rPr lang="en-US" sz="2000" dirty="0" smtClean="0"/>
+              <a:t>LGA: New York LaGuardia, NY</a:t>
+            </a:r>
+            <a:endParaRPr lang="en-US" sz="2000" dirty="0"/>
+          </a:p>
+          <a:p>
+            <a:r>
+              <a:rPr lang="en-US" sz="2000" dirty="0" smtClean="0"/>
+              <a:t>ATL: Atlanta, GA</a:t>
+            </a:r>
+            <a:endParaRPr lang="en-US" sz="2000" dirty="0"/>
+          </a:p>
+          <a:p>
+            <a:r>
+              <a:rPr lang="en-US" sz="2000" dirty="0" smtClean="0"/>
+              <a:t>SFO: San Francisco, CA</a:t>
+            </a:r>
+          </a:p>
+        </p:txBody>
+      </p:sp>
+      <p:sp>
+        <p:nvSpPr>
+          <p:cNvPr id="8" name="TextBox 7"/>
+          <p:cNvSpPr txBox="1"/>
+          <p:nvPr/>
+        </p:nvSpPr>
+        <p:spPr>
+          <a:xfrm>
+            <a:off x="7165848" y="4233672"/>
+            <a:ext cx="3483864" cy="707886"/>
+          </a:xfrm>
+          <a:prstGeom prst="rect">
+            <a:avLst/>
+          </a:prstGeom>
+          <a:noFill/>
+        </p:spPr>
+        <p:txBody>
+          <a:bodyPr wrap="square" rtlCol="0">
+            <a:spAutoFit/>
+          </a:bodyPr>
+          <a:lstStyle/>
+          <a:p>
+            <a:r>
+              <a:rPr lang="en-US" sz="2000" dirty="0" smtClean="0"/>
+              <a:t>FLL: Fort Lauderdale, FL</a:t>
+            </a:r>
+            <a:endParaRPr lang="en-US" sz="2000" dirty="0"/>
+          </a:p>
+          <a:p>
+            <a:r>
+              <a:rPr lang="en-US" sz="2000" dirty="0" smtClean="0"/>
+              <a:t>RIC: Richmond, VA</a:t>
+            </a:r>
+            <a:endParaRPr lang="en-US" sz="2000" dirty="0"/>
+          </a:p>
+        </p:txBody>
+      </p:sp>
     </p:spTree>
     <p:extLst>
       <p:ext uri="{BB962C8B-B14F-4D97-AF65-F5344CB8AC3E}">
@@ -6750,6 +7404,114 @@
 </file>
 
 <file path=ppt/slides/slide20.xml><?xml version="1.0" encoding="utf-8"?>
+<p:sld xmlns:a="http://schemas.openxmlformats.org/drawingml/2006/main" xmlns:r="http://schemas.openxmlformats.org/officeDocument/2006/relationships" xmlns:p="http://schemas.openxmlformats.org/presentationml/2006/main">
+  <p:cSld>
+    <p:spTree>
+      <p:nvGrpSpPr>
+        <p:cNvPr id="1" name=""/>
+        <p:cNvGrpSpPr/>
+        <p:nvPr/>
+      </p:nvGrpSpPr>
+      <p:grpSpPr>
+        <a:xfrm>
+          <a:off x="0" y="0"/>
+          <a:ext cx="0" cy="0"/>
+          <a:chOff x="0" y="0"/>
+          <a:chExt cx="0" cy="0"/>
+        </a:xfrm>
+      </p:grpSpPr>
+      <p:sp>
+        <p:nvSpPr>
+          <p:cNvPr id="2" name="Title 1">
+            <a:extLst>
+              <a:ext uri="{FF2B5EF4-FFF2-40B4-BE49-F238E27FC236}">
+                <a16:creationId xmlns:a16="http://schemas.microsoft.com/office/drawing/2014/main" xmlns="" id="{7C222611-9D83-5949-A3EE-A2C85F9188B5}"/>
+              </a:ext>
+            </a:extLst>
+          </p:cNvPr>
+          <p:cNvSpPr>
+            <a:spLocks noGrp="1"/>
+          </p:cNvSpPr>
+          <p:nvPr>
+            <p:ph type="title"/>
+          </p:nvPr>
+        </p:nvSpPr>
+        <p:spPr/>
+        <p:txBody>
+          <a:bodyPr/>
+          <a:lstStyle/>
+          <a:p>
+            <a:r>
+              <a:rPr lang="en-US" dirty="0" smtClean="0"/>
+              <a:t>Airport </a:t>
+            </a:r>
+            <a:r>
+              <a:rPr lang="en-US" dirty="0"/>
+              <a:t>Conclusions</a:t>
+            </a:r>
+          </a:p>
+        </p:txBody>
+      </p:sp>
+      <p:sp>
+        <p:nvSpPr>
+          <p:cNvPr id="3" name="Content Placeholder 2">
+            <a:extLst>
+              <a:ext uri="{FF2B5EF4-FFF2-40B4-BE49-F238E27FC236}">
+                <a16:creationId xmlns:a16="http://schemas.microsoft.com/office/drawing/2014/main" xmlns="" id="{980265B2-E9CA-7A45-A18D-BAF577869FDF}"/>
+              </a:ext>
+            </a:extLst>
+          </p:cNvPr>
+          <p:cNvSpPr>
+            <a:spLocks noGrp="1"/>
+          </p:cNvSpPr>
+          <p:nvPr>
+            <p:ph idx="1"/>
+          </p:nvPr>
+        </p:nvSpPr>
+        <p:spPr/>
+        <p:txBody>
+          <a:bodyPr/>
+          <a:lstStyle/>
+          <a:p>
+            <a:r>
+              <a:rPr lang="en-US" dirty="0" smtClean="0"/>
+              <a:t>Smaller stations are the best ones to fly in and out of to avoid delays</a:t>
+            </a:r>
+            <a:endParaRPr lang="en-US" dirty="0"/>
+          </a:p>
+          <a:p>
+            <a:r>
+              <a:rPr lang="en-US" dirty="0" smtClean="0"/>
+              <a:t>There is a congregation of NE airports that have higher percentages of delays both out of and to MSP</a:t>
+            </a:r>
+            <a:endParaRPr lang="en-US" dirty="0"/>
+          </a:p>
+          <a:p>
+            <a:r>
+              <a:rPr lang="en-US" dirty="0" smtClean="0"/>
+              <a:t>The top ten for the best and the worst for both outbound and inbound are pretty consistent</a:t>
+            </a:r>
+            <a:endParaRPr lang="en-US" dirty="0"/>
+          </a:p>
+          <a:p>
+            <a:endParaRPr lang="en-US" dirty="0"/>
+          </a:p>
+        </p:txBody>
+      </p:sp>
+    </p:spTree>
+    <p:extLst>
+      <p:ext uri="{BB962C8B-B14F-4D97-AF65-F5344CB8AC3E}">
+        <p14:creationId xmlns:p14="http://schemas.microsoft.com/office/powerpoint/2010/main" val="1050057375"/>
+      </p:ext>
+    </p:extLst>
+  </p:cSld>
+  <p:clrMapOvr>
+    <a:masterClrMapping/>
+  </p:clrMapOvr>
+</p:sld>
+</file>
+
+<file path=ppt/slides/slide21.xml><?xml version="1.0" encoding="utf-8"?>
 <p:sld xmlns:a="http://schemas.openxmlformats.org/drawingml/2006/main" xmlns:r="http://schemas.openxmlformats.org/officeDocument/2006/relationships" xmlns:p="http://schemas.openxmlformats.org/presentationml/2006/main">
   <p:cSld>
     <p:spTree>
@@ -6801,7 +7563,7 @@
           <p:cNvPr id="3" name="Picture 2">
             <a:extLst>
               <a:ext uri="{FF2B5EF4-FFF2-40B4-BE49-F238E27FC236}">
-                <a16:creationId xmlns:a16="http://schemas.microsoft.com/office/drawing/2014/main" id="{FF279ECC-26E1-984D-B0D1-9D437615C70D}"/>
+                <a16:creationId xmlns:a16="http://schemas.microsoft.com/office/drawing/2014/main" xmlns="" id="{FF279ECC-26E1-984D-B0D1-9D437615C70D}"/>
               </a:ext>
             </a:extLst>
           </p:cNvPr>
@@ -6845,7 +7607,7 @@
 </p:sld>
 </file>
 
-<file path=ppt/slides/slide21.xml><?xml version="1.0" encoding="utf-8"?>
+<file path=ppt/slides/slide22.xml><?xml version="1.0" encoding="utf-8"?>
 <p:sld xmlns:a="http://schemas.openxmlformats.org/drawingml/2006/main" xmlns:r="http://schemas.openxmlformats.org/officeDocument/2006/relationships" xmlns:p="http://schemas.openxmlformats.org/presentationml/2006/main">
   <p:cSld>
     <p:spTree>
@@ -6867,7 +7629,7 @@
           <p:cNvPr id="2" name="Title 1">
             <a:extLst>
               <a:ext uri="{FF2B5EF4-FFF2-40B4-BE49-F238E27FC236}">
-                <a16:creationId xmlns:a16="http://schemas.microsoft.com/office/drawing/2014/main" id="{27FBC86B-35E6-B040-9EB7-935763A8688E}"/>
+                <a16:creationId xmlns:a16="http://schemas.microsoft.com/office/drawing/2014/main" xmlns="" id="{27FBC86B-35E6-B040-9EB7-935763A8688E}"/>
               </a:ext>
             </a:extLst>
           </p:cNvPr>
@@ -6895,7 +7657,7 @@
           <p:cNvPr id="3" name="Content Placeholder 2">
             <a:extLst>
               <a:ext uri="{FF2B5EF4-FFF2-40B4-BE49-F238E27FC236}">
-                <a16:creationId xmlns:a16="http://schemas.microsoft.com/office/drawing/2014/main" id="{04618FF0-E74D-874C-90D7-22C5A04592DD}"/>
+                <a16:creationId xmlns:a16="http://schemas.microsoft.com/office/drawing/2014/main" xmlns="" id="{04618FF0-E74D-874C-90D7-22C5A04592DD}"/>
               </a:ext>
             </a:extLst>
           </p:cNvPr>
@@ -7215,7 +7977,7 @@
           <p:cNvPr id="4" name="Picture 3">
             <a:extLst>
               <a:ext uri="{FF2B5EF4-FFF2-40B4-BE49-F238E27FC236}">
-                <a16:creationId xmlns:a16="http://schemas.microsoft.com/office/drawing/2014/main" id="{CAC8D578-E064-5C4B-AB83-6E7E65753AEC}"/>
+                <a16:creationId xmlns:a16="http://schemas.microsoft.com/office/drawing/2014/main" xmlns="" id="{CAC8D578-E064-5C4B-AB83-6E7E65753AEC}"/>
               </a:ext>
             </a:extLst>
           </p:cNvPr>
@@ -7275,7 +8037,7 @@
           <p:cNvPr id="3" name="Picture 2">
             <a:extLst>
               <a:ext uri="{FF2B5EF4-FFF2-40B4-BE49-F238E27FC236}">
-                <a16:creationId xmlns:a16="http://schemas.microsoft.com/office/drawing/2014/main" id="{434A2044-4643-D340-B648-05C9A71FE0EF}"/>
+                <a16:creationId xmlns:a16="http://schemas.microsoft.com/office/drawing/2014/main" xmlns="" id="{434A2044-4643-D340-B648-05C9A71FE0EF}"/>
               </a:ext>
             </a:extLst>
           </p:cNvPr>
@@ -7434,7 +8196,7 @@
           <p:cNvPr id="2" name="Title 1">
             <a:extLst>
               <a:ext uri="{FF2B5EF4-FFF2-40B4-BE49-F238E27FC236}">
-                <a16:creationId xmlns:a16="http://schemas.microsoft.com/office/drawing/2014/main" id="{7C222611-9D83-5949-A3EE-A2C85F9188B5}"/>
+                <a16:creationId xmlns:a16="http://schemas.microsoft.com/office/drawing/2014/main" xmlns="" id="{7C222611-9D83-5949-A3EE-A2C85F9188B5}"/>
               </a:ext>
             </a:extLst>
           </p:cNvPr>
@@ -7462,7 +8224,7 @@
           <p:cNvPr id="3" name="Content Placeholder 2">
             <a:extLst>
               <a:ext uri="{FF2B5EF4-FFF2-40B4-BE49-F238E27FC236}">
-                <a16:creationId xmlns:a16="http://schemas.microsoft.com/office/drawing/2014/main" id="{980265B2-E9CA-7A45-A18D-BAF577869FDF}"/>
+                <a16:creationId xmlns:a16="http://schemas.microsoft.com/office/drawing/2014/main" xmlns="" id="{980265B2-E9CA-7A45-A18D-BAF577869FDF}"/>
               </a:ext>
             </a:extLst>
           </p:cNvPr>

--- a/Delay Analysis Team Delorean.pptx
+++ b/Delay Analysis Team Delorean.pptx
@@ -4300,7 +4300,7 @@
           <p:cNvPr id="4" name="Picture 3">
             <a:extLst>
               <a:ext uri="{FF2B5EF4-FFF2-40B4-BE49-F238E27FC236}">
-                <a16:creationId xmlns:a16="http://schemas.microsoft.com/office/drawing/2014/main" xmlns="" id="{444B296D-E3C5-504E-AC0D-86CE939C05CE}"/>
+                <a16:creationId xmlns:a16="http://schemas.microsoft.com/office/drawing/2014/main" id="{444B296D-E3C5-504E-AC0D-86CE939C05CE}"/>
               </a:ext>
             </a:extLst>
           </p:cNvPr>
@@ -4480,7 +4480,7 @@
           <p:cNvPr id="2" name="Title 1">
             <a:extLst>
               <a:ext uri="{FF2B5EF4-FFF2-40B4-BE49-F238E27FC236}">
-                <a16:creationId xmlns:a16="http://schemas.microsoft.com/office/drawing/2014/main" xmlns="" id="{7C222611-9D83-5949-A3EE-A2C85F9188B5}"/>
+                <a16:creationId xmlns:a16="http://schemas.microsoft.com/office/drawing/2014/main" id="{7C222611-9D83-5949-A3EE-A2C85F9188B5}"/>
               </a:ext>
             </a:extLst>
           </p:cNvPr>
@@ -4508,7 +4508,7 @@
           <p:cNvPr id="3" name="Content Placeholder 2">
             <a:extLst>
               <a:ext uri="{FF2B5EF4-FFF2-40B4-BE49-F238E27FC236}">
-                <a16:creationId xmlns:a16="http://schemas.microsoft.com/office/drawing/2014/main" xmlns="" id="{980265B2-E9CA-7A45-A18D-BAF577869FDF}"/>
+                <a16:creationId xmlns:a16="http://schemas.microsoft.com/office/drawing/2014/main" id="{980265B2-E9CA-7A45-A18D-BAF577869FDF}"/>
               </a:ext>
             </a:extLst>
           </p:cNvPr>
@@ -4611,7 +4611,7 @@
           <p:cNvPr id="3" name="Picture 2">
             <a:extLst>
               <a:ext uri="{FF2B5EF4-FFF2-40B4-BE49-F238E27FC236}">
-                <a16:creationId xmlns:a16="http://schemas.microsoft.com/office/drawing/2014/main" xmlns="" id="{8990E915-6A5B-094D-9CD0-D4592997B3FE}"/>
+                <a16:creationId xmlns:a16="http://schemas.microsoft.com/office/drawing/2014/main" id="{8990E915-6A5B-094D-9CD0-D4592997B3FE}"/>
               </a:ext>
             </a:extLst>
           </p:cNvPr>
@@ -4707,7 +4707,7 @@
           <p:cNvPr id="3" name="Picture 2">
             <a:extLst>
               <a:ext uri="{FF2B5EF4-FFF2-40B4-BE49-F238E27FC236}">
-                <a16:creationId xmlns:a16="http://schemas.microsoft.com/office/drawing/2014/main" xmlns="" id="{2265A21F-F27C-944D-9649-BC46F4ECBAF4}"/>
+                <a16:creationId xmlns:a16="http://schemas.microsoft.com/office/drawing/2014/main" id="{2265A21F-F27C-944D-9649-BC46F4ECBAF4}"/>
               </a:ext>
             </a:extLst>
           </p:cNvPr>
@@ -4743,7 +4743,7 @@
           <p:cNvPr id="4" name="Content Placeholder 2">
             <a:extLst>
               <a:ext uri="{FF2B5EF4-FFF2-40B4-BE49-F238E27FC236}">
-                <a16:creationId xmlns:a16="http://schemas.microsoft.com/office/drawing/2014/main" xmlns="" id="{D44B0A4D-BD32-5242-9C5B-FD1E25999FDA}"/>
+                <a16:creationId xmlns:a16="http://schemas.microsoft.com/office/drawing/2014/main" id="{D44B0A4D-BD32-5242-9C5B-FD1E25999FDA}"/>
               </a:ext>
             </a:extLst>
           </p:cNvPr>
@@ -5027,7 +5027,7 @@
           <p:cNvPr id="3" name="Picture 2">
             <a:extLst>
               <a:ext uri="{FF2B5EF4-FFF2-40B4-BE49-F238E27FC236}">
-                <a16:creationId xmlns:a16="http://schemas.microsoft.com/office/drawing/2014/main" xmlns="" id="{048A5D34-4FC0-6C4B-A4E4-6B051B71F605}"/>
+                <a16:creationId xmlns:a16="http://schemas.microsoft.com/office/drawing/2014/main" id="{048A5D34-4FC0-6C4B-A4E4-6B051B71F605}"/>
               </a:ext>
             </a:extLst>
           </p:cNvPr>
@@ -5081,37 +5081,37 @@
           <a:lstStyle/>
           <a:p>
             <a:r>
-              <a:rPr lang="en-US" b="1" dirty="0" smtClean="0"/>
+              <a:rPr lang="en-US" b="1" dirty="0"/>
               <a:t>Airport Codes Key:</a:t>
             </a:r>
           </a:p>
           <a:p>
             <a:r>
-              <a:rPr lang="en-US" sz="2000" dirty="0" smtClean="0"/>
+              <a:rPr lang="en-US" sz="2000" dirty="0"/>
               <a:t>ISN: Williston, ND</a:t>
             </a:r>
           </a:p>
           <a:p>
             <a:r>
-              <a:rPr lang="en-US" sz="2000" dirty="0" smtClean="0"/>
+              <a:rPr lang="en-US" sz="2000" dirty="0"/>
               <a:t>BMI: Bloomington, IN</a:t>
             </a:r>
           </a:p>
           <a:p>
             <a:r>
-              <a:rPr lang="en-US" sz="2000" dirty="0" smtClean="0"/>
+              <a:rPr lang="en-US" sz="2000" dirty="0"/>
               <a:t>INL: International Falls, MN</a:t>
             </a:r>
           </a:p>
           <a:p>
             <a:r>
-              <a:rPr lang="en-US" sz="2000" dirty="0" smtClean="0"/>
+              <a:rPr lang="en-US" sz="2000" dirty="0"/>
               <a:t>ABR: Aberdeen, SD</a:t>
             </a:r>
           </a:p>
           <a:p>
             <a:r>
-              <a:rPr lang="en-US" sz="2000" dirty="0" smtClean="0"/>
+              <a:rPr lang="en-US" sz="2000" dirty="0"/>
               <a:t>HIB: Hibbing, MN</a:t>
             </a:r>
           </a:p>
@@ -5165,19 +5165,14 @@
           <a:p>
             <a:r>
               <a:rPr lang="en-US" sz="2000" dirty="0"/>
-              <a:t>BRD: Brainerd, </a:t>
-            </a:r>
-            <a:r>
-              <a:rPr lang="en-US" sz="2000" dirty="0" smtClean="0"/>
-              <a:t>MN</a:t>
-            </a:r>
-          </a:p>
-          <a:p>
-            <a:r>
-              <a:rPr lang="en-US" sz="2000" dirty="0" smtClean="0"/>
+              <a:t>BRD: Brainerd, MN</a:t>
+            </a:r>
+          </a:p>
+          <a:p>
+            <a:r>
+              <a:rPr lang="en-US" sz="2000" dirty="0"/>
               <a:t>AUS: Austin, TX</a:t>
             </a:r>
-            <a:endParaRPr lang="en-US" sz="2000" dirty="0"/>
           </a:p>
         </p:txBody>
       </p:sp>
@@ -5204,27 +5199,21 @@
           <a:lstStyle/>
           <a:p>
             <a:r>
-              <a:rPr lang="en-US" sz="2000" dirty="0" smtClean="0"/>
-              <a:t>IMT: </a:t>
-            </a:r>
-            <a:r>
               <a:rPr lang="en-US" sz="2000" dirty="0"/>
-              <a:t>Lansing, MI</a:t>
-            </a:r>
-          </a:p>
-          <a:p>
-            <a:r>
-              <a:rPr lang="en-US" sz="2000" dirty="0" smtClean="0"/>
+              <a:t>IMT: Lansing, MI</a:t>
+            </a:r>
+          </a:p>
+          <a:p>
+            <a:r>
+              <a:rPr lang="en-US" sz="2000" dirty="0"/>
               <a:t>SLC: Salt Lake City, UT</a:t>
             </a:r>
-            <a:endParaRPr lang="en-US" sz="2000" dirty="0"/>
-          </a:p>
-          <a:p>
-            <a:r>
-              <a:rPr lang="en-US" sz="2000" dirty="0" smtClean="0"/>
+          </a:p>
+          <a:p>
+            <a:r>
+              <a:rPr lang="en-US" sz="2000" dirty="0"/>
               <a:t>ANC: Anchorage, AK</a:t>
             </a:r>
-            <a:endParaRPr lang="en-US" sz="2000" dirty="0"/>
           </a:p>
         </p:txBody>
       </p:sp>
@@ -5263,7 +5252,7 @@
           <p:cNvPr id="3" name="Picture 2">
             <a:extLst>
               <a:ext uri="{FF2B5EF4-FFF2-40B4-BE49-F238E27FC236}">
-                <a16:creationId xmlns:a16="http://schemas.microsoft.com/office/drawing/2014/main" xmlns="" id="{0776B64F-AB54-7446-9C4E-190CA18A4C88}"/>
+                <a16:creationId xmlns:a16="http://schemas.microsoft.com/office/drawing/2014/main" id="{0776B64F-AB54-7446-9C4E-190CA18A4C88}"/>
               </a:ext>
             </a:extLst>
           </p:cNvPr>
@@ -5293,7 +5282,7 @@
           <p:cNvPr id="4" name="Picture 3">
             <a:extLst>
               <a:ext uri="{FF2B5EF4-FFF2-40B4-BE49-F238E27FC236}">
-                <a16:creationId xmlns:a16="http://schemas.microsoft.com/office/drawing/2014/main" xmlns="" id="{4BF84504-9EAE-4643-BD0D-1D99C452A4E3}"/>
+                <a16:creationId xmlns:a16="http://schemas.microsoft.com/office/drawing/2014/main" id="{4BF84504-9EAE-4643-BD0D-1D99C452A4E3}"/>
               </a:ext>
             </a:extLst>
           </p:cNvPr>
@@ -5341,31 +5330,31 @@
           <a:lstStyle/>
           <a:p>
             <a:r>
-              <a:rPr lang="en-US" b="1" dirty="0" smtClean="0"/>
+              <a:rPr lang="en-US" b="1" dirty="0"/>
               <a:t>Airport Codes Key:</a:t>
             </a:r>
           </a:p>
           <a:p>
             <a:r>
-              <a:rPr lang="en-US" sz="2000" dirty="0" smtClean="0"/>
+              <a:rPr lang="en-US" sz="2000" dirty="0"/>
               <a:t>EWR: Newark, NJ</a:t>
             </a:r>
           </a:p>
           <a:p>
             <a:r>
-              <a:rPr lang="en-US" sz="2000" dirty="0" smtClean="0"/>
+              <a:rPr lang="en-US" sz="2000" dirty="0"/>
               <a:t>RIC: Richmond, VA</a:t>
             </a:r>
           </a:p>
           <a:p>
             <a:r>
-              <a:rPr lang="en-US" sz="2000" dirty="0" smtClean="0"/>
+              <a:rPr lang="en-US" sz="2000" dirty="0"/>
               <a:t>SFO: San Francisco, CA</a:t>
             </a:r>
           </a:p>
           <a:p>
             <a:r>
-              <a:rPr lang="en-US" sz="2000" dirty="0" smtClean="0"/>
+              <a:rPr lang="en-US" sz="2000" dirty="0"/>
               <a:t>LGA: New York LaGuardia, NY</a:t>
             </a:r>
           </a:p>
@@ -5400,29 +5389,27 @@
           </a:p>
           <a:p>
             <a:r>
-              <a:rPr lang="en-US" sz="2000" dirty="0" smtClean="0"/>
+              <a:rPr lang="en-US" sz="2000" dirty="0"/>
               <a:t>OKC: Oklahoma City, OK</a:t>
             </a:r>
           </a:p>
           <a:p>
             <a:r>
-              <a:rPr lang="en-US" sz="2000" dirty="0" smtClean="0"/>
+              <a:rPr lang="en-US" sz="2000" dirty="0"/>
               <a:t>XNA: Bentonville, AK</a:t>
             </a:r>
           </a:p>
           <a:p>
             <a:r>
-              <a:rPr lang="en-US" sz="2000" dirty="0" smtClean="0"/>
+              <a:rPr lang="en-US" sz="2000" dirty="0"/>
               <a:t>BOS: Boston, MA</a:t>
             </a:r>
-            <a:endParaRPr lang="en-US" sz="2000" dirty="0"/>
-          </a:p>
-          <a:p>
-            <a:r>
-              <a:rPr lang="en-US" sz="2000" dirty="0" smtClean="0"/>
+          </a:p>
+          <a:p>
+            <a:r>
+              <a:rPr lang="en-US" sz="2000" dirty="0"/>
               <a:t>MDW: Chicago Midway, IL</a:t>
             </a:r>
-            <a:endParaRPr lang="en-US" sz="2000" dirty="0"/>
           </a:p>
         </p:txBody>
       </p:sp>
@@ -5455,17 +5442,15 @@
           </a:p>
           <a:p>
             <a:r>
-              <a:rPr lang="en-US" sz="2000" dirty="0" smtClean="0"/>
+              <a:rPr lang="en-US" sz="2000" dirty="0"/>
               <a:t>LAX: Los Angeles, CA</a:t>
             </a:r>
-            <a:endParaRPr lang="en-US" sz="2000" dirty="0"/>
-          </a:p>
-          <a:p>
-            <a:r>
-              <a:rPr lang="en-US" sz="2000" dirty="0" smtClean="0"/>
+          </a:p>
+          <a:p>
+            <a:r>
+              <a:rPr lang="en-US" sz="2000" dirty="0"/>
               <a:t>IAH: Houston, TX</a:t>
             </a:r>
-            <a:endParaRPr lang="en-US" sz="2000" dirty="0"/>
           </a:p>
         </p:txBody>
       </p:sp>
@@ -5534,7 +5519,7 @@
           <p:cNvPr id="3" name="Picture 2">
             <a:extLst>
               <a:ext uri="{FF2B5EF4-FFF2-40B4-BE49-F238E27FC236}">
-                <a16:creationId xmlns:a16="http://schemas.microsoft.com/office/drawing/2014/main" xmlns="" id="{8CF346E0-7A97-8C4C-8AC7-B7092C830A93}"/>
+                <a16:creationId xmlns:a16="http://schemas.microsoft.com/office/drawing/2014/main" id="{8CF346E0-7A97-8C4C-8AC7-B7092C830A93}"/>
               </a:ext>
             </a:extLst>
           </p:cNvPr>
@@ -5588,37 +5573,37 @@
           <a:lstStyle/>
           <a:p>
             <a:r>
-              <a:rPr lang="en-US" b="1" dirty="0" smtClean="0"/>
+              <a:rPr lang="en-US" b="1" dirty="0"/>
               <a:t>Airport Codes Key:</a:t>
             </a:r>
           </a:p>
           <a:p>
             <a:r>
-              <a:rPr lang="en-US" sz="2000" dirty="0" smtClean="0"/>
+              <a:rPr lang="en-US" sz="2000" dirty="0"/>
               <a:t>BMI: Bloomington, IN</a:t>
             </a:r>
           </a:p>
           <a:p>
             <a:r>
-              <a:rPr lang="en-US" sz="2000" dirty="0" smtClean="0"/>
+              <a:rPr lang="en-US" sz="2000" dirty="0"/>
               <a:t>GTF: Great Falls, MI</a:t>
             </a:r>
           </a:p>
           <a:p>
             <a:r>
-              <a:rPr lang="en-US" sz="2000" dirty="0" smtClean="0"/>
+              <a:rPr lang="en-US" sz="2000" dirty="0"/>
               <a:t>PSC: Pasco, WA</a:t>
             </a:r>
           </a:p>
           <a:p>
             <a:r>
-              <a:rPr lang="en-US" sz="2000" dirty="0" smtClean="0"/>
+              <a:rPr lang="en-US" sz="2000" dirty="0"/>
               <a:t>BIL: Billings, MT</a:t>
             </a:r>
           </a:p>
           <a:p>
             <a:r>
-              <a:rPr lang="en-US" sz="2000" dirty="0" smtClean="0"/>
+              <a:rPr lang="en-US" sz="2000" dirty="0"/>
               <a:t>MSO: Missoula, MT</a:t>
             </a:r>
           </a:p>
@@ -5647,45 +5632,39 @@
           <a:lstStyle/>
           <a:p>
             <a:r>
-              <a:rPr lang="en-US" sz="2000" dirty="0" smtClean="0"/>
+              <a:rPr lang="en-US" sz="2000" dirty="0"/>
               <a:t>ICT: Wichita, KS</a:t>
             </a:r>
           </a:p>
           <a:p>
             <a:r>
-              <a:rPr lang="en-US" sz="2000" dirty="0" smtClean="0"/>
+              <a:rPr lang="en-US" sz="2000" dirty="0"/>
               <a:t>LAN: Lansing, MI</a:t>
             </a:r>
           </a:p>
           <a:p>
             <a:r>
-              <a:rPr lang="en-US" sz="2000" dirty="0" smtClean="0"/>
-              <a:t>INL</a:t>
-            </a:r>
-            <a:r>
               <a:rPr lang="en-US" sz="2000" dirty="0"/>
-              <a:t>: International Falls, MN</a:t>
-            </a:r>
-          </a:p>
-          <a:p>
-            <a:r>
-              <a:rPr lang="en-US" sz="2000" dirty="0" smtClean="0"/>
+              <a:t>INL: International Falls, MN</a:t>
+            </a:r>
+          </a:p>
+          <a:p>
+            <a:r>
+              <a:rPr lang="en-US" sz="2000" dirty="0"/>
               <a:t>TUL: Tulsa, OK</a:t>
             </a:r>
-            <a:endParaRPr lang="en-US" sz="2000" dirty="0"/>
-          </a:p>
-          <a:p>
-            <a:r>
-              <a:rPr lang="en-US" sz="2000" dirty="0" smtClean="0"/>
+          </a:p>
+          <a:p>
+            <a:r>
+              <a:rPr lang="en-US" sz="2000" dirty="0"/>
               <a:t>LSE: La Crosse, WI</a:t>
             </a:r>
           </a:p>
           <a:p>
             <a:r>
-              <a:rPr lang="en-US" sz="2000" dirty="0" smtClean="0"/>
+              <a:rPr lang="en-US" sz="2000" dirty="0"/>
               <a:t>SJC: San Jose, CA</a:t>
             </a:r>
-            <a:endParaRPr lang="en-US" sz="2000" dirty="0"/>
           </a:p>
         </p:txBody>
       </p:sp>
@@ -5712,35 +5691,31 @@
           <a:lstStyle/>
           <a:p>
             <a:r>
-              <a:rPr lang="en-US" sz="2000" dirty="0" smtClean="0"/>
+              <a:rPr lang="en-US" sz="2000" dirty="0"/>
               <a:t>ANC: Anchorage, AK</a:t>
             </a:r>
-            <a:endParaRPr lang="en-US" sz="2000" dirty="0"/>
-          </a:p>
-          <a:p>
-            <a:r>
-              <a:rPr lang="en-US" sz="2000" dirty="0" smtClean="0"/>
+          </a:p>
+          <a:p>
+            <a:r>
+              <a:rPr lang="en-US" sz="2000" dirty="0"/>
               <a:t>SMF: Sacramento, CA</a:t>
             </a:r>
-            <a:endParaRPr lang="en-US" sz="2000" dirty="0"/>
-          </a:p>
-          <a:p>
-            <a:r>
-              <a:rPr lang="en-US" sz="2000" dirty="0" smtClean="0"/>
+          </a:p>
+          <a:p>
+            <a:r>
+              <a:rPr lang="en-US" sz="2000" dirty="0"/>
               <a:t>SAN: San Diego, CA</a:t>
             </a:r>
-            <a:endParaRPr lang="en-US" sz="2000" dirty="0"/>
-          </a:p>
-          <a:p>
-            <a:r>
-              <a:rPr lang="en-US" sz="2000" dirty="0" smtClean="0"/>
+          </a:p>
+          <a:p>
+            <a:r>
+              <a:rPr lang="en-US" sz="2000" dirty="0"/>
               <a:t>RAP: Rapid City, MI</a:t>
             </a:r>
-            <a:endParaRPr lang="en-US" sz="2000" dirty="0"/>
-          </a:p>
-          <a:p>
-            <a:r>
-              <a:rPr lang="en-US" sz="2000" dirty="0" smtClean="0"/>
+          </a:p>
+          <a:p>
+            <a:r>
+              <a:rPr lang="en-US" sz="2000" dirty="0"/>
               <a:t>GEG: Spokane, WA</a:t>
             </a:r>
           </a:p>
@@ -5781,7 +5756,7 @@
           <p:cNvPr id="5" name="Picture 4">
             <a:extLst>
               <a:ext uri="{FF2B5EF4-FFF2-40B4-BE49-F238E27FC236}">
-                <a16:creationId xmlns:a16="http://schemas.microsoft.com/office/drawing/2014/main" xmlns="" id="{147EC9DE-1D4C-294F-A200-9B3E09EDE728}"/>
+                <a16:creationId xmlns:a16="http://schemas.microsoft.com/office/drawing/2014/main" id="{147EC9DE-1D4C-294F-A200-9B3E09EDE728}"/>
               </a:ext>
             </a:extLst>
           </p:cNvPr>
@@ -5811,7 +5786,7 @@
           <p:cNvPr id="4" name="Picture 3">
             <a:extLst>
               <a:ext uri="{FF2B5EF4-FFF2-40B4-BE49-F238E27FC236}">
-                <a16:creationId xmlns:a16="http://schemas.microsoft.com/office/drawing/2014/main" xmlns="" id="{5D3A6568-F565-3A4F-AE59-7A334E90AFFC}"/>
+                <a16:creationId xmlns:a16="http://schemas.microsoft.com/office/drawing/2014/main" id="{5D3A6568-F565-3A4F-AE59-7A334E90AFFC}"/>
               </a:ext>
             </a:extLst>
           </p:cNvPr>
@@ -5859,37 +5834,37 @@
           <a:lstStyle/>
           <a:p>
             <a:r>
-              <a:rPr lang="en-US" b="1" dirty="0" smtClean="0"/>
+              <a:rPr lang="en-US" b="1" dirty="0"/>
               <a:t>Airport Codes Key:</a:t>
             </a:r>
           </a:p>
           <a:p>
             <a:r>
-              <a:rPr lang="en-US" sz="2000" dirty="0" smtClean="0"/>
+              <a:rPr lang="en-US" sz="2000" dirty="0"/>
               <a:t>MSY: New Orleans, LA</a:t>
             </a:r>
           </a:p>
           <a:p>
             <a:r>
-              <a:rPr lang="en-US" sz="2000" dirty="0" smtClean="0"/>
+              <a:rPr lang="en-US" sz="2000" dirty="0"/>
               <a:t>LAX: Los Angeles, CA</a:t>
             </a:r>
           </a:p>
           <a:p>
             <a:r>
-              <a:rPr lang="en-US" sz="2000" dirty="0" smtClean="0"/>
+              <a:rPr lang="en-US" sz="2000" dirty="0"/>
               <a:t>EWR: Newark, NJ</a:t>
             </a:r>
           </a:p>
           <a:p>
             <a:r>
-              <a:rPr lang="en-US" sz="2000" dirty="0" smtClean="0"/>
+              <a:rPr lang="en-US" sz="2000" dirty="0"/>
               <a:t>XNA: Bentonville, AK</a:t>
             </a:r>
           </a:p>
           <a:p>
             <a:r>
-              <a:rPr lang="en-US" sz="2000" dirty="0" smtClean="0"/>
+              <a:rPr lang="en-US" sz="2000" dirty="0"/>
               <a:t>BOS: Boston, MA</a:t>
             </a:r>
           </a:p>
@@ -5918,33 +5893,31 @@
           <a:lstStyle/>
           <a:p>
             <a:r>
-              <a:rPr lang="en-US" sz="2000" dirty="0" smtClean="0"/>
+              <a:rPr lang="en-US" sz="2000" dirty="0"/>
               <a:t>MDW: Chicago Midway, IL</a:t>
             </a:r>
           </a:p>
           <a:p>
             <a:r>
-              <a:rPr lang="en-US" sz="2000" dirty="0" smtClean="0"/>
+              <a:rPr lang="en-US" sz="2000" dirty="0"/>
               <a:t>JFK: New York John F. Kennedy, NY</a:t>
             </a:r>
           </a:p>
           <a:p>
             <a:r>
-              <a:rPr lang="en-US" sz="2000" dirty="0" smtClean="0"/>
+              <a:rPr lang="en-US" sz="2000" dirty="0"/>
               <a:t>LGA: New York LaGuardia, NY</a:t>
             </a:r>
-            <a:endParaRPr lang="en-US" sz="2000" dirty="0"/>
-          </a:p>
-          <a:p>
-            <a:r>
-              <a:rPr lang="en-US" sz="2000" dirty="0" smtClean="0"/>
+          </a:p>
+          <a:p>
+            <a:r>
+              <a:rPr lang="en-US" sz="2000" dirty="0"/>
               <a:t>ATL: Atlanta, GA</a:t>
             </a:r>
-            <a:endParaRPr lang="en-US" sz="2000" dirty="0"/>
-          </a:p>
-          <a:p>
-            <a:r>
-              <a:rPr lang="en-US" sz="2000" dirty="0" smtClean="0"/>
+          </a:p>
+          <a:p>
+            <a:r>
+              <a:rPr lang="en-US" sz="2000" dirty="0"/>
               <a:t>SFO: San Francisco, CA</a:t>
             </a:r>
           </a:p>
@@ -5973,17 +5946,15 @@
           <a:lstStyle/>
           <a:p>
             <a:r>
-              <a:rPr lang="en-US" sz="2000" dirty="0" smtClean="0"/>
+              <a:rPr lang="en-US" sz="2000" dirty="0"/>
               <a:t>FLL: Fort Lauderdale, FL</a:t>
             </a:r>
-            <a:endParaRPr lang="en-US" sz="2000" dirty="0"/>
-          </a:p>
-          <a:p>
-            <a:r>
-              <a:rPr lang="en-US" sz="2000" dirty="0" smtClean="0"/>
+          </a:p>
+          <a:p>
+            <a:r>
+              <a:rPr lang="en-US" sz="2000" dirty="0"/>
               <a:t>RIC: Richmond, VA</a:t>
             </a:r>
-            <a:endParaRPr lang="en-US" sz="2000" dirty="0"/>
           </a:p>
         </p:txBody>
       </p:sp>
@@ -7425,7 +7396,7 @@
           <p:cNvPr id="2" name="Title 1">
             <a:extLst>
               <a:ext uri="{FF2B5EF4-FFF2-40B4-BE49-F238E27FC236}">
-                <a16:creationId xmlns:a16="http://schemas.microsoft.com/office/drawing/2014/main" xmlns="" id="{7C222611-9D83-5949-A3EE-A2C85F9188B5}"/>
+                <a16:creationId xmlns:a16="http://schemas.microsoft.com/office/drawing/2014/main" id="{7C222611-9D83-5949-A3EE-A2C85F9188B5}"/>
               </a:ext>
             </a:extLst>
           </p:cNvPr>
@@ -7442,12 +7413,8 @@
           <a:lstStyle/>
           <a:p>
             <a:r>
-              <a:rPr lang="en-US" dirty="0" smtClean="0"/>
-              <a:t>Airport </a:t>
-            </a:r>
-            <a:r>
               <a:rPr lang="en-US" dirty="0"/>
-              <a:t>Conclusions</a:t>
+              <a:t>Airport Conclusions</a:t>
             </a:r>
           </a:p>
         </p:txBody>
@@ -7457,7 +7424,7 @@
           <p:cNvPr id="3" name="Content Placeholder 2">
             <a:extLst>
               <a:ext uri="{FF2B5EF4-FFF2-40B4-BE49-F238E27FC236}">
-                <a16:creationId xmlns:a16="http://schemas.microsoft.com/office/drawing/2014/main" xmlns="" id="{980265B2-E9CA-7A45-A18D-BAF577869FDF}"/>
+                <a16:creationId xmlns:a16="http://schemas.microsoft.com/office/drawing/2014/main" id="{980265B2-E9CA-7A45-A18D-BAF577869FDF}"/>
               </a:ext>
             </a:extLst>
           </p:cNvPr>
@@ -7474,24 +7441,21 @@
           <a:lstStyle/>
           <a:p>
             <a:r>
-              <a:rPr lang="en-US" dirty="0" smtClean="0"/>
+              <a:rPr lang="en-US" dirty="0"/>
               <a:t>Smaller stations are the best ones to fly in and out of to avoid delays</a:t>
             </a:r>
-            <a:endParaRPr lang="en-US" dirty="0"/>
-          </a:p>
-          <a:p>
-            <a:r>
-              <a:rPr lang="en-US" dirty="0" smtClean="0"/>
+          </a:p>
+          <a:p>
+            <a:r>
+              <a:rPr lang="en-US" dirty="0"/>
               <a:t>There is a congregation of NE airports that have higher percentages of delays both out of and to MSP</a:t>
             </a:r>
-            <a:endParaRPr lang="en-US" dirty="0"/>
-          </a:p>
-          <a:p>
-            <a:r>
-              <a:rPr lang="en-US" dirty="0" smtClean="0"/>
+          </a:p>
+          <a:p>
+            <a:r>
+              <a:rPr lang="en-US" dirty="0"/>
               <a:t>The top ten for the best and the worst for both outbound and inbound are pretty consistent</a:t>
             </a:r>
-            <a:endParaRPr lang="en-US" dirty="0"/>
           </a:p>
           <a:p>
             <a:endParaRPr lang="en-US" dirty="0"/>
@@ -7563,7 +7527,7 @@
           <p:cNvPr id="3" name="Picture 2">
             <a:extLst>
               <a:ext uri="{FF2B5EF4-FFF2-40B4-BE49-F238E27FC236}">
-                <a16:creationId xmlns:a16="http://schemas.microsoft.com/office/drawing/2014/main" xmlns="" id="{FF279ECC-26E1-984D-B0D1-9D437615C70D}"/>
+                <a16:creationId xmlns:a16="http://schemas.microsoft.com/office/drawing/2014/main" id="{FF279ECC-26E1-984D-B0D1-9D437615C70D}"/>
               </a:ext>
             </a:extLst>
           </p:cNvPr>
@@ -7594,6 +7558,130 @@
           </a:prstGeom>
         </p:spPr>
       </p:pic>
+      <p:sp>
+        <p:nvSpPr>
+          <p:cNvPr id="4" name="TextBox 3">
+            <a:extLst>
+              <a:ext uri="{FF2B5EF4-FFF2-40B4-BE49-F238E27FC236}">
+                <a16:creationId xmlns:a16="http://schemas.microsoft.com/office/drawing/2014/main" id="{22DF1383-314D-4140-9691-B2063B150561}"/>
+              </a:ext>
+            </a:extLst>
+          </p:cNvPr>
+          <p:cNvSpPr txBox="1"/>
+          <p:nvPr/>
+        </p:nvSpPr>
+        <p:spPr>
+          <a:xfrm>
+            <a:off x="3588328" y="4842163"/>
+            <a:ext cx="4918363" cy="923330"/>
+          </a:xfrm>
+          <a:prstGeom prst="rect">
+            <a:avLst/>
+          </a:prstGeom>
+        </p:spPr>
+        <p:txBody>
+          <a:bodyPr rot="0" spcFirstLastPara="0" vertOverflow="overflow" horzOverflow="overflow" vert="horz" wrap="square" lIns="91440" tIns="45720" rIns="91440" bIns="45720" numCol="1" spcCol="0" rtlCol="0" fromWordArt="0" anchor="t" anchorCtr="0" forceAA="0" compatLnSpc="1">
+            <a:prstTxWarp prst="textNoShape">
+              <a:avLst/>
+            </a:prstTxWarp>
+            <a:spAutoFit/>
+          </a:bodyPr>
+          <a:lstStyle/>
+          <a:p>
+            <a:pPr algn="ctr"/>
+            <a:r>
+              <a:rPr lang="en-US" dirty="0"/>
+              <a:t>DELTA(</a:t>
+            </a:r>
+            <a:r>
+              <a:rPr lang="en-US" b="1" dirty="0"/>
+              <a:t>DL</a:t>
+            </a:r>
+            <a:r>
+              <a:rPr lang="en-US" dirty="0"/>
+              <a:t>) SPIRIT(</a:t>
+            </a:r>
+            <a:r>
+              <a:rPr lang="en-US" b="1" dirty="0"/>
+              <a:t>NK</a:t>
+            </a:r>
+            <a:r>
+              <a:rPr lang="en-US" dirty="0"/>
+              <a:t>) SOUTHWEST(</a:t>
+            </a:r>
+            <a:r>
+              <a:rPr lang="en-US" b="1" dirty="0"/>
+              <a:t>WN</a:t>
+            </a:r>
+            <a:r>
+              <a:rPr lang="en-US" dirty="0"/>
+              <a:t>) </a:t>
+            </a:r>
+          </a:p>
+          <a:p>
+            <a:pPr algn="ctr"/>
+            <a:r>
+              <a:rPr lang="en-US" dirty="0"/>
+              <a:t>ALASKAN(</a:t>
+            </a:r>
+            <a:r>
+              <a:rPr lang="en-US" b="1" dirty="0"/>
+              <a:t>AS</a:t>
+            </a:r>
+            <a:r>
+              <a:rPr lang="en-US" dirty="0"/>
+              <a:t>) UNITED(</a:t>
+            </a:r>
+            <a:r>
+              <a:rPr lang="en-US" b="1" dirty="0"/>
+              <a:t>UA</a:t>
+            </a:r>
+            <a:r>
+              <a:rPr lang="en-US" dirty="0"/>
+              <a:t>) AMERICAN(</a:t>
+            </a:r>
+            <a:r>
+              <a:rPr lang="en-US" b="1" dirty="0"/>
+              <a:t>AA</a:t>
+            </a:r>
+            <a:r>
+              <a:rPr lang="en-US" dirty="0"/>
+              <a:t>) </a:t>
+            </a:r>
+          </a:p>
+          <a:p>
+            <a:pPr algn="ctr"/>
+            <a:r>
+              <a:rPr lang="en-US" dirty="0"/>
+              <a:t>FRONTIER(</a:t>
+            </a:r>
+            <a:r>
+              <a:rPr lang="en-US" b="1" dirty="0"/>
+              <a:t>F9</a:t>
+            </a:r>
+            <a:r>
+              <a:rPr lang="en-US" dirty="0"/>
+              <a:t>) ENDEAVOR(</a:t>
+            </a:r>
+            <a:r>
+              <a:rPr lang="en-US" b="1" dirty="0"/>
+              <a:t>EV</a:t>
+            </a:r>
+            <a:r>
+              <a:rPr lang="en-US" dirty="0"/>
+              <a:t>) SKYWEST(</a:t>
+            </a:r>
+            <a:r>
+              <a:rPr lang="en-US" b="1" dirty="0"/>
+              <a:t>OO</a:t>
+            </a:r>
+            <a:r>
+              <a:rPr lang="en-US" dirty="0"/>
+              <a:t>)</a:t>
+            </a:r>
+          </a:p>
+        </p:txBody>
+      </p:sp>
     </p:spTree>
     <p:extLst>
       <p:ext uri="{BB962C8B-B14F-4D97-AF65-F5344CB8AC3E}">
@@ -7629,7 +7717,7 @@
           <p:cNvPr id="2" name="Title 1">
             <a:extLst>
               <a:ext uri="{FF2B5EF4-FFF2-40B4-BE49-F238E27FC236}">
-                <a16:creationId xmlns:a16="http://schemas.microsoft.com/office/drawing/2014/main" xmlns="" id="{27FBC86B-35E6-B040-9EB7-935763A8688E}"/>
+                <a16:creationId xmlns:a16="http://schemas.microsoft.com/office/drawing/2014/main" id="{27FBC86B-35E6-B040-9EB7-935763A8688E}"/>
               </a:ext>
             </a:extLst>
           </p:cNvPr>
@@ -7657,7 +7745,7 @@
           <p:cNvPr id="3" name="Content Placeholder 2">
             <a:extLst>
               <a:ext uri="{FF2B5EF4-FFF2-40B4-BE49-F238E27FC236}">
-                <a16:creationId xmlns:a16="http://schemas.microsoft.com/office/drawing/2014/main" xmlns="" id="{04618FF0-E74D-874C-90D7-22C5A04592DD}"/>
+                <a16:creationId xmlns:a16="http://schemas.microsoft.com/office/drawing/2014/main" id="{04618FF0-E74D-874C-90D7-22C5A04592DD}"/>
               </a:ext>
             </a:extLst>
           </p:cNvPr>
@@ -7670,10 +7758,93 @@
         </p:nvSpPr>
         <p:spPr/>
         <p:txBody>
-          <a:bodyPr/>
+          <a:bodyPr vert="horz" lIns="91440" tIns="45720" rIns="91440" bIns="45720" rtlCol="0" anchor="t">
+            <a:normAutofit/>
+          </a:bodyPr>
           <a:lstStyle/>
           <a:p>
-            <a:endParaRPr lang="en-US"/>
+            <a:pPr marL="283210" indent="-283210"/>
+            <a:r>
+              <a:rPr lang="en-US" dirty="0"/>
+              <a:t>Don’t like crowds?</a:t>
+            </a:r>
+          </a:p>
+          <a:p>
+            <a:pPr lvl="1" indent="-283210">
+              <a:buFont typeface="Corbel" panose="020B0604020202020204" pitchFamily="34" charset="0"/>
+              <a:buChar char="–"/>
+            </a:pPr>
+            <a:r>
+              <a:rPr lang="en-US" dirty="0"/>
+              <a:t>Fly January/February</a:t>
+            </a:r>
+          </a:p>
+          <a:p>
+            <a:pPr lvl="1" indent="-283210">
+              <a:buFont typeface="Corbel" panose="020B0604020202020204" pitchFamily="34" charset="0"/>
+              <a:buChar char="–"/>
+            </a:pPr>
+            <a:r>
+              <a:rPr lang="en-US" dirty="0"/>
+              <a:t>Fly Saturday and Sunday</a:t>
+            </a:r>
+          </a:p>
+          <a:p>
+            <a:pPr marL="283210" indent="-283210"/>
+            <a:r>
+              <a:rPr lang="en-US" dirty="0"/>
+              <a:t>Don’t like Delays?</a:t>
+            </a:r>
+          </a:p>
+          <a:p>
+            <a:pPr lvl="1" indent="-283210">
+              <a:buFont typeface="Corbel" panose="020B0604020202020204" pitchFamily="34" charset="0"/>
+              <a:buChar char="–"/>
+            </a:pPr>
+            <a:r>
+              <a:rPr lang="en-US" dirty="0"/>
+              <a:t>Fly United, American, Alaskan on departure and try to arrive with Delta</a:t>
+            </a:r>
+          </a:p>
+          <a:p>
+            <a:pPr lvl="1" indent="-283210">
+              <a:buFont typeface="Corbel" panose="020B0604020202020204" pitchFamily="34" charset="0"/>
+              <a:buChar char="–"/>
+            </a:pPr>
+            <a:r>
+              <a:rPr lang="en-US" dirty="0"/>
+              <a:t>Fly September/November,</a:t>
+            </a:r>
+          </a:p>
+          <a:p>
+            <a:pPr lvl="1" indent="-283210">
+              <a:buFont typeface="Corbel" panose="020B0604020202020204" pitchFamily="34" charset="0"/>
+              <a:buChar char="–"/>
+            </a:pPr>
+            <a:r>
+              <a:rPr lang="en-US" dirty="0"/>
+              <a:t>Leave Saturday from MSP</a:t>
+            </a:r>
+          </a:p>
+          <a:p>
+            <a:pPr lvl="1" indent="-283210">
+              <a:buFont typeface="Corbel" panose="020B0604020202020204" pitchFamily="34" charset="0"/>
+              <a:buChar char="–"/>
+            </a:pPr>
+            <a:r>
+              <a:rPr lang="en-US" dirty="0"/>
+              <a:t>Avoid Mondays</a:t>
+            </a:r>
+          </a:p>
+          <a:p>
+            <a:pPr lvl="1" indent="-283210">
+              <a:buFont typeface="Corbel" panose="020B0604020202020204" pitchFamily="34" charset="0"/>
+              <a:buChar char="–"/>
+            </a:pPr>
+            <a:r>
+              <a:rPr lang="en-US" dirty="0"/>
+              <a:t>Not December/January/April (in/out of MSP)</a:t>
+            </a:r>
           </a:p>
         </p:txBody>
       </p:sp>
@@ -7977,7 +8148,7 @@
           <p:cNvPr id="4" name="Picture 3">
             <a:extLst>
               <a:ext uri="{FF2B5EF4-FFF2-40B4-BE49-F238E27FC236}">
-                <a16:creationId xmlns:a16="http://schemas.microsoft.com/office/drawing/2014/main" xmlns="" id="{CAC8D578-E064-5C4B-AB83-6E7E65753AEC}"/>
+                <a16:creationId xmlns:a16="http://schemas.microsoft.com/office/drawing/2014/main" id="{CAC8D578-E064-5C4B-AB83-6E7E65753AEC}"/>
               </a:ext>
             </a:extLst>
           </p:cNvPr>
@@ -8037,7 +8208,7 @@
           <p:cNvPr id="3" name="Picture 2">
             <a:extLst>
               <a:ext uri="{FF2B5EF4-FFF2-40B4-BE49-F238E27FC236}">
-                <a16:creationId xmlns:a16="http://schemas.microsoft.com/office/drawing/2014/main" xmlns="" id="{434A2044-4643-D340-B648-05C9A71FE0EF}"/>
+                <a16:creationId xmlns:a16="http://schemas.microsoft.com/office/drawing/2014/main" id="{434A2044-4643-D340-B648-05C9A71FE0EF}"/>
               </a:ext>
             </a:extLst>
           </p:cNvPr>
@@ -8196,7 +8367,7 @@
           <p:cNvPr id="2" name="Title 1">
             <a:extLst>
               <a:ext uri="{FF2B5EF4-FFF2-40B4-BE49-F238E27FC236}">
-                <a16:creationId xmlns:a16="http://schemas.microsoft.com/office/drawing/2014/main" xmlns="" id="{7C222611-9D83-5949-A3EE-A2C85F9188B5}"/>
+                <a16:creationId xmlns:a16="http://schemas.microsoft.com/office/drawing/2014/main" id="{7C222611-9D83-5949-A3EE-A2C85F9188B5}"/>
               </a:ext>
             </a:extLst>
           </p:cNvPr>
@@ -8224,7 +8395,7 @@
           <p:cNvPr id="3" name="Content Placeholder 2">
             <a:extLst>
               <a:ext uri="{FF2B5EF4-FFF2-40B4-BE49-F238E27FC236}">
-                <a16:creationId xmlns:a16="http://schemas.microsoft.com/office/drawing/2014/main" xmlns="" id="{980265B2-E9CA-7A45-A18D-BAF577869FDF}"/>
+                <a16:creationId xmlns:a16="http://schemas.microsoft.com/office/drawing/2014/main" id="{980265B2-E9CA-7A45-A18D-BAF577869FDF}"/>
               </a:ext>
             </a:extLst>
           </p:cNvPr>
